--- a/slides/slides.pptx
+++ b/slides/slides.pptx
@@ -5,10 +5,10 @@
     <p:sldMasterId id="2147483666" r:id="rId4"/>
   </p:sldMasterIdLst>
   <p:notesMasterIdLst>
-    <p:notesMasterId r:id="rId29"/>
+    <p:notesMasterId r:id="rId33"/>
   </p:notesMasterIdLst>
   <p:handoutMasterIdLst>
-    <p:handoutMasterId r:id="rId30"/>
+    <p:handoutMasterId r:id="rId34"/>
   </p:handoutMasterIdLst>
   <p:sldIdLst>
     <p:sldId id="256" r:id="rId5"/>
@@ -19,22 +19,26 @@
     <p:sldId id="295" r:id="rId10"/>
     <p:sldId id="296" r:id="rId11"/>
     <p:sldId id="297" r:id="rId12"/>
-    <p:sldId id="276" r:id="rId13"/>
-    <p:sldId id="262" r:id="rId14"/>
-    <p:sldId id="264" r:id="rId15"/>
-    <p:sldId id="278" r:id="rId16"/>
-    <p:sldId id="266" r:id="rId17"/>
-    <p:sldId id="292" r:id="rId18"/>
-    <p:sldId id="268" r:id="rId19"/>
-    <p:sldId id="280" r:id="rId20"/>
-    <p:sldId id="270" r:id="rId21"/>
-    <p:sldId id="293" r:id="rId22"/>
-    <p:sldId id="294" r:id="rId23"/>
-    <p:sldId id="260" r:id="rId24"/>
-    <p:sldId id="282" r:id="rId25"/>
-    <p:sldId id="283" r:id="rId26"/>
-    <p:sldId id="290" r:id="rId27"/>
-    <p:sldId id="275" r:id="rId28"/>
+    <p:sldId id="298" r:id="rId13"/>
+    <p:sldId id="299" r:id="rId14"/>
+    <p:sldId id="300" r:id="rId15"/>
+    <p:sldId id="301" r:id="rId16"/>
+    <p:sldId id="276" r:id="rId17"/>
+    <p:sldId id="262" r:id="rId18"/>
+    <p:sldId id="264" r:id="rId19"/>
+    <p:sldId id="278" r:id="rId20"/>
+    <p:sldId id="266" r:id="rId21"/>
+    <p:sldId id="292" r:id="rId22"/>
+    <p:sldId id="268" r:id="rId23"/>
+    <p:sldId id="280" r:id="rId24"/>
+    <p:sldId id="270" r:id="rId25"/>
+    <p:sldId id="293" r:id="rId26"/>
+    <p:sldId id="294" r:id="rId27"/>
+    <p:sldId id="260" r:id="rId28"/>
+    <p:sldId id="282" r:id="rId29"/>
+    <p:sldId id="283" r:id="rId30"/>
+    <p:sldId id="290" r:id="rId31"/>
+    <p:sldId id="275" r:id="rId32"/>
   </p:sldIdLst>
   <p:sldSz cx="12192000" cy="6858000"/>
   <p:notesSz cx="6858000" cy="9144000"/>
@@ -1918,7 +1922,7 @@
           <a:p>
             <a:fld id="{F352A77B-D33C-49B3-A83C-450AA2ED72B3}" type="datetimeFigureOut">
               <a:rPr lang="en-US" smtClean="0"/>
-              <a:t>8/12/2021</a:t>
+              <a:t>8/13/2021</a:t>
             </a:fld>
             <a:endParaRPr lang="en-US"/>
           </a:p>
@@ -2095,7 +2099,7 @@
           <a:p>
             <a:fld id="{E38D8F9A-F5CB-4EF8-A859-ED5E107B9763}" type="datetimeFigureOut">
               <a:rPr lang="en-US" smtClean="0"/>
-              <a:t>8/12/2021</a:t>
+              <a:t>8/13/2021</a:t>
             </a:fld>
             <a:endParaRPr lang="en-US"/>
           </a:p>
@@ -19274,422 +19278,40 @@
           <a:chExt cx="0" cy="0"/>
         </a:xfrm>
       </p:grpSpPr>
-      <p:sp>
-        <p:nvSpPr>
-          <p:cNvPr id="2" name="Title 1">
-            <a:extLst>
-              <a:ext uri="{FF2B5EF4-FFF2-40B4-BE49-F238E27FC236}">
-                <a16:creationId xmlns:a16="http://schemas.microsoft.com/office/drawing/2014/main" id="{75031FE9-9059-4FE8-B4AC-9771F23A1B89}"/>
-              </a:ext>
-            </a:extLst>
-          </p:cNvPr>
-          <p:cNvSpPr>
-            <a:spLocks noGrp="1"/>
-          </p:cNvSpPr>
-          <p:nvPr>
-            <p:ph type="title"/>
-          </p:nvPr>
-        </p:nvSpPr>
-        <p:spPr>
-          <a:xfrm>
-            <a:off x="1885156" y="892177"/>
-            <a:ext cx="8421688" cy="1325563"/>
-          </a:xfrm>
-        </p:spPr>
-        <p:txBody>
-          <a:bodyPr/>
-          <a:lstStyle/>
-          <a:p>
-            <a:r>
-              <a:rPr lang="en-US"/>
-              <a:t>SOLUTION</a:t>
-            </a:r>
-          </a:p>
-        </p:txBody>
-      </p:sp>
-      <p:sp>
-        <p:nvSpPr>
-          <p:cNvPr id="3" name="Content Placeholder 2">
-            <a:extLst>
-              <a:ext uri="{FF2B5EF4-FFF2-40B4-BE49-F238E27FC236}">
-                <a16:creationId xmlns:a16="http://schemas.microsoft.com/office/drawing/2014/main" id="{D4A2EB3F-4D60-451F-8F45-7D6654D2FCD9}"/>
-              </a:ext>
-            </a:extLst>
-          </p:cNvPr>
-          <p:cNvSpPr>
-            <a:spLocks noGrp="1"/>
-          </p:cNvSpPr>
-          <p:nvPr>
-            <p:ph type="body" sz="quarter" idx="13"/>
-          </p:nvPr>
-        </p:nvSpPr>
-        <p:spPr>
-          <a:xfrm>
-            <a:off x="1485900" y="2563123"/>
-            <a:ext cx="4031945" cy="365125"/>
-          </a:xfrm>
-        </p:spPr>
-        <p:txBody>
-          <a:bodyPr vert="horz" lIns="91440" tIns="45720" rIns="91440" bIns="45720" rtlCol="0" anchor="t">
-            <a:normAutofit lnSpcReduction="10000"/>
-          </a:bodyPr>
-          <a:lstStyle/>
-          <a:p>
-            <a:r>
-              <a:rPr lang="en-US"/>
-              <a:t>CLOSE THE GAP</a:t>
-            </a:r>
-          </a:p>
-        </p:txBody>
-      </p:sp>
-      <p:sp>
-        <p:nvSpPr>
-          <p:cNvPr id="4" name="Text Placeholder 3">
-            <a:extLst>
-              <a:ext uri="{FF2B5EF4-FFF2-40B4-BE49-F238E27FC236}">
-                <a16:creationId xmlns:a16="http://schemas.microsoft.com/office/drawing/2014/main" id="{AC1C80FB-53F9-42EE-B1E6-D0F998EC5DFA}"/>
-              </a:ext>
-            </a:extLst>
-          </p:cNvPr>
-          <p:cNvSpPr>
-            <a:spLocks noGrp="1"/>
-          </p:cNvSpPr>
-          <p:nvPr>
-            <p:ph type="body" sz="quarter" idx="15"/>
-          </p:nvPr>
-        </p:nvSpPr>
-        <p:spPr>
-          <a:xfrm>
-            <a:off x="1485664" y="3070348"/>
-            <a:ext cx="4031030" cy="1057308"/>
-          </a:xfrm>
-        </p:spPr>
-        <p:txBody>
-          <a:bodyPr/>
-          <a:lstStyle/>
-          <a:p>
-            <a:r>
-              <a:rPr lang="en-US"/>
-              <a:t>Our product makes consumer lives easier, and no other product on the market offers the same features</a:t>
-            </a:r>
-          </a:p>
-        </p:txBody>
-      </p:sp>
-      <p:sp>
-        <p:nvSpPr>
-          <p:cNvPr id="5" name="Text Placeholder 4">
-            <a:extLst>
-              <a:ext uri="{FF2B5EF4-FFF2-40B4-BE49-F238E27FC236}">
-                <a16:creationId xmlns:a16="http://schemas.microsoft.com/office/drawing/2014/main" id="{E81BA2B5-6A90-4204-ABDD-7183FBB03A02}"/>
-              </a:ext>
-            </a:extLst>
-          </p:cNvPr>
-          <p:cNvSpPr>
-            <a:spLocks noGrp="1"/>
-          </p:cNvSpPr>
-          <p:nvPr>
-            <p:ph type="body" sz="quarter" idx="16"/>
-          </p:nvPr>
-        </p:nvSpPr>
-        <p:spPr>
-          <a:xfrm>
-            <a:off x="6673004" y="2563123"/>
-            <a:ext cx="4031945" cy="365125"/>
-          </a:xfrm>
-        </p:spPr>
-        <p:txBody>
-          <a:bodyPr>
-            <a:normAutofit lnSpcReduction="10000"/>
-          </a:bodyPr>
-          <a:lstStyle/>
-          <a:p>
-            <a:r>
-              <a:rPr lang="en-US"/>
-              <a:t>TARGET AUDIENCE</a:t>
-            </a:r>
-          </a:p>
-        </p:txBody>
-      </p:sp>
-      <p:sp>
-        <p:nvSpPr>
-          <p:cNvPr id="6" name="Text Placeholder 5">
-            <a:extLst>
-              <a:ext uri="{FF2B5EF4-FFF2-40B4-BE49-F238E27FC236}">
-                <a16:creationId xmlns:a16="http://schemas.microsoft.com/office/drawing/2014/main" id="{7E7D4C34-22A0-4D54-A07D-E1E9A11463E5}"/>
-              </a:ext>
-            </a:extLst>
-          </p:cNvPr>
-          <p:cNvSpPr>
-            <a:spLocks noGrp="1"/>
-          </p:cNvSpPr>
-          <p:nvPr>
-            <p:ph type="body" sz="quarter" idx="17"/>
-          </p:nvPr>
-        </p:nvSpPr>
-        <p:spPr>
-          <a:xfrm>
-            <a:off x="6673143" y="3070348"/>
-            <a:ext cx="4031030" cy="1057308"/>
-          </a:xfrm>
-        </p:spPr>
-        <p:txBody>
-          <a:bodyPr/>
-          <a:lstStyle/>
-          <a:p>
-            <a:r>
-              <a:rPr lang="en-US"/>
-              <a:t>Our target audience is Gen Z (18-25 years old)</a:t>
-            </a:r>
-          </a:p>
-          <a:p>
-            <a:endParaRPr lang="en-US"/>
-          </a:p>
-        </p:txBody>
-      </p:sp>
-      <p:sp>
-        <p:nvSpPr>
-          <p:cNvPr id="7" name="Text Placeholder 6">
-            <a:extLst>
-              <a:ext uri="{FF2B5EF4-FFF2-40B4-BE49-F238E27FC236}">
-                <a16:creationId xmlns:a16="http://schemas.microsoft.com/office/drawing/2014/main" id="{301D392D-FB66-47A0-B628-5ADE822A2CFF}"/>
-              </a:ext>
-            </a:extLst>
-          </p:cNvPr>
-          <p:cNvSpPr>
-            <a:spLocks noGrp="1"/>
-          </p:cNvSpPr>
-          <p:nvPr>
-            <p:ph type="body" sz="quarter" idx="18"/>
-          </p:nvPr>
-        </p:nvSpPr>
-        <p:spPr>
-          <a:xfrm>
-            <a:off x="1485899" y="4319431"/>
-            <a:ext cx="4031945" cy="365125"/>
-          </a:xfrm>
-        </p:spPr>
-        <p:txBody>
-          <a:bodyPr>
-            <a:normAutofit lnSpcReduction="10000"/>
-          </a:bodyPr>
-          <a:lstStyle/>
-          <a:p>
-            <a:r>
-              <a:rPr lang="en-US"/>
-              <a:t>COST SAVINGS</a:t>
-            </a:r>
-          </a:p>
-        </p:txBody>
-      </p:sp>
-      <p:sp>
-        <p:nvSpPr>
-          <p:cNvPr id="8" name="Text Placeholder 7">
-            <a:extLst>
-              <a:ext uri="{FF2B5EF4-FFF2-40B4-BE49-F238E27FC236}">
-                <a16:creationId xmlns:a16="http://schemas.microsoft.com/office/drawing/2014/main" id="{51C26CE0-2506-4B44-A26F-C12BFA5B18B5}"/>
-              </a:ext>
-            </a:extLst>
-          </p:cNvPr>
-          <p:cNvSpPr>
-            <a:spLocks noGrp="1"/>
-          </p:cNvSpPr>
-          <p:nvPr>
-            <p:ph type="body" sz="quarter" idx="19"/>
-          </p:nvPr>
-        </p:nvSpPr>
-        <p:spPr>
-          <a:xfrm>
-            <a:off x="1486412" y="4826656"/>
-            <a:ext cx="4031030" cy="1057308"/>
-          </a:xfrm>
-        </p:spPr>
-        <p:txBody>
-          <a:bodyPr/>
-          <a:lstStyle/>
-          <a:p>
-            <a:r>
-              <a:rPr lang="en-US"/>
-              <a:t>Reduce expenses for replacement products </a:t>
-            </a:r>
-          </a:p>
-          <a:p>
-            <a:endParaRPr lang="en-US"/>
-          </a:p>
-        </p:txBody>
-      </p:sp>
-      <p:sp>
-        <p:nvSpPr>
-          <p:cNvPr id="9" name="Text Placeholder 8">
-            <a:extLst>
-              <a:ext uri="{FF2B5EF4-FFF2-40B4-BE49-F238E27FC236}">
-                <a16:creationId xmlns:a16="http://schemas.microsoft.com/office/drawing/2014/main" id="{868F40F8-BF35-45E9-B3DD-5436362D746E}"/>
-              </a:ext>
-            </a:extLst>
-          </p:cNvPr>
-          <p:cNvSpPr>
-            <a:spLocks noGrp="1"/>
-          </p:cNvSpPr>
-          <p:nvPr>
-            <p:ph type="body" sz="quarter" idx="23"/>
-          </p:nvPr>
-        </p:nvSpPr>
-        <p:spPr>
-          <a:xfrm>
-            <a:off x="6672630" y="4319431"/>
-            <a:ext cx="4031945" cy="365125"/>
-          </a:xfrm>
-        </p:spPr>
-        <p:txBody>
-          <a:bodyPr>
-            <a:normAutofit lnSpcReduction="10000"/>
-          </a:bodyPr>
-          <a:lstStyle/>
-          <a:p>
-            <a:r>
-              <a:rPr lang="en-US"/>
-              <a:t>EASY TO USE</a:t>
-            </a:r>
-          </a:p>
-        </p:txBody>
-      </p:sp>
-      <p:sp>
-        <p:nvSpPr>
-          <p:cNvPr id="10" name="Text Placeholder 9">
-            <a:extLst>
-              <a:ext uri="{FF2B5EF4-FFF2-40B4-BE49-F238E27FC236}">
-                <a16:creationId xmlns:a16="http://schemas.microsoft.com/office/drawing/2014/main" id="{7F39C97C-2DDC-4706-B96C-B02FAE53A426}"/>
-              </a:ext>
-            </a:extLst>
-          </p:cNvPr>
-          <p:cNvSpPr>
-            <a:spLocks noGrp="1"/>
-          </p:cNvSpPr>
-          <p:nvPr>
-            <p:ph type="body" sz="quarter" idx="24"/>
-          </p:nvPr>
-        </p:nvSpPr>
-        <p:spPr>
-          <a:xfrm>
-            <a:off x="6673143" y="4826656"/>
-            <a:ext cx="4031030" cy="1057308"/>
-          </a:xfrm>
-        </p:spPr>
-        <p:txBody>
-          <a:bodyPr/>
-          <a:lstStyle/>
-          <a:p>
-            <a:r>
-              <a:rPr lang="en-US"/>
-              <a:t>Simple design that gives customers the targeted information they need</a:t>
-            </a:r>
-          </a:p>
-        </p:txBody>
-      </p:sp>
-      <p:sp>
-        <p:nvSpPr>
-          <p:cNvPr id="80" name="Date Placeholder 79">
-            <a:extLst>
-              <a:ext uri="{FF2B5EF4-FFF2-40B4-BE49-F238E27FC236}">
-                <a16:creationId xmlns:a16="http://schemas.microsoft.com/office/drawing/2014/main" id="{BC1F9D86-85D8-4FD0-B0D3-47D778722782}"/>
-              </a:ext>
-            </a:extLst>
-          </p:cNvPr>
-          <p:cNvSpPr>
-            <a:spLocks noGrp="1"/>
-          </p:cNvSpPr>
-          <p:nvPr>
-            <p:ph type="dt" sz="half" idx="20"/>
-          </p:nvPr>
-        </p:nvSpPr>
-        <p:spPr>
-          <a:xfrm>
-            <a:off x="838200" y="6356350"/>
-            <a:ext cx="2743200" cy="365125"/>
-          </a:xfrm>
-        </p:spPr>
-        <p:txBody>
-          <a:bodyPr/>
-          <a:lstStyle/>
-          <a:p>
-            <a:r>
-              <a:rPr lang="en-US"/>
-              <a:t>20XX</a:t>
-            </a:r>
-          </a:p>
-        </p:txBody>
-      </p:sp>
-      <p:sp>
-        <p:nvSpPr>
-          <p:cNvPr id="81" name="Footer Placeholder 80">
-            <a:extLst>
-              <a:ext uri="{FF2B5EF4-FFF2-40B4-BE49-F238E27FC236}">
-                <a16:creationId xmlns:a16="http://schemas.microsoft.com/office/drawing/2014/main" id="{E94F1D24-E4A1-4B59-B57E-A28453963B88}"/>
-              </a:ext>
-            </a:extLst>
-          </p:cNvPr>
-          <p:cNvSpPr>
-            <a:spLocks noGrp="1"/>
-          </p:cNvSpPr>
-          <p:nvPr>
-            <p:ph type="ftr" sz="quarter" idx="21"/>
-          </p:nvPr>
-        </p:nvSpPr>
-        <p:spPr>
-          <a:xfrm>
-            <a:off x="4038600" y="6356350"/>
-            <a:ext cx="4114800" cy="365125"/>
-          </a:xfrm>
-        </p:spPr>
-        <p:txBody>
-          <a:bodyPr/>
-          <a:lstStyle/>
-          <a:p>
-            <a:r>
-              <a:rPr lang="en-US"/>
-              <a:t>Pitch Deck</a:t>
-            </a:r>
-          </a:p>
-        </p:txBody>
-      </p:sp>
-      <p:sp>
-        <p:nvSpPr>
-          <p:cNvPr id="82" name="Slide Number Placeholder 81">
-            <a:extLst>
-              <a:ext uri="{FF2B5EF4-FFF2-40B4-BE49-F238E27FC236}">
-                <a16:creationId xmlns:a16="http://schemas.microsoft.com/office/drawing/2014/main" id="{CE36A058-BEC2-4BC5-A467-F2EB2A365051}"/>
-              </a:ext>
-            </a:extLst>
-          </p:cNvPr>
-          <p:cNvSpPr>
-            <a:spLocks noGrp="1"/>
-          </p:cNvSpPr>
-          <p:nvPr>
-            <p:ph type="sldNum" sz="quarter" idx="22"/>
-          </p:nvPr>
-        </p:nvSpPr>
-        <p:spPr>
-          <a:xfrm>
-            <a:off x="8610600" y="6356350"/>
-            <a:ext cx="2743200" cy="365125"/>
-          </a:xfrm>
-        </p:spPr>
-        <p:txBody>
-          <a:bodyPr/>
-          <a:lstStyle/>
-          <a:p>
-            <a:fld id="{B5CEABB6-07DC-46E8-9B57-56EC44A396E5}" type="slidenum">
-              <a:rPr lang="en-US" smtClean="0"/>
-              <a:pPr/>
-              <a:t>10</a:t>
-            </a:fld>
-            <a:endParaRPr lang="en-US"/>
-          </a:p>
-        </p:txBody>
-      </p:sp>
+      <p:pic>
+        <p:nvPicPr>
+          <p:cNvPr id="5" name="Picture 4" descr="Chart, pie chart&#10;&#10;Description automatically generated">
+            <a:extLst>
+              <a:ext uri="{FF2B5EF4-FFF2-40B4-BE49-F238E27FC236}">
+                <a16:creationId xmlns:a16="http://schemas.microsoft.com/office/drawing/2014/main" id="{B12086BE-B46A-4F79-A2EA-393B396A1BC8}"/>
+              </a:ext>
+            </a:extLst>
+          </p:cNvPr>
+          <p:cNvPicPr>
+            <a:picLocks noChangeAspect="1"/>
+          </p:cNvPicPr>
+          <p:nvPr/>
+        </p:nvPicPr>
+        <p:blipFill>
+          <a:blip r:embed="rId2"/>
+          <a:stretch>
+            <a:fillRect/>
+          </a:stretch>
+        </p:blipFill>
+        <p:spPr>
+          <a:xfrm>
+            <a:off x="1652215" y="141357"/>
+            <a:ext cx="8843232" cy="6608417"/>
+          </a:xfrm>
+          <a:prstGeom prst="rect">
+            <a:avLst/>
+          </a:prstGeom>
+        </p:spPr>
+      </p:pic>
     </p:spTree>
     <p:extLst>
       <p:ext uri="{BB962C8B-B14F-4D97-AF65-F5344CB8AC3E}">
-        <p14:creationId xmlns:p14="http://schemas.microsoft.com/office/powerpoint/2010/main" val="1593920805"/>
+        <p14:creationId xmlns:p14="http://schemas.microsoft.com/office/powerpoint/2010/main" val="3319334092"/>
       </p:ext>
     </p:extLst>
   </p:cSld>
@@ -19716,191 +19338,40 @@
           <a:chExt cx="0" cy="0"/>
         </a:xfrm>
       </p:grpSpPr>
-      <p:sp>
-        <p:nvSpPr>
-          <p:cNvPr id="2" name="Title 1">
-            <a:extLst>
-              <a:ext uri="{FF2B5EF4-FFF2-40B4-BE49-F238E27FC236}">
-                <a16:creationId xmlns:a16="http://schemas.microsoft.com/office/drawing/2014/main" id="{537E1C88-627C-4655-A4FB-0BB02EDB078A}"/>
-              </a:ext>
-            </a:extLst>
-          </p:cNvPr>
-          <p:cNvSpPr>
-            <a:spLocks noGrp="1"/>
-          </p:cNvSpPr>
-          <p:nvPr>
-            <p:ph type="title"/>
-          </p:nvPr>
-        </p:nvSpPr>
-        <p:spPr>
-          <a:xfrm>
-            <a:off x="1362075" y="1671639"/>
-            <a:ext cx="5111750" cy="1204912"/>
-          </a:xfrm>
-        </p:spPr>
-        <p:txBody>
-          <a:bodyPr/>
-          <a:lstStyle/>
-          <a:p>
-            <a:r>
-              <a:rPr lang="en-US" dirty="0"/>
-              <a:t>PRODUCT BENEFITS</a:t>
-            </a:r>
-          </a:p>
-        </p:txBody>
-      </p:sp>
-      <p:sp>
-        <p:nvSpPr>
-          <p:cNvPr id="3" name="Content Placeholder 2">
-            <a:extLst>
-              <a:ext uri="{FF2B5EF4-FFF2-40B4-BE49-F238E27FC236}">
-                <a16:creationId xmlns:a16="http://schemas.microsoft.com/office/drawing/2014/main" id="{033634FE-ADF0-4BC3-A0A9-447EA9DD096B}"/>
-              </a:ext>
-            </a:extLst>
-          </p:cNvPr>
-          <p:cNvSpPr>
-            <a:spLocks noGrp="1"/>
-          </p:cNvSpPr>
-          <p:nvPr>
-            <p:ph type="body" idx="1"/>
-          </p:nvPr>
-        </p:nvSpPr>
-        <p:spPr>
-          <a:xfrm>
-            <a:off x="1362075" y="3660774"/>
-            <a:ext cx="5111750" cy="1525588"/>
-          </a:xfrm>
-        </p:spPr>
-        <p:txBody>
-          <a:bodyPr vert="horz" lIns="91440" tIns="45720" rIns="91440" bIns="45720" rtlCol="0" anchor="t">
-            <a:normAutofit/>
-          </a:bodyPr>
-          <a:lstStyle/>
-          <a:p>
-            <a:r>
-              <a:rPr lang="en-ZA" dirty="0"/>
-              <a:t>Cool and stylish product</a:t>
-            </a:r>
-          </a:p>
-          <a:p>
-            <a:r>
-              <a:rPr lang="en-ZA" noProof="1"/>
-              <a:t>Areas for community connections </a:t>
-            </a:r>
-          </a:p>
-          <a:p>
-            <a:r>
-              <a:rPr lang="en-ZA" noProof="1"/>
-              <a:t>Online store and market swap</a:t>
-            </a:r>
-          </a:p>
-        </p:txBody>
-      </p:sp>
-      <p:sp>
-        <p:nvSpPr>
-          <p:cNvPr id="4" name="Date Placeholder 3">
-            <a:extLst>
-              <a:ext uri="{FF2B5EF4-FFF2-40B4-BE49-F238E27FC236}">
-                <a16:creationId xmlns:a16="http://schemas.microsoft.com/office/drawing/2014/main" id="{5C2ACA2A-6BBE-47CF-B76F-F56C9DBF77E6}"/>
-              </a:ext>
-            </a:extLst>
-          </p:cNvPr>
-          <p:cNvSpPr>
-            <a:spLocks noGrp="1"/>
-          </p:cNvSpPr>
-          <p:nvPr>
-            <p:ph type="dt" sz="half" idx="10"/>
-          </p:nvPr>
-        </p:nvSpPr>
-        <p:spPr>
-          <a:xfrm>
-            <a:off x="838200" y="6356350"/>
-            <a:ext cx="2743200" cy="365125"/>
-          </a:xfrm>
-        </p:spPr>
-        <p:txBody>
-          <a:bodyPr/>
-          <a:lstStyle/>
-          <a:p>
-            <a:r>
-              <a:rPr lang="en-US"/>
-              <a:t>20XX</a:t>
-            </a:r>
-          </a:p>
-        </p:txBody>
-      </p:sp>
-      <p:sp>
-        <p:nvSpPr>
-          <p:cNvPr id="5" name="Footer Placeholder 4">
-            <a:extLst>
-              <a:ext uri="{FF2B5EF4-FFF2-40B4-BE49-F238E27FC236}">
-                <a16:creationId xmlns:a16="http://schemas.microsoft.com/office/drawing/2014/main" id="{396A095E-DB05-47EC-A2D5-47398A4A00B4}"/>
-              </a:ext>
-            </a:extLst>
-          </p:cNvPr>
-          <p:cNvSpPr>
-            <a:spLocks noGrp="1"/>
-          </p:cNvSpPr>
-          <p:nvPr>
-            <p:ph type="ftr" sz="quarter" idx="11"/>
-          </p:nvPr>
-        </p:nvSpPr>
-        <p:spPr>
-          <a:xfrm>
-            <a:off x="5224463" y="6356350"/>
-            <a:ext cx="1743075" cy="365125"/>
-          </a:xfrm>
-        </p:spPr>
-        <p:txBody>
-          <a:bodyPr/>
-          <a:lstStyle/>
-          <a:p>
-            <a:r>
-              <a:rPr lang="en-US"/>
-              <a:t>Pitch Deck</a:t>
-            </a:r>
-          </a:p>
-        </p:txBody>
-      </p:sp>
-      <p:sp>
-        <p:nvSpPr>
-          <p:cNvPr id="6" name="Slide Number Placeholder 5">
-            <a:extLst>
-              <a:ext uri="{FF2B5EF4-FFF2-40B4-BE49-F238E27FC236}">
-                <a16:creationId xmlns:a16="http://schemas.microsoft.com/office/drawing/2014/main" id="{C23C3221-5F04-4CA7-A86A-EEA8566A1735}"/>
-              </a:ext>
-            </a:extLst>
-          </p:cNvPr>
-          <p:cNvSpPr>
-            <a:spLocks noGrp="1"/>
-          </p:cNvSpPr>
-          <p:nvPr>
-            <p:ph type="sldNum" sz="quarter" idx="12"/>
-          </p:nvPr>
-        </p:nvSpPr>
-        <p:spPr>
-          <a:xfrm>
-            <a:off x="8610600" y="6356350"/>
-            <a:ext cx="2743200" cy="365125"/>
-          </a:xfrm>
-        </p:spPr>
-        <p:txBody>
-          <a:bodyPr/>
-          <a:lstStyle/>
-          <a:p>
-            <a:fld id="{B5CEABB6-07DC-46E8-9B57-56EC44A396E5}" type="slidenum">
-              <a:rPr lang="en-US" smtClean="0"/>
-              <a:pPr/>
-              <a:t>11</a:t>
-            </a:fld>
-            <a:endParaRPr lang="en-US"/>
-          </a:p>
-        </p:txBody>
-      </p:sp>
+      <p:pic>
+        <p:nvPicPr>
+          <p:cNvPr id="12" name="Picture 11" descr="Chart, bubble chart&#10;&#10;Description automatically generated">
+            <a:extLst>
+              <a:ext uri="{FF2B5EF4-FFF2-40B4-BE49-F238E27FC236}">
+                <a16:creationId xmlns:a16="http://schemas.microsoft.com/office/drawing/2014/main" id="{1FD9E075-A30A-4B36-B6E9-47285BBCBEAC}"/>
+              </a:ext>
+            </a:extLst>
+          </p:cNvPr>
+          <p:cNvPicPr>
+            <a:picLocks noChangeAspect="1"/>
+          </p:cNvPicPr>
+          <p:nvPr/>
+        </p:nvPicPr>
+        <p:blipFill>
+          <a:blip r:embed="rId2"/>
+          <a:stretch>
+            <a:fillRect/>
+          </a:stretch>
+        </p:blipFill>
+        <p:spPr>
+          <a:xfrm>
+            <a:off x="0" y="0"/>
+            <a:ext cx="12192000" cy="6857999"/>
+          </a:xfrm>
+          <a:prstGeom prst="rect">
+            <a:avLst/>
+          </a:prstGeom>
+        </p:spPr>
+      </p:pic>
     </p:spTree>
     <p:extLst>
       <p:ext uri="{BB962C8B-B14F-4D97-AF65-F5344CB8AC3E}">
-        <p14:creationId xmlns:p14="http://schemas.microsoft.com/office/powerpoint/2010/main" val="1346372204"/>
+        <p14:creationId xmlns:p14="http://schemas.microsoft.com/office/powerpoint/2010/main" val="62749926"/>
       </p:ext>
     </p:extLst>
   </p:cSld>
@@ -19932,21 +19403,21 @@
           <p:cNvPr id="2" name="Title 1">
             <a:extLst>
               <a:ext uri="{FF2B5EF4-FFF2-40B4-BE49-F238E27FC236}">
-                <a16:creationId xmlns:a16="http://schemas.microsoft.com/office/drawing/2014/main" id="{8A4E0A63-A388-49B1-A04E-27CE9BD622EF}"/>
-              </a:ext>
-            </a:extLst>
-          </p:cNvPr>
-          <p:cNvSpPr>
-            <a:spLocks noGrp="1"/>
-          </p:cNvSpPr>
-          <p:nvPr>
-            <p:ph type="title"/>
-          </p:nvPr>
-        </p:nvSpPr>
-        <p:spPr>
-          <a:xfrm>
-            <a:off x="5920169" y="1152771"/>
-            <a:ext cx="5431971" cy="846301"/>
+                <a16:creationId xmlns:a16="http://schemas.microsoft.com/office/drawing/2014/main" id="{A29DE7F2-E890-4744-88DD-A75F5E300513}"/>
+              </a:ext>
+            </a:extLst>
+          </p:cNvPr>
+          <p:cNvSpPr>
+            <a:spLocks noGrp="1"/>
+          </p:cNvSpPr>
+          <p:nvPr>
+            <p:ph type="ctrTitle"/>
+          </p:nvPr>
+        </p:nvSpPr>
+        <p:spPr>
+          <a:xfrm>
+            <a:off x="6991350" y="2028949"/>
+            <a:ext cx="4179570" cy="2723576"/>
           </a:xfrm>
         </p:spPr>
         <p:txBody>
@@ -19954,327 +19425,25 @@
           <a:lstStyle/>
           <a:p>
             <a:r>
-              <a:rPr lang="en-ZA"/>
-              <a:t>BUSINESS MODEL</a:t>
-            </a:r>
-          </a:p>
-        </p:txBody>
-      </p:sp>
-      <p:sp>
-        <p:nvSpPr>
-          <p:cNvPr id="6" name="Text Placeholder 5">
-            <a:extLst>
-              <a:ext uri="{FF2B5EF4-FFF2-40B4-BE49-F238E27FC236}">
-                <a16:creationId xmlns:a16="http://schemas.microsoft.com/office/drawing/2014/main" id="{7640DF9D-0C9E-4C5D-9635-6B4DE10CCEE5}"/>
-              </a:ext>
-            </a:extLst>
-          </p:cNvPr>
-          <p:cNvSpPr>
-            <a:spLocks noGrp="1"/>
-          </p:cNvSpPr>
-          <p:nvPr>
-            <p:ph type="body" sz="quarter" idx="13"/>
-          </p:nvPr>
-        </p:nvSpPr>
-        <p:spPr>
-          <a:xfrm>
-            <a:off x="5922254" y="2469515"/>
-            <a:ext cx="5433204" cy="365125"/>
-          </a:xfrm>
-        </p:spPr>
-        <p:txBody>
-          <a:bodyPr vert="horz" lIns="91440" tIns="45720" rIns="91440" bIns="45720" rtlCol="0" anchor="t">
-            <a:noAutofit/>
-          </a:bodyPr>
-          <a:lstStyle/>
-          <a:p>
-            <a:r>
-              <a:rPr lang="en-ZA" noProof="1"/>
-              <a:t>ABSTRACT</a:t>
-            </a:r>
-          </a:p>
-        </p:txBody>
-      </p:sp>
-      <p:sp>
-        <p:nvSpPr>
-          <p:cNvPr id="7" name="Text Placeholder 6">
-            <a:extLst>
-              <a:ext uri="{FF2B5EF4-FFF2-40B4-BE49-F238E27FC236}">
-                <a16:creationId xmlns:a16="http://schemas.microsoft.com/office/drawing/2014/main" id="{40297407-CE4E-4284-879D-AEC395713625}"/>
-              </a:ext>
-            </a:extLst>
-          </p:cNvPr>
-          <p:cNvSpPr>
-            <a:spLocks noGrp="1"/>
-          </p:cNvSpPr>
-          <p:nvPr>
-            <p:ph type="body" sz="quarter" idx="15"/>
-          </p:nvPr>
-        </p:nvSpPr>
-        <p:spPr>
-          <a:xfrm>
-            <a:off x="5921828" y="2798940"/>
-            <a:ext cx="5431971" cy="557950"/>
-          </a:xfrm>
-        </p:spPr>
-        <p:txBody>
-          <a:bodyPr>
-            <a:normAutofit/>
-          </a:bodyPr>
-          <a:lstStyle/>
-          <a:p>
-            <a:r>
-              <a:rPr lang="en-ZA" noProof="1"/>
-              <a:t>We based our research on market trends and social media</a:t>
-            </a:r>
-          </a:p>
-        </p:txBody>
-      </p:sp>
-      <p:sp>
-        <p:nvSpPr>
-          <p:cNvPr id="8" name="Text Placeholder 7">
-            <a:extLst>
-              <a:ext uri="{FF2B5EF4-FFF2-40B4-BE49-F238E27FC236}">
-                <a16:creationId xmlns:a16="http://schemas.microsoft.com/office/drawing/2014/main" id="{F5C3A7BE-F7FC-4942-A31A-491A8A806103}"/>
-              </a:ext>
-            </a:extLst>
-          </p:cNvPr>
-          <p:cNvSpPr>
-            <a:spLocks noGrp="1"/>
-          </p:cNvSpPr>
-          <p:nvPr>
-            <p:ph type="body" sz="quarter" idx="23"/>
-          </p:nvPr>
-        </p:nvSpPr>
-        <p:spPr>
-          <a:xfrm>
-            <a:off x="5922254" y="3569311"/>
-            <a:ext cx="5433204" cy="365125"/>
-          </a:xfrm>
-        </p:spPr>
-        <p:txBody>
-          <a:bodyPr vert="horz" lIns="91440" tIns="45720" rIns="91440" bIns="45720" rtlCol="0" anchor="t">
-            <a:noAutofit/>
-          </a:bodyPr>
-          <a:lstStyle/>
-          <a:p>
-            <a:r>
-              <a:rPr lang="en-ZA" noProof="1"/>
-              <a:t>DESIGN</a:t>
-            </a:r>
-          </a:p>
-        </p:txBody>
-      </p:sp>
-      <p:sp>
-        <p:nvSpPr>
-          <p:cNvPr id="9" name="Text Placeholder 8">
-            <a:extLst>
-              <a:ext uri="{FF2B5EF4-FFF2-40B4-BE49-F238E27FC236}">
-                <a16:creationId xmlns:a16="http://schemas.microsoft.com/office/drawing/2014/main" id="{95CCE699-03D1-4642-B46A-B14EF17DA183}"/>
-              </a:ext>
-            </a:extLst>
-          </p:cNvPr>
-          <p:cNvSpPr>
-            <a:spLocks noGrp="1"/>
-          </p:cNvSpPr>
-          <p:nvPr>
-            <p:ph type="body" sz="quarter" idx="24"/>
-          </p:nvPr>
-        </p:nvSpPr>
-        <p:spPr>
-          <a:xfrm>
-            <a:off x="5921828" y="3898736"/>
-            <a:ext cx="5431971" cy="557950"/>
-          </a:xfrm>
-        </p:spPr>
-        <p:txBody>
-          <a:bodyPr>
-            <a:normAutofit/>
-          </a:bodyPr>
-          <a:lstStyle/>
-          <a:p>
-            <a:r>
-              <a:rPr lang="en-ZA" noProof="1"/>
-              <a:t>We believe people need more products specifically dedicated to this niche market</a:t>
-            </a:r>
-          </a:p>
-        </p:txBody>
-      </p:sp>
-      <p:sp>
-        <p:nvSpPr>
-          <p:cNvPr id="10" name="Text Placeholder 9">
-            <a:extLst>
-              <a:ext uri="{FF2B5EF4-FFF2-40B4-BE49-F238E27FC236}">
-                <a16:creationId xmlns:a16="http://schemas.microsoft.com/office/drawing/2014/main" id="{BC1DF189-6F2F-4C21-88CC-C82D3D0D147B}"/>
-              </a:ext>
-            </a:extLst>
-          </p:cNvPr>
-          <p:cNvSpPr>
-            <a:spLocks noGrp="1"/>
-          </p:cNvSpPr>
-          <p:nvPr>
-            <p:ph type="body" sz="quarter" idx="25"/>
-          </p:nvPr>
-        </p:nvSpPr>
-        <p:spPr>
-          <a:xfrm>
-            <a:off x="5922254" y="4669107"/>
-            <a:ext cx="5433204" cy="365125"/>
-          </a:xfrm>
-        </p:spPr>
-        <p:txBody>
-          <a:bodyPr vert="horz" lIns="91440" tIns="45720" rIns="91440" bIns="45720" rtlCol="0" anchor="t">
-            <a:normAutofit lnSpcReduction="10000"/>
-          </a:bodyPr>
-          <a:lstStyle/>
-          <a:p>
-            <a:r>
-              <a:rPr lang="en-ZA" noProof="1"/>
-              <a:t>RESEARCH</a:t>
-            </a:r>
-          </a:p>
-        </p:txBody>
-      </p:sp>
-      <p:sp>
-        <p:nvSpPr>
-          <p:cNvPr id="5" name="Text Placeholder 4">
-            <a:extLst>
-              <a:ext uri="{FF2B5EF4-FFF2-40B4-BE49-F238E27FC236}">
-                <a16:creationId xmlns:a16="http://schemas.microsoft.com/office/drawing/2014/main" id="{06E82690-B145-4D4F-B2D1-0B2A8C50FD71}"/>
-              </a:ext>
-            </a:extLst>
-          </p:cNvPr>
-          <p:cNvSpPr>
-            <a:spLocks noGrp="1"/>
-          </p:cNvSpPr>
-          <p:nvPr>
-            <p:ph type="body" sz="quarter" idx="26"/>
-          </p:nvPr>
-        </p:nvSpPr>
-        <p:spPr>
-          <a:xfrm>
-            <a:off x="5921828" y="4998532"/>
-            <a:ext cx="5431971" cy="557950"/>
-          </a:xfrm>
-        </p:spPr>
-        <p:txBody>
-          <a:bodyPr>
-            <a:normAutofit/>
-          </a:bodyPr>
-          <a:lstStyle/>
-          <a:p>
-            <a:r>
-              <a:rPr lang="en-ZA" noProof="1"/>
-              <a:t>Minimalist and easy to use </a:t>
-            </a:r>
-          </a:p>
-        </p:txBody>
-      </p:sp>
-      <p:sp>
-        <p:nvSpPr>
-          <p:cNvPr id="32" name="Date Placeholder 31">
-            <a:extLst>
-              <a:ext uri="{FF2B5EF4-FFF2-40B4-BE49-F238E27FC236}">
-                <a16:creationId xmlns:a16="http://schemas.microsoft.com/office/drawing/2014/main" id="{D5DB19F8-B538-4965-BA90-ED372B99F5DC}"/>
-              </a:ext>
-            </a:extLst>
-          </p:cNvPr>
-          <p:cNvSpPr>
-            <a:spLocks noGrp="1"/>
-          </p:cNvSpPr>
-          <p:nvPr>
-            <p:ph type="dt" sz="half" idx="20"/>
-          </p:nvPr>
-        </p:nvSpPr>
-        <p:spPr>
-          <a:xfrm>
-            <a:off x="5919680" y="6356350"/>
-            <a:ext cx="947516" cy="365125"/>
-          </a:xfrm>
-        </p:spPr>
-        <p:txBody>
-          <a:bodyPr/>
-          <a:lstStyle/>
-          <a:p>
-            <a:r>
-              <a:rPr lang="en-US"/>
-              <a:t>20XX</a:t>
-            </a:r>
-          </a:p>
-        </p:txBody>
-      </p:sp>
-      <p:sp>
-        <p:nvSpPr>
-          <p:cNvPr id="3" name="Footer Placeholder 2">
-            <a:extLst>
-              <a:ext uri="{FF2B5EF4-FFF2-40B4-BE49-F238E27FC236}">
-                <a16:creationId xmlns:a16="http://schemas.microsoft.com/office/drawing/2014/main" id="{005C44B1-BA82-483C-BD91-F89067442F9E}"/>
-              </a:ext>
-            </a:extLst>
-          </p:cNvPr>
-          <p:cNvSpPr>
-            <a:spLocks noGrp="1"/>
-          </p:cNvSpPr>
-          <p:nvPr>
-            <p:ph type="ftr" sz="quarter" idx="21"/>
-          </p:nvPr>
-        </p:nvSpPr>
-        <p:spPr>
-          <a:xfrm>
-            <a:off x="7161955" y="6356350"/>
-            <a:ext cx="3243942" cy="365125"/>
-          </a:xfrm>
-        </p:spPr>
-        <p:txBody>
-          <a:bodyPr/>
-          <a:lstStyle/>
-          <a:p>
-            <a:r>
-              <a:rPr lang="en-ZA"/>
-              <a:t>Pitch Deck</a:t>
-            </a:r>
-          </a:p>
-        </p:txBody>
-      </p:sp>
-      <p:sp>
-        <p:nvSpPr>
-          <p:cNvPr id="4" name="Slide Number Placeholder 3">
-            <a:extLst>
-              <a:ext uri="{FF2B5EF4-FFF2-40B4-BE49-F238E27FC236}">
-                <a16:creationId xmlns:a16="http://schemas.microsoft.com/office/drawing/2014/main" id="{79ED4A67-3A46-4F54-A12A-EAE1B53E6457}"/>
-              </a:ext>
-            </a:extLst>
-          </p:cNvPr>
-          <p:cNvSpPr>
-            <a:spLocks noGrp="1"/>
-          </p:cNvSpPr>
-          <p:nvPr>
-            <p:ph type="sldNum" sz="quarter" idx="22"/>
-          </p:nvPr>
-        </p:nvSpPr>
-        <p:spPr>
-          <a:xfrm>
-            <a:off x="10700656" y="6356350"/>
-            <a:ext cx="653143" cy="365125"/>
-          </a:xfrm>
-        </p:spPr>
-        <p:txBody>
-          <a:bodyPr/>
-          <a:lstStyle/>
-          <a:p>
-            <a:fld id="{19B51A1E-902D-48AF-9020-955120F399B6}" type="slidenum">
-              <a:rPr lang="en-ZA" smtClean="0"/>
-              <a:pPr/>
-              <a:t>12</a:t>
-            </a:fld>
-            <a:endParaRPr lang="en-ZA"/>
+              <a:rPr lang="en-US" dirty="0" err="1"/>
+              <a:t>Percepção</a:t>
+            </a:r>
+            <a:r>
+              <a:rPr lang="en-US" dirty="0"/>
+              <a:t> de </a:t>
+            </a:r>
+            <a:r>
+              <a:rPr lang="en-US" dirty="0" err="1"/>
+              <a:t>qualidade</a:t>
+            </a:r>
+            <a:endParaRPr lang="en-US" dirty="0"/>
           </a:p>
         </p:txBody>
       </p:sp>
     </p:spTree>
     <p:extLst>
       <p:ext uri="{BB962C8B-B14F-4D97-AF65-F5344CB8AC3E}">
-        <p14:creationId xmlns:p14="http://schemas.microsoft.com/office/powerpoint/2010/main" val="2069393026"/>
+        <p14:creationId xmlns:p14="http://schemas.microsoft.com/office/powerpoint/2010/main" val="2378868978"/>
       </p:ext>
     </p:extLst>
   </p:cSld>
@@ -20306,21 +19475,21 @@
           <p:cNvPr id="2" name="Title 1">
             <a:extLst>
               <a:ext uri="{FF2B5EF4-FFF2-40B4-BE49-F238E27FC236}">
-                <a16:creationId xmlns:a16="http://schemas.microsoft.com/office/drawing/2014/main" id="{5CE54ABB-4929-4810-950B-2DAEA0A5BAB4}"/>
-              </a:ext>
-            </a:extLst>
-          </p:cNvPr>
-          <p:cNvSpPr>
-            <a:spLocks noGrp="1"/>
-          </p:cNvSpPr>
-          <p:nvPr>
-            <p:ph type="title"/>
-          </p:nvPr>
-        </p:nvSpPr>
-        <p:spPr>
-          <a:xfrm>
-            <a:off x="1885156" y="892177"/>
-            <a:ext cx="8421688" cy="1325563"/>
+                <a16:creationId xmlns:a16="http://schemas.microsoft.com/office/drawing/2014/main" id="{BCCAEE93-8585-46D4-A7EC-F184E317CB2E}"/>
+              </a:ext>
+            </a:extLst>
+          </p:cNvPr>
+          <p:cNvSpPr>
+            <a:spLocks noGrp="1"/>
+          </p:cNvSpPr>
+          <p:nvPr>
+            <p:ph type="ctrTitle"/>
+          </p:nvPr>
+        </p:nvSpPr>
+        <p:spPr>
+          <a:xfrm>
+            <a:off x="4267200" y="1372421"/>
+            <a:ext cx="4179570" cy="1524735"/>
           </a:xfrm>
         </p:spPr>
         <p:txBody>
@@ -20328,363 +19497,63 @@
           <a:lstStyle/>
           <a:p>
             <a:r>
-              <a:rPr lang="en-US"/>
-              <a:t>MARKET OVERVIEW</a:t>
-            </a:r>
-          </a:p>
-        </p:txBody>
-      </p:sp>
-      <p:sp>
-        <p:nvSpPr>
-          <p:cNvPr id="4" name="Text Placeholder 3">
-            <a:extLst>
-              <a:ext uri="{FF2B5EF4-FFF2-40B4-BE49-F238E27FC236}">
-                <a16:creationId xmlns:a16="http://schemas.microsoft.com/office/drawing/2014/main" id="{A112B089-A8F9-45B1-BE6E-EAC10163F082}"/>
-              </a:ext>
-            </a:extLst>
-          </p:cNvPr>
-          <p:cNvSpPr>
-            <a:spLocks noGrp="1"/>
-          </p:cNvSpPr>
-          <p:nvPr>
-            <p:ph type="body" idx="1"/>
-          </p:nvPr>
-        </p:nvSpPr>
-        <p:spPr>
-          <a:xfrm>
-            <a:off x="1243104" y="2776936"/>
-            <a:ext cx="2882475" cy="823912"/>
-          </a:xfrm>
-        </p:spPr>
-        <p:txBody>
-          <a:bodyPr/>
-          <a:lstStyle/>
-          <a:p>
-            <a:r>
-              <a:rPr lang="en-ZA"/>
-              <a:t>$3 Billion</a:t>
-            </a:r>
-          </a:p>
-        </p:txBody>
-      </p:sp>
-      <p:sp>
-        <p:nvSpPr>
-          <p:cNvPr id="7" name="Content Placeholder 6">
-            <a:extLst>
-              <a:ext uri="{FF2B5EF4-FFF2-40B4-BE49-F238E27FC236}">
-                <a16:creationId xmlns:a16="http://schemas.microsoft.com/office/drawing/2014/main" id="{6B35F89A-6CDF-41F7-BD87-18B45BD7330B}"/>
-              </a:ext>
-            </a:extLst>
-          </p:cNvPr>
-          <p:cNvSpPr>
-            <a:spLocks noGrp="1"/>
-          </p:cNvSpPr>
-          <p:nvPr>
-            <p:ph sz="half" idx="2"/>
-          </p:nvPr>
-        </p:nvSpPr>
-        <p:spPr>
-          <a:xfrm>
-            <a:off x="1243104" y="3834606"/>
-            <a:ext cx="2882475" cy="1997867"/>
-          </a:xfrm>
-        </p:spPr>
-        <p:txBody>
-          <a:bodyPr vert="horz" lIns="91440" tIns="45720" rIns="91440" bIns="45720" rtlCol="0" anchor="t">
+              <a:rPr lang="en-US" sz="4000" dirty="0"/>
+              <a:t>OBRIGADO!</a:t>
+            </a:r>
+          </a:p>
+        </p:txBody>
+      </p:sp>
+      <p:sp>
+        <p:nvSpPr>
+          <p:cNvPr id="3" name="Content Placeholder 2">
+            <a:extLst>
+              <a:ext uri="{FF2B5EF4-FFF2-40B4-BE49-F238E27FC236}">
+                <a16:creationId xmlns:a16="http://schemas.microsoft.com/office/drawing/2014/main" id="{24AFFC60-19C3-4901-93F7-7AAF4C09F8C6}"/>
+              </a:ext>
+            </a:extLst>
+          </p:cNvPr>
+          <p:cNvSpPr>
+            <a:spLocks noGrp="1"/>
+          </p:cNvSpPr>
+          <p:nvPr>
+            <p:ph type="subTitle" idx="1"/>
+          </p:nvPr>
+        </p:nvSpPr>
+        <p:spPr>
+          <a:xfrm>
+            <a:off x="4267200" y="3238103"/>
+            <a:ext cx="4179570" cy="2004161"/>
+          </a:xfrm>
+        </p:spPr>
+        <p:txBody>
+          <a:bodyPr>
             <a:normAutofit/>
           </a:bodyPr>
           <a:lstStyle/>
           <a:p>
             <a:r>
-              <a:rPr lang="en-US" noProof="1"/>
-              <a:t>Freedom to invent</a:t>
-            </a:r>
-            <a:endParaRPr lang="en-US"/>
-          </a:p>
-          <a:p>
-            <a:r>
-              <a:rPr lang="en-ZA" noProof="1"/>
-              <a:t>Selectively inclusive market</a:t>
-            </a:r>
-          </a:p>
-          <a:p>
-            <a:r>
-              <a:rPr lang="en-ZA" noProof="1"/>
-              <a:t>Serviceable available market</a:t>
-            </a:r>
-          </a:p>
-          <a:p>
-            <a:endParaRPr lang="en-ZA" noProof="1"/>
-          </a:p>
-        </p:txBody>
-      </p:sp>
-      <p:sp>
-        <p:nvSpPr>
-          <p:cNvPr id="6" name="Text Placeholder 5">
-            <a:extLst>
-              <a:ext uri="{FF2B5EF4-FFF2-40B4-BE49-F238E27FC236}">
-                <a16:creationId xmlns:a16="http://schemas.microsoft.com/office/drawing/2014/main" id="{0FE22F9B-4BF8-41DC-8F1C-836B546E59AD}"/>
-              </a:ext>
-            </a:extLst>
-          </p:cNvPr>
-          <p:cNvSpPr>
-            <a:spLocks noGrp="1"/>
-          </p:cNvSpPr>
-          <p:nvPr>
-            <p:ph type="body" sz="quarter" idx="3"/>
-          </p:nvPr>
-        </p:nvSpPr>
-        <p:spPr>
-          <a:xfrm>
-            <a:off x="4647665" y="2776936"/>
-            <a:ext cx="2896671" cy="823912"/>
-          </a:xfrm>
-        </p:spPr>
-        <p:txBody>
-          <a:bodyPr/>
-          <a:lstStyle/>
-          <a:p>
-            <a:r>
-              <a:rPr lang="en-ZA"/>
-              <a:t>$1 Billion</a:t>
-            </a:r>
-          </a:p>
-        </p:txBody>
-      </p:sp>
-      <p:sp>
-        <p:nvSpPr>
-          <p:cNvPr id="3" name="Text Placeholder 2">
-            <a:extLst>
-              <a:ext uri="{FF2B5EF4-FFF2-40B4-BE49-F238E27FC236}">
-                <a16:creationId xmlns:a16="http://schemas.microsoft.com/office/drawing/2014/main" id="{D5E1C399-8F48-44F5-9461-3C89866D4CE1}"/>
-              </a:ext>
-            </a:extLst>
-          </p:cNvPr>
-          <p:cNvSpPr>
-            <a:spLocks noGrp="1"/>
-          </p:cNvSpPr>
-          <p:nvPr>
-            <p:ph sz="quarter" idx="4"/>
-          </p:nvPr>
-        </p:nvSpPr>
-        <p:spPr>
-          <a:xfrm>
-            <a:off x="4647665" y="3834606"/>
-            <a:ext cx="2896671" cy="1997867"/>
-          </a:xfrm>
-        </p:spPr>
-        <p:txBody>
-          <a:bodyPr/>
-          <a:lstStyle/>
-          <a:p>
-            <a:r>
-              <a:rPr lang="en-ZA"/>
-              <a:t>Opportunity to build</a:t>
-            </a:r>
-          </a:p>
-          <a:p>
-            <a:r>
-              <a:rPr lang="en-ZA"/>
-              <a:t>Fully inclusive market</a:t>
-            </a:r>
-          </a:p>
-          <a:p>
-            <a:r>
-              <a:rPr lang="en-ZA"/>
-              <a:t>Total addressable market</a:t>
-            </a:r>
-          </a:p>
-        </p:txBody>
-      </p:sp>
-      <p:sp>
-        <p:nvSpPr>
-          <p:cNvPr id="5" name="Content Placeholder 4">
-            <a:extLst>
-              <a:ext uri="{FF2B5EF4-FFF2-40B4-BE49-F238E27FC236}">
-                <a16:creationId xmlns:a16="http://schemas.microsoft.com/office/drawing/2014/main" id="{CF515C5D-2CDB-4E66-B2B8-1451BC44247F}"/>
-              </a:ext>
-            </a:extLst>
-          </p:cNvPr>
-          <p:cNvSpPr>
-            <a:spLocks noGrp="1"/>
-          </p:cNvSpPr>
-          <p:nvPr>
-            <p:ph type="body" idx="13"/>
-          </p:nvPr>
-        </p:nvSpPr>
-        <p:spPr>
-          <a:xfrm>
-            <a:off x="8066421" y="2776936"/>
-            <a:ext cx="2882475" cy="823912"/>
-          </a:xfrm>
-        </p:spPr>
-        <p:txBody>
-          <a:bodyPr vert="horz" lIns="91440" tIns="45720" rIns="91440" bIns="45720" rtlCol="0" anchor="b">
-            <a:normAutofit/>
-          </a:bodyPr>
-          <a:lstStyle/>
-          <a:p>
-            <a:r>
-              <a:rPr lang="en-ZA"/>
-              <a:t>$2 Billion</a:t>
-            </a:r>
-          </a:p>
-        </p:txBody>
-      </p:sp>
-      <p:sp>
-        <p:nvSpPr>
-          <p:cNvPr id="8" name="Text Placeholder 7">
-            <a:extLst>
-              <a:ext uri="{FF2B5EF4-FFF2-40B4-BE49-F238E27FC236}">
-                <a16:creationId xmlns:a16="http://schemas.microsoft.com/office/drawing/2014/main" id="{E92B9716-8D44-4864-8986-720957B34362}"/>
-              </a:ext>
-            </a:extLst>
-          </p:cNvPr>
-          <p:cNvSpPr>
-            <a:spLocks noGrp="1"/>
-          </p:cNvSpPr>
-          <p:nvPr>
-            <p:ph sz="half" idx="14"/>
-          </p:nvPr>
-        </p:nvSpPr>
-        <p:spPr>
-          <a:xfrm>
-            <a:off x="8066421" y="3834606"/>
-            <a:ext cx="2882475" cy="1997867"/>
-          </a:xfrm>
-        </p:spPr>
-        <p:txBody>
-          <a:bodyPr/>
-          <a:lstStyle/>
-          <a:p>
-            <a:r>
-              <a:rPr lang="en-ZA" noProof="1"/>
-              <a:t>Few competitors</a:t>
-            </a:r>
-          </a:p>
-          <a:p>
-            <a:r>
-              <a:rPr lang="en-ZA" noProof="1"/>
-              <a:t>Specifically targeted market</a:t>
-            </a:r>
-          </a:p>
-          <a:p>
-            <a:r>
-              <a:rPr lang="en-ZA" noProof="1"/>
-              <a:t>Serviceable obtainable market</a:t>
-            </a:r>
-            <a:endParaRPr lang="en-ZA"/>
-          </a:p>
-          <a:p>
-            <a:endParaRPr lang="en-US"/>
-          </a:p>
-        </p:txBody>
-      </p:sp>
-      <p:sp>
-        <p:nvSpPr>
-          <p:cNvPr id="9" name="Date Placeholder 8">
-            <a:extLst>
-              <a:ext uri="{FF2B5EF4-FFF2-40B4-BE49-F238E27FC236}">
-                <a16:creationId xmlns:a16="http://schemas.microsoft.com/office/drawing/2014/main" id="{7B78F7A0-88C5-4940-B21C-099F472F39F9}"/>
-              </a:ext>
-            </a:extLst>
-          </p:cNvPr>
-          <p:cNvSpPr>
-            <a:spLocks noGrp="1"/>
-          </p:cNvSpPr>
-          <p:nvPr>
-            <p:ph type="dt" sz="half" idx="10"/>
-          </p:nvPr>
-        </p:nvSpPr>
-        <p:spPr>
-          <a:xfrm>
-            <a:off x="838200" y="6356350"/>
-            <a:ext cx="2743200" cy="365125"/>
-          </a:xfrm>
-        </p:spPr>
-        <p:txBody>
-          <a:bodyPr/>
-          <a:lstStyle/>
-          <a:p>
-            <a:r>
-              <a:rPr lang="en-US"/>
-              <a:t>20XX</a:t>
-            </a:r>
-          </a:p>
-        </p:txBody>
-      </p:sp>
-      <p:sp>
-        <p:nvSpPr>
-          <p:cNvPr id="10" name="Footer Placeholder 9">
-            <a:extLst>
-              <a:ext uri="{FF2B5EF4-FFF2-40B4-BE49-F238E27FC236}">
-                <a16:creationId xmlns:a16="http://schemas.microsoft.com/office/drawing/2014/main" id="{D2186069-FC8E-433D-9BB4-942220CE8CFB}"/>
-              </a:ext>
-            </a:extLst>
-          </p:cNvPr>
-          <p:cNvSpPr>
-            <a:spLocks noGrp="1"/>
-          </p:cNvSpPr>
-          <p:nvPr>
-            <p:ph type="ftr" sz="quarter" idx="11"/>
-          </p:nvPr>
-        </p:nvSpPr>
-        <p:spPr>
-          <a:xfrm>
-            <a:off x="4038600" y="6356350"/>
-            <a:ext cx="4114800" cy="365125"/>
-          </a:xfrm>
-        </p:spPr>
-        <p:txBody>
-          <a:bodyPr/>
-          <a:lstStyle/>
-          <a:p>
-            <a:r>
-              <a:rPr lang="en-US"/>
-              <a:t>Pitch Deck</a:t>
-            </a:r>
-          </a:p>
-        </p:txBody>
-      </p:sp>
-      <p:sp>
-        <p:nvSpPr>
-          <p:cNvPr id="11" name="Slide Number Placeholder 10">
-            <a:extLst>
-              <a:ext uri="{FF2B5EF4-FFF2-40B4-BE49-F238E27FC236}">
-                <a16:creationId xmlns:a16="http://schemas.microsoft.com/office/drawing/2014/main" id="{BAD5B6F4-0A90-447A-A1AE-D75C934B6B29}"/>
-              </a:ext>
-            </a:extLst>
-          </p:cNvPr>
-          <p:cNvSpPr>
-            <a:spLocks noGrp="1"/>
-          </p:cNvSpPr>
-          <p:nvPr>
-            <p:ph type="sldNum" sz="quarter" idx="12"/>
-          </p:nvPr>
-        </p:nvSpPr>
-        <p:spPr>
-          <a:xfrm>
-            <a:off x="8610600" y="6356350"/>
-            <a:ext cx="2743200" cy="365125"/>
-          </a:xfrm>
-        </p:spPr>
-        <p:txBody>
-          <a:bodyPr/>
-          <a:lstStyle/>
-          <a:p>
-            <a:fld id="{B5CEABB6-07DC-46E8-9B57-56EC44A396E5}" type="slidenum">
-              <a:rPr lang="en-US" smtClean="0"/>
-              <a:pPr/>
-              <a:t>13</a:t>
-            </a:fld>
-            <a:endParaRPr lang="en-US"/>
+              <a:rPr lang="pt-BR" sz="2000" dirty="0"/>
+              <a:t>Caio P. V. de Souza</a:t>
+            </a:r>
+          </a:p>
+          <a:p>
+            <a:r>
+              <a:rPr lang="pt-BR" sz="2000" dirty="0"/>
+              <a:t>Cleiton F. do Nascimento</a:t>
+            </a:r>
+          </a:p>
+          <a:p>
+            <a:r>
+              <a:rPr lang="pt-BR" sz="2000" dirty="0"/>
+              <a:t>Sergio R. M. de Oliveira</a:t>
+            </a:r>
           </a:p>
         </p:txBody>
       </p:sp>
     </p:spTree>
     <p:extLst>
       <p:ext uri="{BB962C8B-B14F-4D97-AF65-F5344CB8AC3E}">
-        <p14:creationId xmlns:p14="http://schemas.microsoft.com/office/powerpoint/2010/main" val="2121178069"/>
+        <p14:creationId xmlns:p14="http://schemas.microsoft.com/office/powerpoint/2010/main" val="2436493926"/>
       </p:ext>
     </p:extLst>
   </p:cSld>
@@ -20716,7 +19585,7 @@
           <p:cNvPr id="2" name="Title 1">
             <a:extLst>
               <a:ext uri="{FF2B5EF4-FFF2-40B4-BE49-F238E27FC236}">
-                <a16:creationId xmlns:a16="http://schemas.microsoft.com/office/drawing/2014/main" id="{5864BC4F-3D59-464A-857E-6F155B368ED7}"/>
+                <a16:creationId xmlns:a16="http://schemas.microsoft.com/office/drawing/2014/main" id="{75031FE9-9059-4FE8-B4AC-9771F23A1B89}"/>
               </a:ext>
             </a:extLst>
           </p:cNvPr>
@@ -20739,31 +19608,66 @@
           <a:p>
             <a:r>
               <a:rPr lang="en-US"/>
-              <a:t>Market comparison</a:t>
-            </a:r>
-          </a:p>
-        </p:txBody>
-      </p:sp>
-      <p:sp>
-        <p:nvSpPr>
-          <p:cNvPr id="9" name="Text Placeholder 8">
-            <a:extLst>
-              <a:ext uri="{FF2B5EF4-FFF2-40B4-BE49-F238E27FC236}">
-                <a16:creationId xmlns:a16="http://schemas.microsoft.com/office/drawing/2014/main" id="{8C1455DF-5CEC-44A2-A92D-8E901D15B7CC}"/>
-              </a:ext>
-            </a:extLst>
-          </p:cNvPr>
-          <p:cNvSpPr>
-            <a:spLocks noGrp="1"/>
-          </p:cNvSpPr>
-          <p:nvPr>
-            <p:ph type="body" idx="1"/>
-          </p:nvPr>
-        </p:nvSpPr>
-        <p:spPr>
-          <a:xfrm>
-            <a:off x="2063855" y="3064615"/>
-            <a:ext cx="1240971" cy="823912"/>
+              <a:t>SOLUTION</a:t>
+            </a:r>
+          </a:p>
+        </p:txBody>
+      </p:sp>
+      <p:sp>
+        <p:nvSpPr>
+          <p:cNvPr id="3" name="Content Placeholder 2">
+            <a:extLst>
+              <a:ext uri="{FF2B5EF4-FFF2-40B4-BE49-F238E27FC236}">
+                <a16:creationId xmlns:a16="http://schemas.microsoft.com/office/drawing/2014/main" id="{D4A2EB3F-4D60-451F-8F45-7D6654D2FCD9}"/>
+              </a:ext>
+            </a:extLst>
+          </p:cNvPr>
+          <p:cNvSpPr>
+            <a:spLocks noGrp="1"/>
+          </p:cNvSpPr>
+          <p:nvPr>
+            <p:ph type="body" sz="quarter" idx="13"/>
+          </p:nvPr>
+        </p:nvSpPr>
+        <p:spPr>
+          <a:xfrm>
+            <a:off x="1485900" y="2563123"/>
+            <a:ext cx="4031945" cy="365125"/>
+          </a:xfrm>
+        </p:spPr>
+        <p:txBody>
+          <a:bodyPr vert="horz" lIns="91440" tIns="45720" rIns="91440" bIns="45720" rtlCol="0" anchor="t">
+            <a:normAutofit lnSpcReduction="10000"/>
+          </a:bodyPr>
+          <a:lstStyle/>
+          <a:p>
+            <a:r>
+              <a:rPr lang="en-US"/>
+              <a:t>CLOSE THE GAP</a:t>
+            </a:r>
+          </a:p>
+        </p:txBody>
+      </p:sp>
+      <p:sp>
+        <p:nvSpPr>
+          <p:cNvPr id="4" name="Text Placeholder 3">
+            <a:extLst>
+              <a:ext uri="{FF2B5EF4-FFF2-40B4-BE49-F238E27FC236}">
+                <a16:creationId xmlns:a16="http://schemas.microsoft.com/office/drawing/2014/main" id="{AC1C80FB-53F9-42EE-B1E6-D0F998EC5DFA}"/>
+              </a:ext>
+            </a:extLst>
+          </p:cNvPr>
+          <p:cNvSpPr>
+            <a:spLocks noGrp="1"/>
+          </p:cNvSpPr>
+          <p:nvPr>
+            <p:ph type="body" sz="quarter" idx="15"/>
+          </p:nvPr>
+        </p:nvSpPr>
+        <p:spPr>
+          <a:xfrm>
+            <a:off x="1485664" y="3070348"/>
+            <a:ext cx="4031030" cy="1057308"/>
           </a:xfrm>
         </p:spPr>
         <p:txBody>
@@ -20772,31 +19676,66 @@
           <a:p>
             <a:r>
               <a:rPr lang="en-US"/>
-              <a:t>$3B</a:t>
-            </a:r>
-          </a:p>
-        </p:txBody>
-      </p:sp>
-      <p:sp>
-        <p:nvSpPr>
-          <p:cNvPr id="10" name="Text Placeholder 9">
-            <a:extLst>
-              <a:ext uri="{FF2B5EF4-FFF2-40B4-BE49-F238E27FC236}">
-                <a16:creationId xmlns:a16="http://schemas.microsoft.com/office/drawing/2014/main" id="{7C7E7B18-D05F-4C44-8718-8C671160FC98}"/>
-              </a:ext>
-            </a:extLst>
-          </p:cNvPr>
-          <p:cNvSpPr>
-            <a:spLocks noGrp="1"/>
-          </p:cNvSpPr>
-          <p:nvPr>
-            <p:ph type="body" idx="15"/>
-          </p:nvPr>
-        </p:nvSpPr>
-        <p:spPr>
-          <a:xfrm>
-            <a:off x="5475514" y="3064615"/>
-            <a:ext cx="1240971" cy="823912"/>
+              <a:t>Our product makes consumer lives easier, and no other product on the market offers the same features</a:t>
+            </a:r>
+          </a:p>
+        </p:txBody>
+      </p:sp>
+      <p:sp>
+        <p:nvSpPr>
+          <p:cNvPr id="5" name="Text Placeholder 4">
+            <a:extLst>
+              <a:ext uri="{FF2B5EF4-FFF2-40B4-BE49-F238E27FC236}">
+                <a16:creationId xmlns:a16="http://schemas.microsoft.com/office/drawing/2014/main" id="{E81BA2B5-6A90-4204-ABDD-7183FBB03A02}"/>
+              </a:ext>
+            </a:extLst>
+          </p:cNvPr>
+          <p:cNvSpPr>
+            <a:spLocks noGrp="1"/>
+          </p:cNvSpPr>
+          <p:nvPr>
+            <p:ph type="body" sz="quarter" idx="16"/>
+          </p:nvPr>
+        </p:nvSpPr>
+        <p:spPr>
+          <a:xfrm>
+            <a:off x="6673004" y="2563123"/>
+            <a:ext cx="4031945" cy="365125"/>
+          </a:xfrm>
+        </p:spPr>
+        <p:txBody>
+          <a:bodyPr>
+            <a:normAutofit lnSpcReduction="10000"/>
+          </a:bodyPr>
+          <a:lstStyle/>
+          <a:p>
+            <a:r>
+              <a:rPr lang="en-US"/>
+              <a:t>TARGET AUDIENCE</a:t>
+            </a:r>
+          </a:p>
+        </p:txBody>
+      </p:sp>
+      <p:sp>
+        <p:nvSpPr>
+          <p:cNvPr id="6" name="Text Placeholder 5">
+            <a:extLst>
+              <a:ext uri="{FF2B5EF4-FFF2-40B4-BE49-F238E27FC236}">
+                <a16:creationId xmlns:a16="http://schemas.microsoft.com/office/drawing/2014/main" id="{7E7D4C34-22A0-4D54-A07D-E1E9A11463E5}"/>
+              </a:ext>
+            </a:extLst>
+          </p:cNvPr>
+          <p:cNvSpPr>
+            <a:spLocks noGrp="1"/>
+          </p:cNvSpPr>
+          <p:nvPr>
+            <p:ph type="body" sz="quarter" idx="17"/>
+          </p:nvPr>
+        </p:nvSpPr>
+        <p:spPr>
+          <a:xfrm>
+            <a:off x="6673143" y="3070348"/>
+            <a:ext cx="4031030" cy="1057308"/>
           </a:xfrm>
         </p:spPr>
         <p:txBody>
@@ -20805,31 +19744,69 @@
           <a:p>
             <a:r>
               <a:rPr lang="en-US"/>
-              <a:t>$2B</a:t>
-            </a:r>
-          </a:p>
-        </p:txBody>
-      </p:sp>
-      <p:sp>
-        <p:nvSpPr>
-          <p:cNvPr id="11" name="Text Placeholder 10">
-            <a:extLst>
-              <a:ext uri="{FF2B5EF4-FFF2-40B4-BE49-F238E27FC236}">
-                <a16:creationId xmlns:a16="http://schemas.microsoft.com/office/drawing/2014/main" id="{C4EAD5C6-02F0-4D27-8D85-1BD5EA833D6F}"/>
-              </a:ext>
-            </a:extLst>
-          </p:cNvPr>
-          <p:cNvSpPr>
-            <a:spLocks noGrp="1"/>
-          </p:cNvSpPr>
-          <p:nvPr>
-            <p:ph type="body" idx="16"/>
-          </p:nvPr>
-        </p:nvSpPr>
-        <p:spPr>
-          <a:xfrm>
-            <a:off x="8887174" y="3064615"/>
-            <a:ext cx="1240971" cy="823912"/>
+              <a:t>Our target audience is Gen Z (18-25 years old)</a:t>
+            </a:r>
+          </a:p>
+          <a:p>
+            <a:endParaRPr lang="en-US"/>
+          </a:p>
+        </p:txBody>
+      </p:sp>
+      <p:sp>
+        <p:nvSpPr>
+          <p:cNvPr id="7" name="Text Placeholder 6">
+            <a:extLst>
+              <a:ext uri="{FF2B5EF4-FFF2-40B4-BE49-F238E27FC236}">
+                <a16:creationId xmlns:a16="http://schemas.microsoft.com/office/drawing/2014/main" id="{301D392D-FB66-47A0-B628-5ADE822A2CFF}"/>
+              </a:ext>
+            </a:extLst>
+          </p:cNvPr>
+          <p:cNvSpPr>
+            <a:spLocks noGrp="1"/>
+          </p:cNvSpPr>
+          <p:nvPr>
+            <p:ph type="body" sz="quarter" idx="18"/>
+          </p:nvPr>
+        </p:nvSpPr>
+        <p:spPr>
+          <a:xfrm>
+            <a:off x="1485899" y="4319431"/>
+            <a:ext cx="4031945" cy="365125"/>
+          </a:xfrm>
+        </p:spPr>
+        <p:txBody>
+          <a:bodyPr>
+            <a:normAutofit lnSpcReduction="10000"/>
+          </a:bodyPr>
+          <a:lstStyle/>
+          <a:p>
+            <a:r>
+              <a:rPr lang="en-US"/>
+              <a:t>COST SAVINGS</a:t>
+            </a:r>
+          </a:p>
+        </p:txBody>
+      </p:sp>
+      <p:sp>
+        <p:nvSpPr>
+          <p:cNvPr id="8" name="Text Placeholder 7">
+            <a:extLst>
+              <a:ext uri="{FF2B5EF4-FFF2-40B4-BE49-F238E27FC236}">
+                <a16:creationId xmlns:a16="http://schemas.microsoft.com/office/drawing/2014/main" id="{51C26CE0-2506-4B44-A26F-C12BFA5B18B5}"/>
+              </a:ext>
+            </a:extLst>
+          </p:cNvPr>
+          <p:cNvSpPr>
+            <a:spLocks noGrp="1"/>
+          </p:cNvSpPr>
+          <p:nvPr>
+            <p:ph type="body" sz="quarter" idx="19"/>
+          </p:nvPr>
+        </p:nvSpPr>
+        <p:spPr>
+          <a:xfrm>
+            <a:off x="1486412" y="4826656"/>
+            <a:ext cx="4031030" cy="1057308"/>
           </a:xfrm>
         </p:spPr>
         <p:txBody>
@@ -20838,31 +19815,69 @@
           <a:p>
             <a:r>
               <a:rPr lang="en-US"/>
-              <a:t>$1B</a:t>
-            </a:r>
-          </a:p>
-        </p:txBody>
-      </p:sp>
-      <p:sp>
-        <p:nvSpPr>
-          <p:cNvPr id="19" name="Content Placeholder 18">
-            <a:extLst>
-              <a:ext uri="{FF2B5EF4-FFF2-40B4-BE49-F238E27FC236}">
-                <a16:creationId xmlns:a16="http://schemas.microsoft.com/office/drawing/2014/main" id="{791D6145-F7F7-43DE-A16B-BF4F9607D4E8}"/>
-              </a:ext>
-            </a:extLst>
-          </p:cNvPr>
-          <p:cNvSpPr>
-            <a:spLocks noGrp="1"/>
-          </p:cNvSpPr>
-          <p:nvPr>
-            <p:ph sz="half" idx="2"/>
-          </p:nvPr>
-        </p:nvSpPr>
-        <p:spPr>
-          <a:xfrm>
-            <a:off x="1129698" y="4824188"/>
-            <a:ext cx="3124093" cy="462927"/>
+              <a:t>Reduce expenses for replacement products </a:t>
+            </a:r>
+          </a:p>
+          <a:p>
+            <a:endParaRPr lang="en-US"/>
+          </a:p>
+        </p:txBody>
+      </p:sp>
+      <p:sp>
+        <p:nvSpPr>
+          <p:cNvPr id="9" name="Text Placeholder 8">
+            <a:extLst>
+              <a:ext uri="{FF2B5EF4-FFF2-40B4-BE49-F238E27FC236}">
+                <a16:creationId xmlns:a16="http://schemas.microsoft.com/office/drawing/2014/main" id="{868F40F8-BF35-45E9-B3DD-5436362D746E}"/>
+              </a:ext>
+            </a:extLst>
+          </p:cNvPr>
+          <p:cNvSpPr>
+            <a:spLocks noGrp="1"/>
+          </p:cNvSpPr>
+          <p:nvPr>
+            <p:ph type="body" sz="quarter" idx="23"/>
+          </p:nvPr>
+        </p:nvSpPr>
+        <p:spPr>
+          <a:xfrm>
+            <a:off x="6672630" y="4319431"/>
+            <a:ext cx="4031945" cy="365125"/>
+          </a:xfrm>
+        </p:spPr>
+        <p:txBody>
+          <a:bodyPr>
+            <a:normAutofit lnSpcReduction="10000"/>
+          </a:bodyPr>
+          <a:lstStyle/>
+          <a:p>
+            <a:r>
+              <a:rPr lang="en-US"/>
+              <a:t>EASY TO USE</a:t>
+            </a:r>
+          </a:p>
+        </p:txBody>
+      </p:sp>
+      <p:sp>
+        <p:nvSpPr>
+          <p:cNvPr id="10" name="Text Placeholder 9">
+            <a:extLst>
+              <a:ext uri="{FF2B5EF4-FFF2-40B4-BE49-F238E27FC236}">
+                <a16:creationId xmlns:a16="http://schemas.microsoft.com/office/drawing/2014/main" id="{7F39C97C-2DDC-4706-B96C-B02FAE53A426}"/>
+              </a:ext>
+            </a:extLst>
+          </p:cNvPr>
+          <p:cNvSpPr>
+            <a:spLocks noGrp="1"/>
+          </p:cNvSpPr>
+          <p:nvPr>
+            <p:ph type="body" sz="quarter" idx="24"/>
+          </p:nvPr>
+        </p:nvSpPr>
+        <p:spPr>
+          <a:xfrm>
+            <a:off x="6673143" y="4826656"/>
+            <a:ext cx="4031030" cy="1057308"/>
           </a:xfrm>
         </p:spPr>
         <p:txBody>
@@ -20871,31 +19886,31 @@
           <a:p>
             <a:r>
               <a:rPr lang="en-US"/>
-              <a:t>Opportunity to build</a:t>
-            </a:r>
-          </a:p>
-        </p:txBody>
-      </p:sp>
-      <p:sp>
-        <p:nvSpPr>
-          <p:cNvPr id="20" name="Content Placeholder 19">
-            <a:extLst>
-              <a:ext uri="{FF2B5EF4-FFF2-40B4-BE49-F238E27FC236}">
-                <a16:creationId xmlns:a16="http://schemas.microsoft.com/office/drawing/2014/main" id="{BC46925A-8382-42EB-891C-DBB4EAAA33F8}"/>
-              </a:ext>
-            </a:extLst>
-          </p:cNvPr>
-          <p:cNvSpPr>
-            <a:spLocks noGrp="1"/>
-          </p:cNvSpPr>
-          <p:nvPr>
-            <p:ph sz="quarter" idx="4"/>
-          </p:nvPr>
-        </p:nvSpPr>
-        <p:spPr>
-          <a:xfrm>
-            <a:off x="4526261" y="4824188"/>
-            <a:ext cx="3139479" cy="462927"/>
+              <a:t>Simple design that gives customers the targeted information they need</a:t>
+            </a:r>
+          </a:p>
+        </p:txBody>
+      </p:sp>
+      <p:sp>
+        <p:nvSpPr>
+          <p:cNvPr id="80" name="Date Placeholder 79">
+            <a:extLst>
+              <a:ext uri="{FF2B5EF4-FFF2-40B4-BE49-F238E27FC236}">
+                <a16:creationId xmlns:a16="http://schemas.microsoft.com/office/drawing/2014/main" id="{BC1F9D86-85D8-4FD0-B0D3-47D778722782}"/>
+              </a:ext>
+            </a:extLst>
+          </p:cNvPr>
+          <p:cNvSpPr>
+            <a:spLocks noGrp="1"/>
+          </p:cNvSpPr>
+          <p:nvPr>
+            <p:ph type="dt" sz="half" idx="20"/>
+          </p:nvPr>
+        </p:nvSpPr>
+        <p:spPr>
+          <a:xfrm>
+            <a:off x="838200" y="6356350"/>
+            <a:ext cx="2743200" cy="365125"/>
           </a:xfrm>
         </p:spPr>
         <p:txBody>
@@ -20904,31 +19919,31 @@
           <a:p>
             <a:r>
               <a:rPr lang="en-US"/>
-              <a:t>Freedom to invent</a:t>
-            </a:r>
-          </a:p>
-        </p:txBody>
-      </p:sp>
-      <p:sp>
-        <p:nvSpPr>
-          <p:cNvPr id="21" name="Content Placeholder 20">
-            <a:extLst>
-              <a:ext uri="{FF2B5EF4-FFF2-40B4-BE49-F238E27FC236}">
-                <a16:creationId xmlns:a16="http://schemas.microsoft.com/office/drawing/2014/main" id="{318AFADE-B54F-4988-8000-B9336A395336}"/>
-              </a:ext>
-            </a:extLst>
-          </p:cNvPr>
-          <p:cNvSpPr>
-            <a:spLocks noGrp="1"/>
-          </p:cNvSpPr>
-          <p:nvPr>
-            <p:ph sz="half" idx="14"/>
-          </p:nvPr>
-        </p:nvSpPr>
-        <p:spPr>
-          <a:xfrm>
-            <a:off x="7938210" y="4824188"/>
-            <a:ext cx="3124093" cy="462927"/>
+              <a:t>20XX</a:t>
+            </a:r>
+          </a:p>
+        </p:txBody>
+      </p:sp>
+      <p:sp>
+        <p:nvSpPr>
+          <p:cNvPr id="81" name="Footer Placeholder 80">
+            <a:extLst>
+              <a:ext uri="{FF2B5EF4-FFF2-40B4-BE49-F238E27FC236}">
+                <a16:creationId xmlns:a16="http://schemas.microsoft.com/office/drawing/2014/main" id="{E94F1D24-E4A1-4B59-B57E-A28453963B88}"/>
+              </a:ext>
+            </a:extLst>
+          </p:cNvPr>
+          <p:cNvSpPr>
+            <a:spLocks noGrp="1"/>
+          </p:cNvSpPr>
+          <p:nvPr>
+            <p:ph type="ftr" sz="quarter" idx="21"/>
+          </p:nvPr>
+        </p:nvSpPr>
+        <p:spPr>
+          <a:xfrm>
+            <a:off x="4038600" y="6356350"/>
+            <a:ext cx="4114800" cy="365125"/>
           </a:xfrm>
         </p:spPr>
         <p:txBody>
@@ -20937,171 +19952,6 @@
           <a:p>
             <a:r>
               <a:rPr lang="en-US"/>
-              <a:t>Few competitors</a:t>
-            </a:r>
-          </a:p>
-        </p:txBody>
-      </p:sp>
-      <p:sp>
-        <p:nvSpPr>
-          <p:cNvPr id="22" name="Content Placeholder 21">
-            <a:extLst>
-              <a:ext uri="{FF2B5EF4-FFF2-40B4-BE49-F238E27FC236}">
-                <a16:creationId xmlns:a16="http://schemas.microsoft.com/office/drawing/2014/main" id="{F296843C-0ED0-4314-A6F0-DD60C828DDFB}"/>
-              </a:ext>
-            </a:extLst>
-          </p:cNvPr>
-          <p:cNvSpPr>
-            <a:spLocks noGrp="1"/>
-          </p:cNvSpPr>
-          <p:nvPr>
-            <p:ph sz="half" idx="17"/>
-          </p:nvPr>
-        </p:nvSpPr>
-        <p:spPr>
-          <a:xfrm>
-            <a:off x="1129698" y="5280763"/>
-            <a:ext cx="3124093" cy="462927"/>
-          </a:xfrm>
-        </p:spPr>
-        <p:txBody>
-          <a:bodyPr/>
-          <a:lstStyle/>
-          <a:p>
-            <a:r>
-              <a:rPr lang="en-US"/>
-              <a:t>Addressable market</a:t>
-            </a:r>
-          </a:p>
-        </p:txBody>
-      </p:sp>
-      <p:sp>
-        <p:nvSpPr>
-          <p:cNvPr id="23" name="Content Placeholder 22">
-            <a:extLst>
-              <a:ext uri="{FF2B5EF4-FFF2-40B4-BE49-F238E27FC236}">
-                <a16:creationId xmlns:a16="http://schemas.microsoft.com/office/drawing/2014/main" id="{649BF20C-562E-400E-BEA6-1D5F81F2FE44}"/>
-              </a:ext>
-            </a:extLst>
-          </p:cNvPr>
-          <p:cNvSpPr>
-            <a:spLocks noGrp="1"/>
-          </p:cNvSpPr>
-          <p:nvPr>
-            <p:ph sz="quarter" idx="18"/>
-          </p:nvPr>
-        </p:nvSpPr>
-        <p:spPr>
-          <a:xfrm>
-            <a:off x="4526261" y="5280763"/>
-            <a:ext cx="3139479" cy="462927"/>
-          </a:xfrm>
-        </p:spPr>
-        <p:txBody>
-          <a:bodyPr/>
-          <a:lstStyle/>
-          <a:p>
-            <a:r>
-              <a:rPr lang="en-US"/>
-              <a:t>Serviceable market</a:t>
-            </a:r>
-          </a:p>
-        </p:txBody>
-      </p:sp>
-      <p:sp>
-        <p:nvSpPr>
-          <p:cNvPr id="24" name="Content Placeholder 23">
-            <a:extLst>
-              <a:ext uri="{FF2B5EF4-FFF2-40B4-BE49-F238E27FC236}">
-                <a16:creationId xmlns:a16="http://schemas.microsoft.com/office/drawing/2014/main" id="{5AA25980-D334-4FC0-9091-936E53B8D321}"/>
-              </a:ext>
-            </a:extLst>
-          </p:cNvPr>
-          <p:cNvSpPr>
-            <a:spLocks noGrp="1"/>
-          </p:cNvSpPr>
-          <p:nvPr>
-            <p:ph sz="half" idx="19"/>
-          </p:nvPr>
-        </p:nvSpPr>
-        <p:spPr>
-          <a:xfrm>
-            <a:off x="7938210" y="5280763"/>
-            <a:ext cx="3124093" cy="462927"/>
-          </a:xfrm>
-        </p:spPr>
-        <p:txBody>
-          <a:bodyPr/>
-          <a:lstStyle/>
-          <a:p>
-            <a:r>
-              <a:rPr lang="en-US"/>
-              <a:t>Obtainable market</a:t>
-            </a:r>
-          </a:p>
-        </p:txBody>
-      </p:sp>
-      <p:sp>
-        <p:nvSpPr>
-          <p:cNvPr id="5" name="Date Placeholder 4">
-            <a:extLst>
-              <a:ext uri="{FF2B5EF4-FFF2-40B4-BE49-F238E27FC236}">
-                <a16:creationId xmlns:a16="http://schemas.microsoft.com/office/drawing/2014/main" id="{79C22D8C-87A6-47AD-8D29-FBBA539EDBE2}"/>
-              </a:ext>
-            </a:extLst>
-          </p:cNvPr>
-          <p:cNvSpPr>
-            <a:spLocks noGrp="1"/>
-          </p:cNvSpPr>
-          <p:nvPr>
-            <p:ph type="dt" sz="half" idx="10"/>
-          </p:nvPr>
-        </p:nvSpPr>
-        <p:spPr>
-          <a:xfrm>
-            <a:off x="838200" y="6356350"/>
-            <a:ext cx="2743200" cy="365125"/>
-          </a:xfrm>
-        </p:spPr>
-        <p:txBody>
-          <a:bodyPr/>
-          <a:lstStyle/>
-          <a:p>
-            <a:r>
-              <a:rPr lang="en-US"/>
-              <a:t>20XX</a:t>
-            </a:r>
-          </a:p>
-        </p:txBody>
-      </p:sp>
-      <p:sp>
-        <p:nvSpPr>
-          <p:cNvPr id="6" name="Footer Placeholder 5">
-            <a:extLst>
-              <a:ext uri="{FF2B5EF4-FFF2-40B4-BE49-F238E27FC236}">
-                <a16:creationId xmlns:a16="http://schemas.microsoft.com/office/drawing/2014/main" id="{4D346909-C2E0-4F1D-90FC-F5E1D8DFB515}"/>
-              </a:ext>
-            </a:extLst>
-          </p:cNvPr>
-          <p:cNvSpPr>
-            <a:spLocks noGrp="1"/>
-          </p:cNvSpPr>
-          <p:nvPr>
-            <p:ph type="ftr" sz="quarter" idx="11"/>
-          </p:nvPr>
-        </p:nvSpPr>
-        <p:spPr>
-          <a:xfrm>
-            <a:off x="4038600" y="6356350"/>
-            <a:ext cx="4114800" cy="365125"/>
-          </a:xfrm>
-        </p:spPr>
-        <p:txBody>
-          <a:bodyPr/>
-          <a:lstStyle/>
-          <a:p>
-            <a:r>
-              <a:rPr lang="en-US"/>
               <a:t>Pitch Deck</a:t>
             </a:r>
           </a:p>
@@ -21109,18 +19959,18 @@
       </p:sp>
       <p:sp>
         <p:nvSpPr>
-          <p:cNvPr id="7" name="Slide Number Placeholder 6">
-            <a:extLst>
-              <a:ext uri="{FF2B5EF4-FFF2-40B4-BE49-F238E27FC236}">
-                <a16:creationId xmlns:a16="http://schemas.microsoft.com/office/drawing/2014/main" id="{EBC02F21-4E3C-469E-B11C-9214231082D3}"/>
-              </a:ext>
-            </a:extLst>
-          </p:cNvPr>
-          <p:cNvSpPr>
-            <a:spLocks noGrp="1"/>
-          </p:cNvSpPr>
-          <p:nvPr>
-            <p:ph type="sldNum" sz="quarter" idx="12"/>
+          <p:cNvPr id="82" name="Slide Number Placeholder 81">
+            <a:extLst>
+              <a:ext uri="{FF2B5EF4-FFF2-40B4-BE49-F238E27FC236}">
+                <a16:creationId xmlns:a16="http://schemas.microsoft.com/office/drawing/2014/main" id="{CE36A058-BEC2-4BC5-A467-F2EB2A365051}"/>
+              </a:ext>
+            </a:extLst>
+          </p:cNvPr>
+          <p:cNvSpPr>
+            <a:spLocks noGrp="1"/>
+          </p:cNvSpPr>
+          <p:nvPr>
+            <p:ph type="sldNum" sz="quarter" idx="22"/>
           </p:nvPr>
         </p:nvSpPr>
         <p:spPr>
@@ -21145,7 +19995,7 @@
     </p:spTree>
     <p:extLst>
       <p:ext uri="{BB962C8B-B14F-4D97-AF65-F5344CB8AC3E}">
-        <p14:creationId xmlns:p14="http://schemas.microsoft.com/office/powerpoint/2010/main" val="404854312"/>
+        <p14:creationId xmlns:p14="http://schemas.microsoft.com/office/powerpoint/2010/main" val="1593920805"/>
       </p:ext>
     </p:extLst>
   </p:cSld>
@@ -21174,10 +20024,10 @@
       </p:grpSpPr>
       <p:sp>
         <p:nvSpPr>
-          <p:cNvPr id="4" name="Title 3">
-            <a:extLst>
-              <a:ext uri="{FF2B5EF4-FFF2-40B4-BE49-F238E27FC236}">
-                <a16:creationId xmlns:a16="http://schemas.microsoft.com/office/drawing/2014/main" id="{FAD2AE59-5630-4D5C-83A9-4CDEF4D7DCFB}"/>
+          <p:cNvPr id="2" name="Title 1">
+            <a:extLst>
+              <a:ext uri="{FF2B5EF4-FFF2-40B4-BE49-F238E27FC236}">
+                <a16:creationId xmlns:a16="http://schemas.microsoft.com/office/drawing/2014/main" id="{537E1C88-627C-4655-A4FB-0BB02EDB078A}"/>
               </a:ext>
             </a:extLst>
           </p:cNvPr>
@@ -21190,8 +20040,8 @@
         </p:nvSpPr>
         <p:spPr>
           <a:xfrm>
-            <a:off x="2933700" y="892177"/>
-            <a:ext cx="8421688" cy="1325563"/>
+            <a:off x="1362075" y="1671639"/>
+            <a:ext cx="5111750" cy="1204912"/>
           </a:xfrm>
         </p:spPr>
         <p:txBody>
@@ -21199,18 +20049,18 @@
           <a:lstStyle/>
           <a:p>
             <a:r>
-              <a:rPr lang="en-US"/>
-              <a:t>OUR COMPETITION</a:t>
-            </a:r>
-          </a:p>
-        </p:txBody>
-      </p:sp>
-      <p:sp>
-        <p:nvSpPr>
-          <p:cNvPr id="5" name="Text Placeholder 4">
-            <a:extLst>
-              <a:ext uri="{FF2B5EF4-FFF2-40B4-BE49-F238E27FC236}">
-                <a16:creationId xmlns:a16="http://schemas.microsoft.com/office/drawing/2014/main" id="{F8657664-A458-4DDD-ACC2-1D87FCD6FCA9}"/>
+              <a:rPr lang="en-US" dirty="0"/>
+              <a:t>PRODUCT BENEFITS</a:t>
+            </a:r>
+          </a:p>
+        </p:txBody>
+      </p:sp>
+      <p:sp>
+        <p:nvSpPr>
+          <p:cNvPr id="3" name="Content Placeholder 2">
+            <a:extLst>
+              <a:ext uri="{FF2B5EF4-FFF2-40B4-BE49-F238E27FC236}">
+                <a16:creationId xmlns:a16="http://schemas.microsoft.com/office/drawing/2014/main" id="{033634FE-ADF0-4BC3-A0A9-447EA9DD096B}"/>
               </a:ext>
             </a:extLst>
           </p:cNvPr>
@@ -21223,41 +20073,8 @@
         </p:nvSpPr>
         <p:spPr>
           <a:xfrm>
-            <a:off x="2933700" y="2776936"/>
-            <a:ext cx="3924300" cy="823912"/>
-          </a:xfrm>
-        </p:spPr>
-        <p:txBody>
-          <a:bodyPr/>
-          <a:lstStyle/>
-          <a:p>
-            <a:r>
-              <a:rPr lang="en-ZA"/>
-              <a:t>CONTOSO</a:t>
-            </a:r>
-          </a:p>
-        </p:txBody>
-      </p:sp>
-      <p:sp>
-        <p:nvSpPr>
-          <p:cNvPr id="6" name="Content Placeholder 5">
-            <a:extLst>
-              <a:ext uri="{FF2B5EF4-FFF2-40B4-BE49-F238E27FC236}">
-                <a16:creationId xmlns:a16="http://schemas.microsoft.com/office/drawing/2014/main" id="{5A6B31B0-7B84-475D-961F-09C0191F91A2}"/>
-              </a:ext>
-            </a:extLst>
-          </p:cNvPr>
-          <p:cNvSpPr>
-            <a:spLocks noGrp="1"/>
-          </p:cNvSpPr>
-          <p:nvPr>
-            <p:ph sz="half" idx="2"/>
-          </p:nvPr>
-        </p:nvSpPr>
-        <p:spPr>
-          <a:xfrm>
-            <a:off x="2933700" y="3834606"/>
-            <a:ext cx="3924300" cy="1997867"/>
+            <a:off x="1362075" y="3660774"/>
+            <a:ext cx="5111750" cy="1525588"/>
           </a:xfrm>
         </p:spPr>
         <p:txBody>
@@ -21267,44 +20084,44 @@
           <a:lstStyle/>
           <a:p>
             <a:r>
+              <a:rPr lang="en-ZA" dirty="0"/>
+              <a:t>Cool and stylish product</a:t>
+            </a:r>
+          </a:p>
+          <a:p>
+            <a:r>
               <a:rPr lang="en-ZA" noProof="1"/>
-              <a:t>Our product is priced below that of other companies on the market</a:t>
+              <a:t>Areas for community connections </a:t>
             </a:r>
           </a:p>
           <a:p>
             <a:r>
               <a:rPr lang="en-ZA" noProof="1"/>
-              <a:t>Design is simple and easy to use, compared to the complex designs of the competitors</a:t>
-            </a:r>
-          </a:p>
-          <a:p>
-            <a:r>
-              <a:rPr lang="en-ZA" noProof="1"/>
-              <a:t>Affordability is the main draw for our consumers to our product</a:t>
-            </a:r>
-          </a:p>
-        </p:txBody>
-      </p:sp>
-      <p:sp>
-        <p:nvSpPr>
-          <p:cNvPr id="7" name="Text Placeholder 6">
-            <a:extLst>
-              <a:ext uri="{FF2B5EF4-FFF2-40B4-BE49-F238E27FC236}">
-                <a16:creationId xmlns:a16="http://schemas.microsoft.com/office/drawing/2014/main" id="{578017FE-712E-4E95-B483-B700F1AA4B2A}"/>
-              </a:ext>
-            </a:extLst>
-          </p:cNvPr>
-          <p:cNvSpPr>
-            <a:spLocks noGrp="1"/>
-          </p:cNvSpPr>
-          <p:nvPr>
-            <p:ph type="body" sz="quarter" idx="3"/>
-          </p:nvPr>
-        </p:nvSpPr>
-        <p:spPr>
-          <a:xfrm>
-            <a:off x="7410173" y="2776936"/>
-            <a:ext cx="3943627" cy="823912"/>
+              <a:t>Online store and market swap</a:t>
+            </a:r>
+          </a:p>
+        </p:txBody>
+      </p:sp>
+      <p:sp>
+        <p:nvSpPr>
+          <p:cNvPr id="4" name="Date Placeholder 3">
+            <a:extLst>
+              <a:ext uri="{FF2B5EF4-FFF2-40B4-BE49-F238E27FC236}">
+                <a16:creationId xmlns:a16="http://schemas.microsoft.com/office/drawing/2014/main" id="{5C2ACA2A-6BBE-47CF-B76F-F56C9DBF77E6}"/>
+              </a:ext>
+            </a:extLst>
+          </p:cNvPr>
+          <p:cNvSpPr>
+            <a:spLocks noGrp="1"/>
+          </p:cNvSpPr>
+          <p:nvPr>
+            <p:ph type="dt" sz="half" idx="10"/>
+          </p:nvPr>
+        </p:nvSpPr>
+        <p:spPr>
+          <a:xfrm>
+            <a:off x="838200" y="6356350"/>
+            <a:ext cx="2743200" cy="365125"/>
           </a:xfrm>
         </p:spPr>
         <p:txBody>
@@ -21313,31 +20130,31 @@
           <a:p>
             <a:r>
               <a:rPr lang="en-US"/>
-              <a:t>COMPETITORS</a:t>
-            </a:r>
-          </a:p>
-        </p:txBody>
-      </p:sp>
-      <p:sp>
-        <p:nvSpPr>
-          <p:cNvPr id="11" name="Content Placeholder 10">
-            <a:extLst>
-              <a:ext uri="{FF2B5EF4-FFF2-40B4-BE49-F238E27FC236}">
-                <a16:creationId xmlns:a16="http://schemas.microsoft.com/office/drawing/2014/main" id="{D0E0ACA0-9139-4C37-920D-BF3C1FF461C1}"/>
-              </a:ext>
-            </a:extLst>
-          </p:cNvPr>
-          <p:cNvSpPr>
-            <a:spLocks noGrp="1"/>
-          </p:cNvSpPr>
-          <p:nvPr>
-            <p:ph sz="quarter" idx="4"/>
-          </p:nvPr>
-        </p:nvSpPr>
-        <p:spPr>
-          <a:xfrm>
-            <a:off x="7410173" y="3834606"/>
-            <a:ext cx="3943627" cy="1997867"/>
+              <a:t>20XX</a:t>
+            </a:r>
+          </a:p>
+        </p:txBody>
+      </p:sp>
+      <p:sp>
+        <p:nvSpPr>
+          <p:cNvPr id="5" name="Footer Placeholder 4">
+            <a:extLst>
+              <a:ext uri="{FF2B5EF4-FFF2-40B4-BE49-F238E27FC236}">
+                <a16:creationId xmlns:a16="http://schemas.microsoft.com/office/drawing/2014/main" id="{396A095E-DB05-47EC-A2D5-47398A4A00B4}"/>
+              </a:ext>
+            </a:extLst>
+          </p:cNvPr>
+          <p:cNvSpPr>
+            <a:spLocks noGrp="1"/>
+          </p:cNvSpPr>
+          <p:nvPr>
+            <p:ph type="ftr" sz="quarter" idx="11"/>
+          </p:nvPr>
+        </p:nvSpPr>
+        <p:spPr>
+          <a:xfrm>
+            <a:off x="5224463" y="6356350"/>
+            <a:ext cx="1743075" cy="365125"/>
           </a:xfrm>
         </p:spPr>
         <p:txBody>
@@ -21345,105 +20162,6 @@
           <a:lstStyle/>
           <a:p>
             <a:r>
-              <a:rPr lang="en-ZA" noProof="1"/>
-              <a:t>Company A</a:t>
-            </a:r>
-            <a:br>
-              <a:rPr lang="en-ZA" noProof="1"/>
-            </a:br>
-            <a:r>
-              <a:rPr lang="en-ZA" noProof="1"/>
-              <a:t>Product is more expensive</a:t>
-            </a:r>
-          </a:p>
-          <a:p>
-            <a:r>
-              <a:rPr lang="en-ZA" noProof="1"/>
-              <a:t>Companies B &amp; C </a:t>
-            </a:r>
-            <a:br>
-              <a:rPr lang="en-ZA" noProof="1"/>
-            </a:br>
-            <a:r>
-              <a:rPr lang="en-ZA" noProof="1"/>
-              <a:t>Product is expensive and inconvenient to use</a:t>
-            </a:r>
-          </a:p>
-          <a:p>
-            <a:r>
-              <a:rPr lang="en-ZA" noProof="1"/>
-              <a:t>Companies D &amp; E</a:t>
-            </a:r>
-            <a:br>
-              <a:rPr lang="en-ZA" noProof="1"/>
-            </a:br>
-            <a:r>
-              <a:rPr lang="en-ZA" noProof="1"/>
-              <a:t>Product is affordable, but inconvenient to use</a:t>
-            </a:r>
-          </a:p>
-        </p:txBody>
-      </p:sp>
-      <p:sp>
-        <p:nvSpPr>
-          <p:cNvPr id="12" name="Date Placeholder 11">
-            <a:extLst>
-              <a:ext uri="{FF2B5EF4-FFF2-40B4-BE49-F238E27FC236}">
-                <a16:creationId xmlns:a16="http://schemas.microsoft.com/office/drawing/2014/main" id="{5909F2DC-F097-42AB-88E7-0CA09BD5E2C2}"/>
-              </a:ext>
-            </a:extLst>
-          </p:cNvPr>
-          <p:cNvSpPr>
-            <a:spLocks noGrp="1"/>
-          </p:cNvSpPr>
-          <p:nvPr>
-            <p:ph type="dt" sz="half" idx="10"/>
-          </p:nvPr>
-        </p:nvSpPr>
-        <p:spPr>
-          <a:xfrm>
-            <a:off x="838200" y="6356350"/>
-            <a:ext cx="2743200" cy="365125"/>
-          </a:xfrm>
-        </p:spPr>
-        <p:txBody>
-          <a:bodyPr/>
-          <a:lstStyle/>
-          <a:p>
-            <a:r>
-              <a:rPr lang="en-US"/>
-              <a:t>20XX</a:t>
-            </a:r>
-          </a:p>
-        </p:txBody>
-      </p:sp>
-      <p:sp>
-        <p:nvSpPr>
-          <p:cNvPr id="13" name="Footer Placeholder 12">
-            <a:extLst>
-              <a:ext uri="{FF2B5EF4-FFF2-40B4-BE49-F238E27FC236}">
-                <a16:creationId xmlns:a16="http://schemas.microsoft.com/office/drawing/2014/main" id="{F4A37AA9-0BEE-42AC-8CC0-AE5B8663553A}"/>
-              </a:ext>
-            </a:extLst>
-          </p:cNvPr>
-          <p:cNvSpPr>
-            <a:spLocks noGrp="1"/>
-          </p:cNvSpPr>
-          <p:nvPr>
-            <p:ph type="ftr" sz="quarter" idx="11"/>
-          </p:nvPr>
-        </p:nvSpPr>
-        <p:spPr>
-          <a:xfrm>
-            <a:off x="4038600" y="6356350"/>
-            <a:ext cx="4114800" cy="365125"/>
-          </a:xfrm>
-        </p:spPr>
-        <p:txBody>
-          <a:bodyPr/>
-          <a:lstStyle/>
-          <a:p>
-            <a:r>
               <a:rPr lang="en-US"/>
               <a:t>Pitch Deck</a:t>
             </a:r>
@@ -21452,10 +20170,10 @@
       </p:sp>
       <p:sp>
         <p:nvSpPr>
-          <p:cNvPr id="14" name="Slide Number Placeholder 13">
-            <a:extLst>
-              <a:ext uri="{FF2B5EF4-FFF2-40B4-BE49-F238E27FC236}">
-                <a16:creationId xmlns:a16="http://schemas.microsoft.com/office/drawing/2014/main" id="{42152A75-1CD2-44EC-9374-C83D4604A5DD}"/>
+          <p:cNvPr id="6" name="Slide Number Placeholder 5">
+            <a:extLst>
+              <a:ext uri="{FF2B5EF4-FFF2-40B4-BE49-F238E27FC236}">
+                <a16:creationId xmlns:a16="http://schemas.microsoft.com/office/drawing/2014/main" id="{C23C3221-5F04-4CA7-A86A-EEA8566A1735}"/>
               </a:ext>
             </a:extLst>
           </p:cNvPr>
@@ -21488,7 +20206,7 @@
     </p:spTree>
     <p:extLst>
       <p:ext uri="{BB962C8B-B14F-4D97-AF65-F5344CB8AC3E}">
-        <p14:creationId xmlns:p14="http://schemas.microsoft.com/office/powerpoint/2010/main" val="4151694508"/>
+        <p14:creationId xmlns:p14="http://schemas.microsoft.com/office/powerpoint/2010/main" val="1346372204"/>
       </p:ext>
     </p:extLst>
   </p:cSld>
@@ -21520,7 +20238,7 @@
           <p:cNvPr id="2" name="Title 1">
             <a:extLst>
               <a:ext uri="{FF2B5EF4-FFF2-40B4-BE49-F238E27FC236}">
-                <a16:creationId xmlns:a16="http://schemas.microsoft.com/office/drawing/2014/main" id="{935C0770-A36E-4500-AA2E-F3DE8416AD1E}"/>
+                <a16:creationId xmlns:a16="http://schemas.microsoft.com/office/drawing/2014/main" id="{8A4E0A63-A388-49B1-A04E-27CE9BD622EF}"/>
               </a:ext>
             </a:extLst>
           </p:cNvPr>
@@ -21533,8 +20251,8 @@
         </p:nvSpPr>
         <p:spPr>
           <a:xfrm>
-            <a:off x="838200" y="365125"/>
-            <a:ext cx="10515600" cy="1325563"/>
+            <a:off x="5920169" y="1152771"/>
+            <a:ext cx="5431971" cy="846301"/>
           </a:xfrm>
         </p:spPr>
         <p:txBody>
@@ -21543,17 +20261,52 @@
           <a:p>
             <a:r>
               <a:rPr lang="en-ZA"/>
-              <a:t>Our competition  </a:t>
-            </a:r>
-          </a:p>
-        </p:txBody>
-      </p:sp>
-      <p:sp>
-        <p:nvSpPr>
-          <p:cNvPr id="5" name="Text Placeholder 4">
-            <a:extLst>
-              <a:ext uri="{FF2B5EF4-FFF2-40B4-BE49-F238E27FC236}">
-                <a16:creationId xmlns:a16="http://schemas.microsoft.com/office/drawing/2014/main" id="{AB97FAAF-FD5C-4EDE-A2D8-148266453488}"/>
+              <a:t>BUSINESS MODEL</a:t>
+            </a:r>
+          </a:p>
+        </p:txBody>
+      </p:sp>
+      <p:sp>
+        <p:nvSpPr>
+          <p:cNvPr id="6" name="Text Placeholder 5">
+            <a:extLst>
+              <a:ext uri="{FF2B5EF4-FFF2-40B4-BE49-F238E27FC236}">
+                <a16:creationId xmlns:a16="http://schemas.microsoft.com/office/drawing/2014/main" id="{7640DF9D-0C9E-4C5D-9635-6B4DE10CCEE5}"/>
+              </a:ext>
+            </a:extLst>
+          </p:cNvPr>
+          <p:cNvSpPr>
+            <a:spLocks noGrp="1"/>
+          </p:cNvSpPr>
+          <p:nvPr>
+            <p:ph type="body" sz="quarter" idx="13"/>
+          </p:nvPr>
+        </p:nvSpPr>
+        <p:spPr>
+          <a:xfrm>
+            <a:off x="5922254" y="2469515"/>
+            <a:ext cx="5433204" cy="365125"/>
+          </a:xfrm>
+        </p:spPr>
+        <p:txBody>
+          <a:bodyPr vert="horz" lIns="91440" tIns="45720" rIns="91440" bIns="45720" rtlCol="0" anchor="t">
+            <a:noAutofit/>
+          </a:bodyPr>
+          <a:lstStyle/>
+          <a:p>
+            <a:r>
+              <a:rPr lang="en-ZA" noProof="1"/>
+              <a:t>ABSTRACT</a:t>
+            </a:r>
+          </a:p>
+        </p:txBody>
+      </p:sp>
+      <p:sp>
+        <p:nvSpPr>
+          <p:cNvPr id="7" name="Text Placeholder 6">
+            <a:extLst>
+              <a:ext uri="{FF2B5EF4-FFF2-40B4-BE49-F238E27FC236}">
+                <a16:creationId xmlns:a16="http://schemas.microsoft.com/office/drawing/2014/main" id="{40297407-CE4E-4284-879D-AEC395713625}"/>
               </a:ext>
             </a:extLst>
           </p:cNvPr>
@@ -21566,8 +20319,8 @@
         </p:nvSpPr>
         <p:spPr>
           <a:xfrm>
-            <a:off x="5242517" y="1599947"/>
-            <a:ext cx="1706965" cy="492025"/>
+            <a:off x="5921828" y="2798940"/>
+            <a:ext cx="5431971" cy="557950"/>
           </a:xfrm>
         </p:spPr>
         <p:txBody>
@@ -21577,8 +20330,8 @@
           <a:lstStyle/>
           <a:p>
             <a:r>
-              <a:rPr lang="en-ZA"/>
-              <a:t>Convenient</a:t>
+              <a:rPr lang="en-ZA" noProof="1"/>
+              <a:t>We based our research on market trends and social media</a:t>
             </a:r>
           </a:p>
         </p:txBody>
@@ -21588,21 +20341,56 @@
           <p:cNvPr id="8" name="Text Placeholder 7">
             <a:extLst>
               <a:ext uri="{FF2B5EF4-FFF2-40B4-BE49-F238E27FC236}">
-                <a16:creationId xmlns:a16="http://schemas.microsoft.com/office/drawing/2014/main" id="{B2F06784-6A30-4941-B70A-A58B611950D4}"/>
-              </a:ext>
-            </a:extLst>
-          </p:cNvPr>
-          <p:cNvSpPr>
-            <a:spLocks noGrp="1"/>
-          </p:cNvSpPr>
-          <p:nvPr>
-            <p:ph type="body" sz="quarter" idx="20"/>
-          </p:nvPr>
-        </p:nvSpPr>
-        <p:spPr>
-          <a:xfrm>
-            <a:off x="3738732" y="2378452"/>
-            <a:ext cx="1183179" cy="492025"/>
+                <a16:creationId xmlns:a16="http://schemas.microsoft.com/office/drawing/2014/main" id="{F5C3A7BE-F7FC-4942-A31A-491A8A806103}"/>
+              </a:ext>
+            </a:extLst>
+          </p:cNvPr>
+          <p:cNvSpPr>
+            <a:spLocks noGrp="1"/>
+          </p:cNvSpPr>
+          <p:nvPr>
+            <p:ph type="body" sz="quarter" idx="23"/>
+          </p:nvPr>
+        </p:nvSpPr>
+        <p:spPr>
+          <a:xfrm>
+            <a:off x="5922254" y="3569311"/>
+            <a:ext cx="5433204" cy="365125"/>
+          </a:xfrm>
+        </p:spPr>
+        <p:txBody>
+          <a:bodyPr vert="horz" lIns="91440" tIns="45720" rIns="91440" bIns="45720" rtlCol="0" anchor="t">
+            <a:noAutofit/>
+          </a:bodyPr>
+          <a:lstStyle/>
+          <a:p>
+            <a:r>
+              <a:rPr lang="en-ZA" noProof="1"/>
+              <a:t>DESIGN</a:t>
+            </a:r>
+          </a:p>
+        </p:txBody>
+      </p:sp>
+      <p:sp>
+        <p:nvSpPr>
+          <p:cNvPr id="9" name="Text Placeholder 8">
+            <a:extLst>
+              <a:ext uri="{FF2B5EF4-FFF2-40B4-BE49-F238E27FC236}">
+                <a16:creationId xmlns:a16="http://schemas.microsoft.com/office/drawing/2014/main" id="{95CCE699-03D1-4642-B46A-B14EF17DA183}"/>
+              </a:ext>
+            </a:extLst>
+          </p:cNvPr>
+          <p:cNvSpPr>
+            <a:spLocks noGrp="1"/>
+          </p:cNvSpPr>
+          <p:nvPr>
+            <p:ph type="body" sz="quarter" idx="24"/>
+          </p:nvPr>
+        </p:nvSpPr>
+        <p:spPr>
+          <a:xfrm>
+            <a:off x="5921828" y="3898736"/>
+            <a:ext cx="5431971" cy="557950"/>
           </a:xfrm>
         </p:spPr>
         <p:txBody>
@@ -21612,18 +20400,53 @@
           <a:lstStyle/>
           <a:p>
             <a:r>
-              <a:rPr lang="en-ZA"/>
-              <a:t>Competitor A</a:t>
-            </a:r>
-          </a:p>
-        </p:txBody>
-      </p:sp>
-      <p:sp>
-        <p:nvSpPr>
-          <p:cNvPr id="29" name="Text Placeholder 28">
-            <a:extLst>
-              <a:ext uri="{FF2B5EF4-FFF2-40B4-BE49-F238E27FC236}">
-                <a16:creationId xmlns:a16="http://schemas.microsoft.com/office/drawing/2014/main" id="{BF7EE2E1-DA9E-4645-BC0D-305C1F12118B}"/>
+              <a:rPr lang="en-ZA" noProof="1"/>
+              <a:t>We believe people need more products specifically dedicated to this niche market</a:t>
+            </a:r>
+          </a:p>
+        </p:txBody>
+      </p:sp>
+      <p:sp>
+        <p:nvSpPr>
+          <p:cNvPr id="10" name="Text Placeholder 9">
+            <a:extLst>
+              <a:ext uri="{FF2B5EF4-FFF2-40B4-BE49-F238E27FC236}">
+                <a16:creationId xmlns:a16="http://schemas.microsoft.com/office/drawing/2014/main" id="{BC1DF189-6F2F-4C21-88CC-C82D3D0D147B}"/>
+              </a:ext>
+            </a:extLst>
+          </p:cNvPr>
+          <p:cNvSpPr>
+            <a:spLocks noGrp="1"/>
+          </p:cNvSpPr>
+          <p:nvPr>
+            <p:ph type="body" sz="quarter" idx="25"/>
+          </p:nvPr>
+        </p:nvSpPr>
+        <p:spPr>
+          <a:xfrm>
+            <a:off x="5922254" y="4669107"/>
+            <a:ext cx="5433204" cy="365125"/>
+          </a:xfrm>
+        </p:spPr>
+        <p:txBody>
+          <a:bodyPr vert="horz" lIns="91440" tIns="45720" rIns="91440" bIns="45720" rtlCol="0" anchor="t">
+            <a:normAutofit lnSpcReduction="10000"/>
+          </a:bodyPr>
+          <a:lstStyle/>
+          <a:p>
+            <a:r>
+              <a:rPr lang="en-ZA" noProof="1"/>
+              <a:t>RESEARCH</a:t>
+            </a:r>
+          </a:p>
+        </p:txBody>
+      </p:sp>
+      <p:sp>
+        <p:nvSpPr>
+          <p:cNvPr id="5" name="Text Placeholder 4">
+            <a:extLst>
+              <a:ext uri="{FF2B5EF4-FFF2-40B4-BE49-F238E27FC236}">
+                <a16:creationId xmlns:a16="http://schemas.microsoft.com/office/drawing/2014/main" id="{06E82690-B145-4D4F-B2D1-0B2A8C50FD71}"/>
               </a:ext>
             </a:extLst>
           </p:cNvPr>
@@ -21636,74 +20459,8 @@
         </p:nvSpPr>
         <p:spPr>
           <a:xfrm>
-            <a:off x="7522269" y="2169263"/>
-            <a:ext cx="1706965" cy="1048575"/>
-          </a:xfrm>
-        </p:spPr>
-        <p:txBody>
-          <a:bodyPr/>
-          <a:lstStyle/>
-          <a:p>
-            <a:r>
-              <a:rPr lang="en-US"/>
-              <a:t>Contoso</a:t>
-            </a:r>
-          </a:p>
-        </p:txBody>
-      </p:sp>
-      <p:sp>
-        <p:nvSpPr>
-          <p:cNvPr id="28" name="Text Placeholder 27">
-            <a:extLst>
-              <a:ext uri="{FF2B5EF4-FFF2-40B4-BE49-F238E27FC236}">
-                <a16:creationId xmlns:a16="http://schemas.microsoft.com/office/drawing/2014/main" id="{E8BD1918-91E9-45FF-B758-93DAFA9EAFE9}"/>
-              </a:ext>
-            </a:extLst>
-          </p:cNvPr>
-          <p:cNvSpPr>
-            <a:spLocks noGrp="1"/>
-          </p:cNvSpPr>
-          <p:nvPr>
-            <p:ph type="body" sz="quarter" idx="25"/>
-          </p:nvPr>
-        </p:nvSpPr>
-        <p:spPr>
-          <a:xfrm>
-            <a:off x="921894" y="3528829"/>
-            <a:ext cx="1393863" cy="492025"/>
-          </a:xfrm>
-        </p:spPr>
-        <p:txBody>
-          <a:bodyPr/>
-          <a:lstStyle/>
-          <a:p>
-            <a:r>
-              <a:rPr lang="en-US"/>
-              <a:t>Affordable</a:t>
-            </a:r>
-          </a:p>
-        </p:txBody>
-      </p:sp>
-      <p:sp>
-        <p:nvSpPr>
-          <p:cNvPr id="7" name="Text Placeholder 6">
-            <a:extLst>
-              <a:ext uri="{FF2B5EF4-FFF2-40B4-BE49-F238E27FC236}">
-                <a16:creationId xmlns:a16="http://schemas.microsoft.com/office/drawing/2014/main" id="{E9C0C8B1-2DBC-40B1-BBA7-7B3D396478A1}"/>
-              </a:ext>
-            </a:extLst>
-          </p:cNvPr>
-          <p:cNvSpPr>
-            <a:spLocks noGrp="1"/>
-          </p:cNvSpPr>
-          <p:nvPr>
-            <p:ph type="body" sz="quarter" idx="19"/>
-          </p:nvPr>
-        </p:nvSpPr>
-        <p:spPr>
-          <a:xfrm>
-            <a:off x="9940449" y="3528829"/>
-            <a:ext cx="1380681" cy="492025"/>
+            <a:off x="5921828" y="4998532"/>
+            <a:ext cx="5431971" cy="557950"/>
           </a:xfrm>
         </p:spPr>
         <p:txBody>
@@ -21713,32 +20470,32 @@
           <a:lstStyle/>
           <a:p>
             <a:r>
-              <a:rPr lang="en-ZA"/>
-              <a:t>Expensive</a:t>
-            </a:r>
-          </a:p>
-        </p:txBody>
-      </p:sp>
-      <p:sp>
-        <p:nvSpPr>
-          <p:cNvPr id="25" name="Text Placeholder 24">
-            <a:extLst>
-              <a:ext uri="{FF2B5EF4-FFF2-40B4-BE49-F238E27FC236}">
-                <a16:creationId xmlns:a16="http://schemas.microsoft.com/office/drawing/2014/main" id="{225FED20-8F0E-4B86-88AD-F902806B2CA0}"/>
-              </a:ext>
-            </a:extLst>
-          </p:cNvPr>
-          <p:cNvSpPr>
-            <a:spLocks noGrp="1"/>
-          </p:cNvSpPr>
-          <p:nvPr>
-            <p:ph type="body" sz="quarter" idx="22"/>
-          </p:nvPr>
-        </p:nvSpPr>
-        <p:spPr>
-          <a:xfrm>
-            <a:off x="2637747" y="4634331"/>
-            <a:ext cx="1183179" cy="492025"/>
+              <a:rPr lang="en-ZA" noProof="1"/>
+              <a:t>Minimalist and easy to use </a:t>
+            </a:r>
+          </a:p>
+        </p:txBody>
+      </p:sp>
+      <p:sp>
+        <p:nvSpPr>
+          <p:cNvPr id="32" name="Date Placeholder 31">
+            <a:extLst>
+              <a:ext uri="{FF2B5EF4-FFF2-40B4-BE49-F238E27FC236}">
+                <a16:creationId xmlns:a16="http://schemas.microsoft.com/office/drawing/2014/main" id="{D5DB19F8-B538-4965-BA90-ED372B99F5DC}"/>
+              </a:ext>
+            </a:extLst>
+          </p:cNvPr>
+          <p:cNvSpPr>
+            <a:spLocks noGrp="1"/>
+          </p:cNvSpPr>
+          <p:nvPr>
+            <p:ph type="dt" sz="half" idx="20"/>
+          </p:nvPr>
+        </p:nvSpPr>
+        <p:spPr>
+          <a:xfrm>
+            <a:off x="5919680" y="6356350"/>
+            <a:ext cx="947516" cy="365125"/>
           </a:xfrm>
         </p:spPr>
         <p:txBody>
@@ -21747,31 +20504,31 @@
           <a:p>
             <a:r>
               <a:rPr lang="en-US"/>
-              <a:t>Competitor B</a:t>
-            </a:r>
-          </a:p>
-        </p:txBody>
-      </p:sp>
-      <p:sp>
-        <p:nvSpPr>
-          <p:cNvPr id="24" name="Text Placeholder 23">
-            <a:extLst>
-              <a:ext uri="{FF2B5EF4-FFF2-40B4-BE49-F238E27FC236}">
-                <a16:creationId xmlns:a16="http://schemas.microsoft.com/office/drawing/2014/main" id="{568D7422-F48C-4829-8937-7DA701F3303B}"/>
-              </a:ext>
-            </a:extLst>
-          </p:cNvPr>
-          <p:cNvSpPr>
-            <a:spLocks noGrp="1"/>
-          </p:cNvSpPr>
-          <p:nvPr>
-            <p:ph type="body" sz="quarter" idx="21"/>
-          </p:nvPr>
-        </p:nvSpPr>
-        <p:spPr>
-          <a:xfrm>
-            <a:off x="4175224" y="4459860"/>
-            <a:ext cx="1183179" cy="492025"/>
+              <a:t>20XX</a:t>
+            </a:r>
+          </a:p>
+        </p:txBody>
+      </p:sp>
+      <p:sp>
+        <p:nvSpPr>
+          <p:cNvPr id="3" name="Footer Placeholder 2">
+            <a:extLst>
+              <a:ext uri="{FF2B5EF4-FFF2-40B4-BE49-F238E27FC236}">
+                <a16:creationId xmlns:a16="http://schemas.microsoft.com/office/drawing/2014/main" id="{005C44B1-BA82-483C-BD91-F89067442F9E}"/>
+              </a:ext>
+            </a:extLst>
+          </p:cNvPr>
+          <p:cNvSpPr>
+            <a:spLocks noGrp="1"/>
+          </p:cNvSpPr>
+          <p:nvPr>
+            <p:ph type="ftr" sz="quarter" idx="21"/>
+          </p:nvPr>
+        </p:nvSpPr>
+        <p:spPr>
+          <a:xfrm>
+            <a:off x="7161955" y="6356350"/>
+            <a:ext cx="3243942" cy="365125"/>
           </a:xfrm>
         </p:spPr>
         <p:txBody>
@@ -21779,42 +20536,191 @@
           <a:lstStyle/>
           <a:p>
             <a:r>
-              <a:rPr lang="en-US"/>
-              <a:t>Competitor C</a:t>
-            </a:r>
-          </a:p>
-        </p:txBody>
-      </p:sp>
-      <p:sp>
-        <p:nvSpPr>
-          <p:cNvPr id="26" name="Text Placeholder 25">
-            <a:extLst>
-              <a:ext uri="{FF2B5EF4-FFF2-40B4-BE49-F238E27FC236}">
-                <a16:creationId xmlns:a16="http://schemas.microsoft.com/office/drawing/2014/main" id="{2329531A-E68A-4913-9B66-062FBAC6D24D}"/>
-              </a:ext>
-            </a:extLst>
-          </p:cNvPr>
-          <p:cNvSpPr>
-            <a:spLocks noGrp="1"/>
-          </p:cNvSpPr>
-          <p:nvPr>
-            <p:ph type="body" sz="quarter" idx="23"/>
-          </p:nvPr>
-        </p:nvSpPr>
-        <p:spPr>
-          <a:xfrm>
-            <a:off x="6552714" y="4321788"/>
-            <a:ext cx="1183179" cy="492025"/>
+              <a:rPr lang="en-ZA"/>
+              <a:t>Pitch Deck</a:t>
+            </a:r>
+          </a:p>
+        </p:txBody>
+      </p:sp>
+      <p:sp>
+        <p:nvSpPr>
+          <p:cNvPr id="4" name="Slide Number Placeholder 3">
+            <a:extLst>
+              <a:ext uri="{FF2B5EF4-FFF2-40B4-BE49-F238E27FC236}">
+                <a16:creationId xmlns:a16="http://schemas.microsoft.com/office/drawing/2014/main" id="{79ED4A67-3A46-4F54-A12A-EAE1B53E6457}"/>
+              </a:ext>
+            </a:extLst>
+          </p:cNvPr>
+          <p:cNvSpPr>
+            <a:spLocks noGrp="1"/>
+          </p:cNvSpPr>
+          <p:nvPr>
+            <p:ph type="sldNum" sz="quarter" idx="22"/>
+          </p:nvPr>
+        </p:nvSpPr>
+        <p:spPr>
+          <a:xfrm>
+            <a:off x="10700656" y="6356350"/>
+            <a:ext cx="653143" cy="365125"/>
           </a:xfrm>
         </p:spPr>
         <p:txBody>
           <a:bodyPr/>
           <a:lstStyle/>
           <a:p>
+            <a:fld id="{19B51A1E-902D-48AF-9020-955120F399B6}" type="slidenum">
+              <a:rPr lang="en-ZA" smtClean="0"/>
+              <a:pPr/>
+              <a:t>16</a:t>
+            </a:fld>
+            <a:endParaRPr lang="en-ZA"/>
+          </a:p>
+        </p:txBody>
+      </p:sp>
+    </p:spTree>
+    <p:extLst>
+      <p:ext uri="{BB962C8B-B14F-4D97-AF65-F5344CB8AC3E}">
+        <p14:creationId xmlns:p14="http://schemas.microsoft.com/office/powerpoint/2010/main" val="2069393026"/>
+      </p:ext>
+    </p:extLst>
+  </p:cSld>
+  <p:clrMapOvr>
+    <a:masterClrMapping/>
+  </p:clrMapOvr>
+</p:sld>
+</file>
+
+<file path=ppt/slides/slide17.xml><?xml version="1.0" encoding="utf-8"?>
+<p:sld xmlns:a="http://schemas.openxmlformats.org/drawingml/2006/main" xmlns:r="http://schemas.openxmlformats.org/officeDocument/2006/relationships" xmlns:p="http://schemas.openxmlformats.org/presentationml/2006/main">
+  <p:cSld>
+    <p:spTree>
+      <p:nvGrpSpPr>
+        <p:cNvPr id="1" name=""/>
+        <p:cNvGrpSpPr/>
+        <p:nvPr/>
+      </p:nvGrpSpPr>
+      <p:grpSpPr>
+        <a:xfrm>
+          <a:off x="0" y="0"/>
+          <a:ext cx="0" cy="0"/>
+          <a:chOff x="0" y="0"/>
+          <a:chExt cx="0" cy="0"/>
+        </a:xfrm>
+      </p:grpSpPr>
+      <p:sp>
+        <p:nvSpPr>
+          <p:cNvPr id="2" name="Title 1">
+            <a:extLst>
+              <a:ext uri="{FF2B5EF4-FFF2-40B4-BE49-F238E27FC236}">
+                <a16:creationId xmlns:a16="http://schemas.microsoft.com/office/drawing/2014/main" id="{5CE54ABB-4929-4810-950B-2DAEA0A5BAB4}"/>
+              </a:ext>
+            </a:extLst>
+          </p:cNvPr>
+          <p:cNvSpPr>
+            <a:spLocks noGrp="1"/>
+          </p:cNvSpPr>
+          <p:nvPr>
+            <p:ph type="title"/>
+          </p:nvPr>
+        </p:nvSpPr>
+        <p:spPr>
+          <a:xfrm>
+            <a:off x="1885156" y="892177"/>
+            <a:ext cx="8421688" cy="1325563"/>
+          </a:xfrm>
+        </p:spPr>
+        <p:txBody>
+          <a:bodyPr/>
+          <a:lstStyle/>
+          <a:p>
             <a:r>
               <a:rPr lang="en-US"/>
-              <a:t>Competitor D</a:t>
-            </a:r>
+              <a:t>MARKET OVERVIEW</a:t>
+            </a:r>
+          </a:p>
+        </p:txBody>
+      </p:sp>
+      <p:sp>
+        <p:nvSpPr>
+          <p:cNvPr id="4" name="Text Placeholder 3">
+            <a:extLst>
+              <a:ext uri="{FF2B5EF4-FFF2-40B4-BE49-F238E27FC236}">
+                <a16:creationId xmlns:a16="http://schemas.microsoft.com/office/drawing/2014/main" id="{A112B089-A8F9-45B1-BE6E-EAC10163F082}"/>
+              </a:ext>
+            </a:extLst>
+          </p:cNvPr>
+          <p:cNvSpPr>
+            <a:spLocks noGrp="1"/>
+          </p:cNvSpPr>
+          <p:nvPr>
+            <p:ph type="body" idx="1"/>
+          </p:nvPr>
+        </p:nvSpPr>
+        <p:spPr>
+          <a:xfrm>
+            <a:off x="1243104" y="2776936"/>
+            <a:ext cx="2882475" cy="823912"/>
+          </a:xfrm>
+        </p:spPr>
+        <p:txBody>
+          <a:bodyPr/>
+          <a:lstStyle/>
+          <a:p>
+            <a:r>
+              <a:rPr lang="en-ZA"/>
+              <a:t>$3 Billion</a:t>
+            </a:r>
+          </a:p>
+        </p:txBody>
+      </p:sp>
+      <p:sp>
+        <p:nvSpPr>
+          <p:cNvPr id="7" name="Content Placeholder 6">
+            <a:extLst>
+              <a:ext uri="{FF2B5EF4-FFF2-40B4-BE49-F238E27FC236}">
+                <a16:creationId xmlns:a16="http://schemas.microsoft.com/office/drawing/2014/main" id="{6B35F89A-6CDF-41F7-BD87-18B45BD7330B}"/>
+              </a:ext>
+            </a:extLst>
+          </p:cNvPr>
+          <p:cNvSpPr>
+            <a:spLocks noGrp="1"/>
+          </p:cNvSpPr>
+          <p:nvPr>
+            <p:ph sz="half" idx="2"/>
+          </p:nvPr>
+        </p:nvSpPr>
+        <p:spPr>
+          <a:xfrm>
+            <a:off x="1243104" y="3834606"/>
+            <a:ext cx="2882475" cy="1997867"/>
+          </a:xfrm>
+        </p:spPr>
+        <p:txBody>
+          <a:bodyPr vert="horz" lIns="91440" tIns="45720" rIns="91440" bIns="45720" rtlCol="0" anchor="t">
+            <a:normAutofit/>
+          </a:bodyPr>
+          <a:lstStyle/>
+          <a:p>
+            <a:r>
+              <a:rPr lang="en-US" noProof="1"/>
+              <a:t>Freedom to invent</a:t>
+            </a:r>
+            <a:endParaRPr lang="en-US"/>
+          </a:p>
+          <a:p>
+            <a:r>
+              <a:rPr lang="en-ZA" noProof="1"/>
+              <a:t>Selectively inclusive market</a:t>
+            </a:r>
+          </a:p>
+          <a:p>
+            <a:r>
+              <a:rPr lang="en-ZA" noProof="1"/>
+              <a:t>Serviceable available market</a:t>
+            </a:r>
+          </a:p>
+          <a:p>
+            <a:endParaRPr lang="en-ZA" noProof="1"/>
           </a:p>
         </p:txBody>
       </p:sp>
@@ -21823,20 +20729,1268 @@
           <p:cNvPr id="6" name="Text Placeholder 5">
             <a:extLst>
               <a:ext uri="{FF2B5EF4-FFF2-40B4-BE49-F238E27FC236}">
-                <a16:creationId xmlns:a16="http://schemas.microsoft.com/office/drawing/2014/main" id="{7F0BD43D-EBFD-48E7-A1D3-EB9228D4C58B}"/>
-              </a:ext>
-            </a:extLst>
-          </p:cNvPr>
-          <p:cNvSpPr>
-            <a:spLocks noGrp="1"/>
-          </p:cNvSpPr>
-          <p:nvPr>
-            <p:ph type="body" sz="quarter" idx="17"/>
-          </p:nvPr>
-        </p:nvSpPr>
-        <p:spPr>
-          <a:xfrm>
-            <a:off x="5242517" y="5468790"/>
+                <a16:creationId xmlns:a16="http://schemas.microsoft.com/office/drawing/2014/main" id="{0FE22F9B-4BF8-41DC-8F1C-836B546E59AD}"/>
+              </a:ext>
+            </a:extLst>
+          </p:cNvPr>
+          <p:cNvSpPr>
+            <a:spLocks noGrp="1"/>
+          </p:cNvSpPr>
+          <p:nvPr>
+            <p:ph type="body" sz="quarter" idx="3"/>
+          </p:nvPr>
+        </p:nvSpPr>
+        <p:spPr>
+          <a:xfrm>
+            <a:off x="4647665" y="2776936"/>
+            <a:ext cx="2896671" cy="823912"/>
+          </a:xfrm>
+        </p:spPr>
+        <p:txBody>
+          <a:bodyPr/>
+          <a:lstStyle/>
+          <a:p>
+            <a:r>
+              <a:rPr lang="en-ZA"/>
+              <a:t>$1 Billion</a:t>
+            </a:r>
+          </a:p>
+        </p:txBody>
+      </p:sp>
+      <p:sp>
+        <p:nvSpPr>
+          <p:cNvPr id="3" name="Text Placeholder 2">
+            <a:extLst>
+              <a:ext uri="{FF2B5EF4-FFF2-40B4-BE49-F238E27FC236}">
+                <a16:creationId xmlns:a16="http://schemas.microsoft.com/office/drawing/2014/main" id="{D5E1C399-8F48-44F5-9461-3C89866D4CE1}"/>
+              </a:ext>
+            </a:extLst>
+          </p:cNvPr>
+          <p:cNvSpPr>
+            <a:spLocks noGrp="1"/>
+          </p:cNvSpPr>
+          <p:nvPr>
+            <p:ph sz="quarter" idx="4"/>
+          </p:nvPr>
+        </p:nvSpPr>
+        <p:spPr>
+          <a:xfrm>
+            <a:off x="4647665" y="3834606"/>
+            <a:ext cx="2896671" cy="1997867"/>
+          </a:xfrm>
+        </p:spPr>
+        <p:txBody>
+          <a:bodyPr/>
+          <a:lstStyle/>
+          <a:p>
+            <a:r>
+              <a:rPr lang="en-ZA"/>
+              <a:t>Opportunity to build</a:t>
+            </a:r>
+          </a:p>
+          <a:p>
+            <a:r>
+              <a:rPr lang="en-ZA"/>
+              <a:t>Fully inclusive market</a:t>
+            </a:r>
+          </a:p>
+          <a:p>
+            <a:r>
+              <a:rPr lang="en-ZA"/>
+              <a:t>Total addressable market</a:t>
+            </a:r>
+          </a:p>
+        </p:txBody>
+      </p:sp>
+      <p:sp>
+        <p:nvSpPr>
+          <p:cNvPr id="5" name="Content Placeholder 4">
+            <a:extLst>
+              <a:ext uri="{FF2B5EF4-FFF2-40B4-BE49-F238E27FC236}">
+                <a16:creationId xmlns:a16="http://schemas.microsoft.com/office/drawing/2014/main" id="{CF515C5D-2CDB-4E66-B2B8-1451BC44247F}"/>
+              </a:ext>
+            </a:extLst>
+          </p:cNvPr>
+          <p:cNvSpPr>
+            <a:spLocks noGrp="1"/>
+          </p:cNvSpPr>
+          <p:nvPr>
+            <p:ph type="body" idx="13"/>
+          </p:nvPr>
+        </p:nvSpPr>
+        <p:spPr>
+          <a:xfrm>
+            <a:off x="8066421" y="2776936"/>
+            <a:ext cx="2882475" cy="823912"/>
+          </a:xfrm>
+        </p:spPr>
+        <p:txBody>
+          <a:bodyPr vert="horz" lIns="91440" tIns="45720" rIns="91440" bIns="45720" rtlCol="0" anchor="b">
+            <a:normAutofit/>
+          </a:bodyPr>
+          <a:lstStyle/>
+          <a:p>
+            <a:r>
+              <a:rPr lang="en-ZA"/>
+              <a:t>$2 Billion</a:t>
+            </a:r>
+          </a:p>
+        </p:txBody>
+      </p:sp>
+      <p:sp>
+        <p:nvSpPr>
+          <p:cNvPr id="8" name="Text Placeholder 7">
+            <a:extLst>
+              <a:ext uri="{FF2B5EF4-FFF2-40B4-BE49-F238E27FC236}">
+                <a16:creationId xmlns:a16="http://schemas.microsoft.com/office/drawing/2014/main" id="{E92B9716-8D44-4864-8986-720957B34362}"/>
+              </a:ext>
+            </a:extLst>
+          </p:cNvPr>
+          <p:cNvSpPr>
+            <a:spLocks noGrp="1"/>
+          </p:cNvSpPr>
+          <p:nvPr>
+            <p:ph sz="half" idx="14"/>
+          </p:nvPr>
+        </p:nvSpPr>
+        <p:spPr>
+          <a:xfrm>
+            <a:off x="8066421" y="3834606"/>
+            <a:ext cx="2882475" cy="1997867"/>
+          </a:xfrm>
+        </p:spPr>
+        <p:txBody>
+          <a:bodyPr/>
+          <a:lstStyle/>
+          <a:p>
+            <a:r>
+              <a:rPr lang="en-ZA" noProof="1"/>
+              <a:t>Few competitors</a:t>
+            </a:r>
+          </a:p>
+          <a:p>
+            <a:r>
+              <a:rPr lang="en-ZA" noProof="1"/>
+              <a:t>Specifically targeted market</a:t>
+            </a:r>
+          </a:p>
+          <a:p>
+            <a:r>
+              <a:rPr lang="en-ZA" noProof="1"/>
+              <a:t>Serviceable obtainable market</a:t>
+            </a:r>
+            <a:endParaRPr lang="en-ZA"/>
+          </a:p>
+          <a:p>
+            <a:endParaRPr lang="en-US"/>
+          </a:p>
+        </p:txBody>
+      </p:sp>
+      <p:sp>
+        <p:nvSpPr>
+          <p:cNvPr id="9" name="Date Placeholder 8">
+            <a:extLst>
+              <a:ext uri="{FF2B5EF4-FFF2-40B4-BE49-F238E27FC236}">
+                <a16:creationId xmlns:a16="http://schemas.microsoft.com/office/drawing/2014/main" id="{7B78F7A0-88C5-4940-B21C-099F472F39F9}"/>
+              </a:ext>
+            </a:extLst>
+          </p:cNvPr>
+          <p:cNvSpPr>
+            <a:spLocks noGrp="1"/>
+          </p:cNvSpPr>
+          <p:nvPr>
+            <p:ph type="dt" sz="half" idx="10"/>
+          </p:nvPr>
+        </p:nvSpPr>
+        <p:spPr>
+          <a:xfrm>
+            <a:off x="838200" y="6356350"/>
+            <a:ext cx="2743200" cy="365125"/>
+          </a:xfrm>
+        </p:spPr>
+        <p:txBody>
+          <a:bodyPr/>
+          <a:lstStyle/>
+          <a:p>
+            <a:r>
+              <a:rPr lang="en-US"/>
+              <a:t>20XX</a:t>
+            </a:r>
+          </a:p>
+        </p:txBody>
+      </p:sp>
+      <p:sp>
+        <p:nvSpPr>
+          <p:cNvPr id="10" name="Footer Placeholder 9">
+            <a:extLst>
+              <a:ext uri="{FF2B5EF4-FFF2-40B4-BE49-F238E27FC236}">
+                <a16:creationId xmlns:a16="http://schemas.microsoft.com/office/drawing/2014/main" id="{D2186069-FC8E-433D-9BB4-942220CE8CFB}"/>
+              </a:ext>
+            </a:extLst>
+          </p:cNvPr>
+          <p:cNvSpPr>
+            <a:spLocks noGrp="1"/>
+          </p:cNvSpPr>
+          <p:nvPr>
+            <p:ph type="ftr" sz="quarter" idx="11"/>
+          </p:nvPr>
+        </p:nvSpPr>
+        <p:spPr>
+          <a:xfrm>
+            <a:off x="4038600" y="6356350"/>
+            <a:ext cx="4114800" cy="365125"/>
+          </a:xfrm>
+        </p:spPr>
+        <p:txBody>
+          <a:bodyPr/>
+          <a:lstStyle/>
+          <a:p>
+            <a:r>
+              <a:rPr lang="en-US"/>
+              <a:t>Pitch Deck</a:t>
+            </a:r>
+          </a:p>
+        </p:txBody>
+      </p:sp>
+      <p:sp>
+        <p:nvSpPr>
+          <p:cNvPr id="11" name="Slide Number Placeholder 10">
+            <a:extLst>
+              <a:ext uri="{FF2B5EF4-FFF2-40B4-BE49-F238E27FC236}">
+                <a16:creationId xmlns:a16="http://schemas.microsoft.com/office/drawing/2014/main" id="{BAD5B6F4-0A90-447A-A1AE-D75C934B6B29}"/>
+              </a:ext>
+            </a:extLst>
+          </p:cNvPr>
+          <p:cNvSpPr>
+            <a:spLocks noGrp="1"/>
+          </p:cNvSpPr>
+          <p:nvPr>
+            <p:ph type="sldNum" sz="quarter" idx="12"/>
+          </p:nvPr>
+        </p:nvSpPr>
+        <p:spPr>
+          <a:xfrm>
+            <a:off x="8610600" y="6356350"/>
+            <a:ext cx="2743200" cy="365125"/>
+          </a:xfrm>
+        </p:spPr>
+        <p:txBody>
+          <a:bodyPr/>
+          <a:lstStyle/>
+          <a:p>
+            <a:fld id="{B5CEABB6-07DC-46E8-9B57-56EC44A396E5}" type="slidenum">
+              <a:rPr lang="en-US" smtClean="0"/>
+              <a:pPr/>
+              <a:t>17</a:t>
+            </a:fld>
+            <a:endParaRPr lang="en-US"/>
+          </a:p>
+        </p:txBody>
+      </p:sp>
+    </p:spTree>
+    <p:extLst>
+      <p:ext uri="{BB962C8B-B14F-4D97-AF65-F5344CB8AC3E}">
+        <p14:creationId xmlns:p14="http://schemas.microsoft.com/office/powerpoint/2010/main" val="2121178069"/>
+      </p:ext>
+    </p:extLst>
+  </p:cSld>
+  <p:clrMapOvr>
+    <a:masterClrMapping/>
+  </p:clrMapOvr>
+</p:sld>
+</file>
+
+<file path=ppt/slides/slide18.xml><?xml version="1.0" encoding="utf-8"?>
+<p:sld xmlns:a="http://schemas.openxmlformats.org/drawingml/2006/main" xmlns:r="http://schemas.openxmlformats.org/officeDocument/2006/relationships" xmlns:p="http://schemas.openxmlformats.org/presentationml/2006/main">
+  <p:cSld>
+    <p:spTree>
+      <p:nvGrpSpPr>
+        <p:cNvPr id="1" name=""/>
+        <p:cNvGrpSpPr/>
+        <p:nvPr/>
+      </p:nvGrpSpPr>
+      <p:grpSpPr>
+        <a:xfrm>
+          <a:off x="0" y="0"/>
+          <a:ext cx="0" cy="0"/>
+          <a:chOff x="0" y="0"/>
+          <a:chExt cx="0" cy="0"/>
+        </a:xfrm>
+      </p:grpSpPr>
+      <p:sp>
+        <p:nvSpPr>
+          <p:cNvPr id="2" name="Title 1">
+            <a:extLst>
+              <a:ext uri="{FF2B5EF4-FFF2-40B4-BE49-F238E27FC236}">
+                <a16:creationId xmlns:a16="http://schemas.microsoft.com/office/drawing/2014/main" id="{5864BC4F-3D59-464A-857E-6F155B368ED7}"/>
+              </a:ext>
+            </a:extLst>
+          </p:cNvPr>
+          <p:cNvSpPr>
+            <a:spLocks noGrp="1"/>
+          </p:cNvSpPr>
+          <p:nvPr>
+            <p:ph type="title"/>
+          </p:nvPr>
+        </p:nvSpPr>
+        <p:spPr>
+          <a:xfrm>
+            <a:off x="1885156" y="892177"/>
+            <a:ext cx="8421688" cy="1325563"/>
+          </a:xfrm>
+        </p:spPr>
+        <p:txBody>
+          <a:bodyPr/>
+          <a:lstStyle/>
+          <a:p>
+            <a:r>
+              <a:rPr lang="en-US"/>
+              <a:t>Market comparison</a:t>
+            </a:r>
+          </a:p>
+        </p:txBody>
+      </p:sp>
+      <p:sp>
+        <p:nvSpPr>
+          <p:cNvPr id="9" name="Text Placeholder 8">
+            <a:extLst>
+              <a:ext uri="{FF2B5EF4-FFF2-40B4-BE49-F238E27FC236}">
+                <a16:creationId xmlns:a16="http://schemas.microsoft.com/office/drawing/2014/main" id="{8C1455DF-5CEC-44A2-A92D-8E901D15B7CC}"/>
+              </a:ext>
+            </a:extLst>
+          </p:cNvPr>
+          <p:cNvSpPr>
+            <a:spLocks noGrp="1"/>
+          </p:cNvSpPr>
+          <p:nvPr>
+            <p:ph type="body" idx="1"/>
+          </p:nvPr>
+        </p:nvSpPr>
+        <p:spPr>
+          <a:xfrm>
+            <a:off x="2063855" y="3064615"/>
+            <a:ext cx="1240971" cy="823912"/>
+          </a:xfrm>
+        </p:spPr>
+        <p:txBody>
+          <a:bodyPr/>
+          <a:lstStyle/>
+          <a:p>
+            <a:r>
+              <a:rPr lang="en-US"/>
+              <a:t>$3B</a:t>
+            </a:r>
+          </a:p>
+        </p:txBody>
+      </p:sp>
+      <p:sp>
+        <p:nvSpPr>
+          <p:cNvPr id="10" name="Text Placeholder 9">
+            <a:extLst>
+              <a:ext uri="{FF2B5EF4-FFF2-40B4-BE49-F238E27FC236}">
+                <a16:creationId xmlns:a16="http://schemas.microsoft.com/office/drawing/2014/main" id="{7C7E7B18-D05F-4C44-8718-8C671160FC98}"/>
+              </a:ext>
+            </a:extLst>
+          </p:cNvPr>
+          <p:cNvSpPr>
+            <a:spLocks noGrp="1"/>
+          </p:cNvSpPr>
+          <p:nvPr>
+            <p:ph type="body" idx="15"/>
+          </p:nvPr>
+        </p:nvSpPr>
+        <p:spPr>
+          <a:xfrm>
+            <a:off x="5475514" y="3064615"/>
+            <a:ext cx="1240971" cy="823912"/>
+          </a:xfrm>
+        </p:spPr>
+        <p:txBody>
+          <a:bodyPr/>
+          <a:lstStyle/>
+          <a:p>
+            <a:r>
+              <a:rPr lang="en-US"/>
+              <a:t>$2B</a:t>
+            </a:r>
+          </a:p>
+        </p:txBody>
+      </p:sp>
+      <p:sp>
+        <p:nvSpPr>
+          <p:cNvPr id="11" name="Text Placeholder 10">
+            <a:extLst>
+              <a:ext uri="{FF2B5EF4-FFF2-40B4-BE49-F238E27FC236}">
+                <a16:creationId xmlns:a16="http://schemas.microsoft.com/office/drawing/2014/main" id="{C4EAD5C6-02F0-4D27-8D85-1BD5EA833D6F}"/>
+              </a:ext>
+            </a:extLst>
+          </p:cNvPr>
+          <p:cNvSpPr>
+            <a:spLocks noGrp="1"/>
+          </p:cNvSpPr>
+          <p:nvPr>
+            <p:ph type="body" idx="16"/>
+          </p:nvPr>
+        </p:nvSpPr>
+        <p:spPr>
+          <a:xfrm>
+            <a:off x="8887174" y="3064615"/>
+            <a:ext cx="1240971" cy="823912"/>
+          </a:xfrm>
+        </p:spPr>
+        <p:txBody>
+          <a:bodyPr/>
+          <a:lstStyle/>
+          <a:p>
+            <a:r>
+              <a:rPr lang="en-US"/>
+              <a:t>$1B</a:t>
+            </a:r>
+          </a:p>
+        </p:txBody>
+      </p:sp>
+      <p:sp>
+        <p:nvSpPr>
+          <p:cNvPr id="19" name="Content Placeholder 18">
+            <a:extLst>
+              <a:ext uri="{FF2B5EF4-FFF2-40B4-BE49-F238E27FC236}">
+                <a16:creationId xmlns:a16="http://schemas.microsoft.com/office/drawing/2014/main" id="{791D6145-F7F7-43DE-A16B-BF4F9607D4E8}"/>
+              </a:ext>
+            </a:extLst>
+          </p:cNvPr>
+          <p:cNvSpPr>
+            <a:spLocks noGrp="1"/>
+          </p:cNvSpPr>
+          <p:nvPr>
+            <p:ph sz="half" idx="2"/>
+          </p:nvPr>
+        </p:nvSpPr>
+        <p:spPr>
+          <a:xfrm>
+            <a:off x="1129698" y="4824188"/>
+            <a:ext cx="3124093" cy="462927"/>
+          </a:xfrm>
+        </p:spPr>
+        <p:txBody>
+          <a:bodyPr/>
+          <a:lstStyle/>
+          <a:p>
+            <a:r>
+              <a:rPr lang="en-US"/>
+              <a:t>Opportunity to build</a:t>
+            </a:r>
+          </a:p>
+        </p:txBody>
+      </p:sp>
+      <p:sp>
+        <p:nvSpPr>
+          <p:cNvPr id="20" name="Content Placeholder 19">
+            <a:extLst>
+              <a:ext uri="{FF2B5EF4-FFF2-40B4-BE49-F238E27FC236}">
+                <a16:creationId xmlns:a16="http://schemas.microsoft.com/office/drawing/2014/main" id="{BC46925A-8382-42EB-891C-DBB4EAAA33F8}"/>
+              </a:ext>
+            </a:extLst>
+          </p:cNvPr>
+          <p:cNvSpPr>
+            <a:spLocks noGrp="1"/>
+          </p:cNvSpPr>
+          <p:nvPr>
+            <p:ph sz="quarter" idx="4"/>
+          </p:nvPr>
+        </p:nvSpPr>
+        <p:spPr>
+          <a:xfrm>
+            <a:off x="4526261" y="4824188"/>
+            <a:ext cx="3139479" cy="462927"/>
+          </a:xfrm>
+        </p:spPr>
+        <p:txBody>
+          <a:bodyPr/>
+          <a:lstStyle/>
+          <a:p>
+            <a:r>
+              <a:rPr lang="en-US"/>
+              <a:t>Freedom to invent</a:t>
+            </a:r>
+          </a:p>
+        </p:txBody>
+      </p:sp>
+      <p:sp>
+        <p:nvSpPr>
+          <p:cNvPr id="21" name="Content Placeholder 20">
+            <a:extLst>
+              <a:ext uri="{FF2B5EF4-FFF2-40B4-BE49-F238E27FC236}">
+                <a16:creationId xmlns:a16="http://schemas.microsoft.com/office/drawing/2014/main" id="{318AFADE-B54F-4988-8000-B9336A395336}"/>
+              </a:ext>
+            </a:extLst>
+          </p:cNvPr>
+          <p:cNvSpPr>
+            <a:spLocks noGrp="1"/>
+          </p:cNvSpPr>
+          <p:nvPr>
+            <p:ph sz="half" idx="14"/>
+          </p:nvPr>
+        </p:nvSpPr>
+        <p:spPr>
+          <a:xfrm>
+            <a:off x="7938210" y="4824188"/>
+            <a:ext cx="3124093" cy="462927"/>
+          </a:xfrm>
+        </p:spPr>
+        <p:txBody>
+          <a:bodyPr/>
+          <a:lstStyle/>
+          <a:p>
+            <a:r>
+              <a:rPr lang="en-US"/>
+              <a:t>Few competitors</a:t>
+            </a:r>
+          </a:p>
+        </p:txBody>
+      </p:sp>
+      <p:sp>
+        <p:nvSpPr>
+          <p:cNvPr id="22" name="Content Placeholder 21">
+            <a:extLst>
+              <a:ext uri="{FF2B5EF4-FFF2-40B4-BE49-F238E27FC236}">
+                <a16:creationId xmlns:a16="http://schemas.microsoft.com/office/drawing/2014/main" id="{F296843C-0ED0-4314-A6F0-DD60C828DDFB}"/>
+              </a:ext>
+            </a:extLst>
+          </p:cNvPr>
+          <p:cNvSpPr>
+            <a:spLocks noGrp="1"/>
+          </p:cNvSpPr>
+          <p:nvPr>
+            <p:ph sz="half" idx="17"/>
+          </p:nvPr>
+        </p:nvSpPr>
+        <p:spPr>
+          <a:xfrm>
+            <a:off x="1129698" y="5280763"/>
+            <a:ext cx="3124093" cy="462927"/>
+          </a:xfrm>
+        </p:spPr>
+        <p:txBody>
+          <a:bodyPr/>
+          <a:lstStyle/>
+          <a:p>
+            <a:r>
+              <a:rPr lang="en-US"/>
+              <a:t>Addressable market</a:t>
+            </a:r>
+          </a:p>
+        </p:txBody>
+      </p:sp>
+      <p:sp>
+        <p:nvSpPr>
+          <p:cNvPr id="23" name="Content Placeholder 22">
+            <a:extLst>
+              <a:ext uri="{FF2B5EF4-FFF2-40B4-BE49-F238E27FC236}">
+                <a16:creationId xmlns:a16="http://schemas.microsoft.com/office/drawing/2014/main" id="{649BF20C-562E-400E-BEA6-1D5F81F2FE44}"/>
+              </a:ext>
+            </a:extLst>
+          </p:cNvPr>
+          <p:cNvSpPr>
+            <a:spLocks noGrp="1"/>
+          </p:cNvSpPr>
+          <p:nvPr>
+            <p:ph sz="quarter" idx="18"/>
+          </p:nvPr>
+        </p:nvSpPr>
+        <p:spPr>
+          <a:xfrm>
+            <a:off x="4526261" y="5280763"/>
+            <a:ext cx="3139479" cy="462927"/>
+          </a:xfrm>
+        </p:spPr>
+        <p:txBody>
+          <a:bodyPr/>
+          <a:lstStyle/>
+          <a:p>
+            <a:r>
+              <a:rPr lang="en-US"/>
+              <a:t>Serviceable market</a:t>
+            </a:r>
+          </a:p>
+        </p:txBody>
+      </p:sp>
+      <p:sp>
+        <p:nvSpPr>
+          <p:cNvPr id="24" name="Content Placeholder 23">
+            <a:extLst>
+              <a:ext uri="{FF2B5EF4-FFF2-40B4-BE49-F238E27FC236}">
+                <a16:creationId xmlns:a16="http://schemas.microsoft.com/office/drawing/2014/main" id="{5AA25980-D334-4FC0-9091-936E53B8D321}"/>
+              </a:ext>
+            </a:extLst>
+          </p:cNvPr>
+          <p:cNvSpPr>
+            <a:spLocks noGrp="1"/>
+          </p:cNvSpPr>
+          <p:nvPr>
+            <p:ph sz="half" idx="19"/>
+          </p:nvPr>
+        </p:nvSpPr>
+        <p:spPr>
+          <a:xfrm>
+            <a:off x="7938210" y="5280763"/>
+            <a:ext cx="3124093" cy="462927"/>
+          </a:xfrm>
+        </p:spPr>
+        <p:txBody>
+          <a:bodyPr/>
+          <a:lstStyle/>
+          <a:p>
+            <a:r>
+              <a:rPr lang="en-US"/>
+              <a:t>Obtainable market</a:t>
+            </a:r>
+          </a:p>
+        </p:txBody>
+      </p:sp>
+      <p:sp>
+        <p:nvSpPr>
+          <p:cNvPr id="5" name="Date Placeholder 4">
+            <a:extLst>
+              <a:ext uri="{FF2B5EF4-FFF2-40B4-BE49-F238E27FC236}">
+                <a16:creationId xmlns:a16="http://schemas.microsoft.com/office/drawing/2014/main" id="{79C22D8C-87A6-47AD-8D29-FBBA539EDBE2}"/>
+              </a:ext>
+            </a:extLst>
+          </p:cNvPr>
+          <p:cNvSpPr>
+            <a:spLocks noGrp="1"/>
+          </p:cNvSpPr>
+          <p:nvPr>
+            <p:ph type="dt" sz="half" idx="10"/>
+          </p:nvPr>
+        </p:nvSpPr>
+        <p:spPr>
+          <a:xfrm>
+            <a:off x="838200" y="6356350"/>
+            <a:ext cx="2743200" cy="365125"/>
+          </a:xfrm>
+        </p:spPr>
+        <p:txBody>
+          <a:bodyPr/>
+          <a:lstStyle/>
+          <a:p>
+            <a:r>
+              <a:rPr lang="en-US"/>
+              <a:t>20XX</a:t>
+            </a:r>
+          </a:p>
+        </p:txBody>
+      </p:sp>
+      <p:sp>
+        <p:nvSpPr>
+          <p:cNvPr id="6" name="Footer Placeholder 5">
+            <a:extLst>
+              <a:ext uri="{FF2B5EF4-FFF2-40B4-BE49-F238E27FC236}">
+                <a16:creationId xmlns:a16="http://schemas.microsoft.com/office/drawing/2014/main" id="{4D346909-C2E0-4F1D-90FC-F5E1D8DFB515}"/>
+              </a:ext>
+            </a:extLst>
+          </p:cNvPr>
+          <p:cNvSpPr>
+            <a:spLocks noGrp="1"/>
+          </p:cNvSpPr>
+          <p:nvPr>
+            <p:ph type="ftr" sz="quarter" idx="11"/>
+          </p:nvPr>
+        </p:nvSpPr>
+        <p:spPr>
+          <a:xfrm>
+            <a:off x="4038600" y="6356350"/>
+            <a:ext cx="4114800" cy="365125"/>
+          </a:xfrm>
+        </p:spPr>
+        <p:txBody>
+          <a:bodyPr/>
+          <a:lstStyle/>
+          <a:p>
+            <a:r>
+              <a:rPr lang="en-US"/>
+              <a:t>Pitch Deck</a:t>
+            </a:r>
+          </a:p>
+        </p:txBody>
+      </p:sp>
+      <p:sp>
+        <p:nvSpPr>
+          <p:cNvPr id="7" name="Slide Number Placeholder 6">
+            <a:extLst>
+              <a:ext uri="{FF2B5EF4-FFF2-40B4-BE49-F238E27FC236}">
+                <a16:creationId xmlns:a16="http://schemas.microsoft.com/office/drawing/2014/main" id="{EBC02F21-4E3C-469E-B11C-9214231082D3}"/>
+              </a:ext>
+            </a:extLst>
+          </p:cNvPr>
+          <p:cNvSpPr>
+            <a:spLocks noGrp="1"/>
+          </p:cNvSpPr>
+          <p:nvPr>
+            <p:ph type="sldNum" sz="quarter" idx="12"/>
+          </p:nvPr>
+        </p:nvSpPr>
+        <p:spPr>
+          <a:xfrm>
+            <a:off x="8610600" y="6356350"/>
+            <a:ext cx="2743200" cy="365125"/>
+          </a:xfrm>
+        </p:spPr>
+        <p:txBody>
+          <a:bodyPr/>
+          <a:lstStyle/>
+          <a:p>
+            <a:fld id="{B5CEABB6-07DC-46E8-9B57-56EC44A396E5}" type="slidenum">
+              <a:rPr lang="en-US" smtClean="0"/>
+              <a:pPr/>
+              <a:t>18</a:t>
+            </a:fld>
+            <a:endParaRPr lang="en-US"/>
+          </a:p>
+        </p:txBody>
+      </p:sp>
+    </p:spTree>
+    <p:extLst>
+      <p:ext uri="{BB962C8B-B14F-4D97-AF65-F5344CB8AC3E}">
+        <p14:creationId xmlns:p14="http://schemas.microsoft.com/office/powerpoint/2010/main" val="404854312"/>
+      </p:ext>
+    </p:extLst>
+  </p:cSld>
+  <p:clrMapOvr>
+    <a:masterClrMapping/>
+  </p:clrMapOvr>
+</p:sld>
+</file>
+
+<file path=ppt/slides/slide19.xml><?xml version="1.0" encoding="utf-8"?>
+<p:sld xmlns:a="http://schemas.openxmlformats.org/drawingml/2006/main" xmlns:r="http://schemas.openxmlformats.org/officeDocument/2006/relationships" xmlns:p="http://schemas.openxmlformats.org/presentationml/2006/main">
+  <p:cSld>
+    <p:spTree>
+      <p:nvGrpSpPr>
+        <p:cNvPr id="1" name=""/>
+        <p:cNvGrpSpPr/>
+        <p:nvPr/>
+      </p:nvGrpSpPr>
+      <p:grpSpPr>
+        <a:xfrm>
+          <a:off x="0" y="0"/>
+          <a:ext cx="0" cy="0"/>
+          <a:chOff x="0" y="0"/>
+          <a:chExt cx="0" cy="0"/>
+        </a:xfrm>
+      </p:grpSpPr>
+      <p:sp>
+        <p:nvSpPr>
+          <p:cNvPr id="4" name="Title 3">
+            <a:extLst>
+              <a:ext uri="{FF2B5EF4-FFF2-40B4-BE49-F238E27FC236}">
+                <a16:creationId xmlns:a16="http://schemas.microsoft.com/office/drawing/2014/main" id="{FAD2AE59-5630-4D5C-83A9-4CDEF4D7DCFB}"/>
+              </a:ext>
+            </a:extLst>
+          </p:cNvPr>
+          <p:cNvSpPr>
+            <a:spLocks noGrp="1"/>
+          </p:cNvSpPr>
+          <p:nvPr>
+            <p:ph type="title"/>
+          </p:nvPr>
+        </p:nvSpPr>
+        <p:spPr>
+          <a:xfrm>
+            <a:off x="2933700" y="892177"/>
+            <a:ext cx="8421688" cy="1325563"/>
+          </a:xfrm>
+        </p:spPr>
+        <p:txBody>
+          <a:bodyPr/>
+          <a:lstStyle/>
+          <a:p>
+            <a:r>
+              <a:rPr lang="en-US"/>
+              <a:t>OUR COMPETITION</a:t>
+            </a:r>
+          </a:p>
+        </p:txBody>
+      </p:sp>
+      <p:sp>
+        <p:nvSpPr>
+          <p:cNvPr id="5" name="Text Placeholder 4">
+            <a:extLst>
+              <a:ext uri="{FF2B5EF4-FFF2-40B4-BE49-F238E27FC236}">
+                <a16:creationId xmlns:a16="http://schemas.microsoft.com/office/drawing/2014/main" id="{F8657664-A458-4DDD-ACC2-1D87FCD6FCA9}"/>
+              </a:ext>
+            </a:extLst>
+          </p:cNvPr>
+          <p:cNvSpPr>
+            <a:spLocks noGrp="1"/>
+          </p:cNvSpPr>
+          <p:nvPr>
+            <p:ph type="body" idx="1"/>
+          </p:nvPr>
+        </p:nvSpPr>
+        <p:spPr>
+          <a:xfrm>
+            <a:off x="2933700" y="2776936"/>
+            <a:ext cx="3924300" cy="823912"/>
+          </a:xfrm>
+        </p:spPr>
+        <p:txBody>
+          <a:bodyPr/>
+          <a:lstStyle/>
+          <a:p>
+            <a:r>
+              <a:rPr lang="en-ZA"/>
+              <a:t>CONTOSO</a:t>
+            </a:r>
+          </a:p>
+        </p:txBody>
+      </p:sp>
+      <p:sp>
+        <p:nvSpPr>
+          <p:cNvPr id="6" name="Content Placeholder 5">
+            <a:extLst>
+              <a:ext uri="{FF2B5EF4-FFF2-40B4-BE49-F238E27FC236}">
+                <a16:creationId xmlns:a16="http://schemas.microsoft.com/office/drawing/2014/main" id="{5A6B31B0-7B84-475D-961F-09C0191F91A2}"/>
+              </a:ext>
+            </a:extLst>
+          </p:cNvPr>
+          <p:cNvSpPr>
+            <a:spLocks noGrp="1"/>
+          </p:cNvSpPr>
+          <p:nvPr>
+            <p:ph sz="half" idx="2"/>
+          </p:nvPr>
+        </p:nvSpPr>
+        <p:spPr>
+          <a:xfrm>
+            <a:off x="2933700" y="3834606"/>
+            <a:ext cx="3924300" cy="1997867"/>
+          </a:xfrm>
+        </p:spPr>
+        <p:txBody>
+          <a:bodyPr vert="horz" lIns="91440" tIns="45720" rIns="91440" bIns="45720" rtlCol="0" anchor="t">
+            <a:normAutofit/>
+          </a:bodyPr>
+          <a:lstStyle/>
+          <a:p>
+            <a:r>
+              <a:rPr lang="en-ZA" noProof="1"/>
+              <a:t>Our product is priced below that of other companies on the market</a:t>
+            </a:r>
+          </a:p>
+          <a:p>
+            <a:r>
+              <a:rPr lang="en-ZA" noProof="1"/>
+              <a:t>Design is simple and easy to use, compared to the complex designs of the competitors</a:t>
+            </a:r>
+          </a:p>
+          <a:p>
+            <a:r>
+              <a:rPr lang="en-ZA" noProof="1"/>
+              <a:t>Affordability is the main draw for our consumers to our product</a:t>
+            </a:r>
+          </a:p>
+        </p:txBody>
+      </p:sp>
+      <p:sp>
+        <p:nvSpPr>
+          <p:cNvPr id="7" name="Text Placeholder 6">
+            <a:extLst>
+              <a:ext uri="{FF2B5EF4-FFF2-40B4-BE49-F238E27FC236}">
+                <a16:creationId xmlns:a16="http://schemas.microsoft.com/office/drawing/2014/main" id="{578017FE-712E-4E95-B483-B700F1AA4B2A}"/>
+              </a:ext>
+            </a:extLst>
+          </p:cNvPr>
+          <p:cNvSpPr>
+            <a:spLocks noGrp="1"/>
+          </p:cNvSpPr>
+          <p:nvPr>
+            <p:ph type="body" sz="quarter" idx="3"/>
+          </p:nvPr>
+        </p:nvSpPr>
+        <p:spPr>
+          <a:xfrm>
+            <a:off x="7410173" y="2776936"/>
+            <a:ext cx="3943627" cy="823912"/>
+          </a:xfrm>
+        </p:spPr>
+        <p:txBody>
+          <a:bodyPr/>
+          <a:lstStyle/>
+          <a:p>
+            <a:r>
+              <a:rPr lang="en-US"/>
+              <a:t>COMPETITORS</a:t>
+            </a:r>
+          </a:p>
+        </p:txBody>
+      </p:sp>
+      <p:sp>
+        <p:nvSpPr>
+          <p:cNvPr id="11" name="Content Placeholder 10">
+            <a:extLst>
+              <a:ext uri="{FF2B5EF4-FFF2-40B4-BE49-F238E27FC236}">
+                <a16:creationId xmlns:a16="http://schemas.microsoft.com/office/drawing/2014/main" id="{D0E0ACA0-9139-4C37-920D-BF3C1FF461C1}"/>
+              </a:ext>
+            </a:extLst>
+          </p:cNvPr>
+          <p:cNvSpPr>
+            <a:spLocks noGrp="1"/>
+          </p:cNvSpPr>
+          <p:nvPr>
+            <p:ph sz="quarter" idx="4"/>
+          </p:nvPr>
+        </p:nvSpPr>
+        <p:spPr>
+          <a:xfrm>
+            <a:off x="7410173" y="3834606"/>
+            <a:ext cx="3943627" cy="1997867"/>
+          </a:xfrm>
+        </p:spPr>
+        <p:txBody>
+          <a:bodyPr/>
+          <a:lstStyle/>
+          <a:p>
+            <a:r>
+              <a:rPr lang="en-ZA" noProof="1"/>
+              <a:t>Company A</a:t>
+            </a:r>
+            <a:br>
+              <a:rPr lang="en-ZA" noProof="1"/>
+            </a:br>
+            <a:r>
+              <a:rPr lang="en-ZA" noProof="1"/>
+              <a:t>Product is more expensive</a:t>
+            </a:r>
+          </a:p>
+          <a:p>
+            <a:r>
+              <a:rPr lang="en-ZA" noProof="1"/>
+              <a:t>Companies B &amp; C </a:t>
+            </a:r>
+            <a:br>
+              <a:rPr lang="en-ZA" noProof="1"/>
+            </a:br>
+            <a:r>
+              <a:rPr lang="en-ZA" noProof="1"/>
+              <a:t>Product is expensive and inconvenient to use</a:t>
+            </a:r>
+          </a:p>
+          <a:p>
+            <a:r>
+              <a:rPr lang="en-ZA" noProof="1"/>
+              <a:t>Companies D &amp; E</a:t>
+            </a:r>
+            <a:br>
+              <a:rPr lang="en-ZA" noProof="1"/>
+            </a:br>
+            <a:r>
+              <a:rPr lang="en-ZA" noProof="1"/>
+              <a:t>Product is affordable, but inconvenient to use</a:t>
+            </a:r>
+          </a:p>
+        </p:txBody>
+      </p:sp>
+      <p:sp>
+        <p:nvSpPr>
+          <p:cNvPr id="12" name="Date Placeholder 11">
+            <a:extLst>
+              <a:ext uri="{FF2B5EF4-FFF2-40B4-BE49-F238E27FC236}">
+                <a16:creationId xmlns:a16="http://schemas.microsoft.com/office/drawing/2014/main" id="{5909F2DC-F097-42AB-88E7-0CA09BD5E2C2}"/>
+              </a:ext>
+            </a:extLst>
+          </p:cNvPr>
+          <p:cNvSpPr>
+            <a:spLocks noGrp="1"/>
+          </p:cNvSpPr>
+          <p:nvPr>
+            <p:ph type="dt" sz="half" idx="10"/>
+          </p:nvPr>
+        </p:nvSpPr>
+        <p:spPr>
+          <a:xfrm>
+            <a:off x="838200" y="6356350"/>
+            <a:ext cx="2743200" cy="365125"/>
+          </a:xfrm>
+        </p:spPr>
+        <p:txBody>
+          <a:bodyPr/>
+          <a:lstStyle/>
+          <a:p>
+            <a:r>
+              <a:rPr lang="en-US"/>
+              <a:t>20XX</a:t>
+            </a:r>
+          </a:p>
+        </p:txBody>
+      </p:sp>
+      <p:sp>
+        <p:nvSpPr>
+          <p:cNvPr id="13" name="Footer Placeholder 12">
+            <a:extLst>
+              <a:ext uri="{FF2B5EF4-FFF2-40B4-BE49-F238E27FC236}">
+                <a16:creationId xmlns:a16="http://schemas.microsoft.com/office/drawing/2014/main" id="{F4A37AA9-0BEE-42AC-8CC0-AE5B8663553A}"/>
+              </a:ext>
+            </a:extLst>
+          </p:cNvPr>
+          <p:cNvSpPr>
+            <a:spLocks noGrp="1"/>
+          </p:cNvSpPr>
+          <p:nvPr>
+            <p:ph type="ftr" sz="quarter" idx="11"/>
+          </p:nvPr>
+        </p:nvSpPr>
+        <p:spPr>
+          <a:xfrm>
+            <a:off x="4038600" y="6356350"/>
+            <a:ext cx="4114800" cy="365125"/>
+          </a:xfrm>
+        </p:spPr>
+        <p:txBody>
+          <a:bodyPr/>
+          <a:lstStyle/>
+          <a:p>
+            <a:r>
+              <a:rPr lang="en-US"/>
+              <a:t>Pitch Deck</a:t>
+            </a:r>
+          </a:p>
+        </p:txBody>
+      </p:sp>
+      <p:sp>
+        <p:nvSpPr>
+          <p:cNvPr id="14" name="Slide Number Placeholder 13">
+            <a:extLst>
+              <a:ext uri="{FF2B5EF4-FFF2-40B4-BE49-F238E27FC236}">
+                <a16:creationId xmlns:a16="http://schemas.microsoft.com/office/drawing/2014/main" id="{42152A75-1CD2-44EC-9374-C83D4604A5DD}"/>
+              </a:ext>
+            </a:extLst>
+          </p:cNvPr>
+          <p:cNvSpPr>
+            <a:spLocks noGrp="1"/>
+          </p:cNvSpPr>
+          <p:nvPr>
+            <p:ph type="sldNum" sz="quarter" idx="12"/>
+          </p:nvPr>
+        </p:nvSpPr>
+        <p:spPr>
+          <a:xfrm>
+            <a:off x="8610600" y="6356350"/>
+            <a:ext cx="2743200" cy="365125"/>
+          </a:xfrm>
+        </p:spPr>
+        <p:txBody>
+          <a:bodyPr/>
+          <a:lstStyle/>
+          <a:p>
+            <a:fld id="{B5CEABB6-07DC-46E8-9B57-56EC44A396E5}" type="slidenum">
+              <a:rPr lang="en-US" smtClean="0"/>
+              <a:pPr/>
+              <a:t>19</a:t>
+            </a:fld>
+            <a:endParaRPr lang="en-US"/>
+          </a:p>
+        </p:txBody>
+      </p:sp>
+    </p:spTree>
+    <p:extLst>
+      <p:ext uri="{BB962C8B-B14F-4D97-AF65-F5344CB8AC3E}">
+        <p14:creationId xmlns:p14="http://schemas.microsoft.com/office/powerpoint/2010/main" val="4151694508"/>
+      </p:ext>
+    </p:extLst>
+  </p:cSld>
+  <p:clrMapOvr>
+    <a:masterClrMapping/>
+  </p:clrMapOvr>
+</p:sld>
+</file>
+
+<file path=ppt/slides/slide2.xml><?xml version="1.0" encoding="utf-8"?>
+<p:sld xmlns:a="http://schemas.openxmlformats.org/drawingml/2006/main" xmlns:r="http://schemas.openxmlformats.org/officeDocument/2006/relationships" xmlns:p="http://schemas.openxmlformats.org/presentationml/2006/main">
+  <p:cSld>
+    <p:spTree>
+      <p:nvGrpSpPr>
+        <p:cNvPr id="1" name=""/>
+        <p:cNvGrpSpPr/>
+        <p:nvPr/>
+      </p:nvGrpSpPr>
+      <p:grpSpPr>
+        <a:xfrm>
+          <a:off x="0" y="0"/>
+          <a:ext cx="0" cy="0"/>
+          <a:chOff x="0" y="0"/>
+          <a:chExt cx="0" cy="0"/>
+        </a:xfrm>
+      </p:grpSpPr>
+      <p:sp>
+        <p:nvSpPr>
+          <p:cNvPr id="2" name="Title 1">
+            <a:extLst>
+              <a:ext uri="{FF2B5EF4-FFF2-40B4-BE49-F238E27FC236}">
+                <a16:creationId xmlns:a16="http://schemas.microsoft.com/office/drawing/2014/main" id="{6719F29B-F233-48AF-8261-F33A4E079E3E}"/>
+              </a:ext>
+              <a:ext uri="{C183D7F6-B498-43B3-948B-1728B52AA6E4}">
+                <adec:decorative xmlns:adec="http://schemas.microsoft.com/office/drawing/2017/decorative" val="0"/>
+              </a:ext>
+            </a:extLst>
+          </p:cNvPr>
+          <p:cNvSpPr>
+            <a:spLocks noGrp="1"/>
+          </p:cNvSpPr>
+          <p:nvPr>
+            <p:ph type="title"/>
+          </p:nvPr>
+        </p:nvSpPr>
+        <p:spPr>
+          <a:xfrm>
+            <a:off x="1333499" y="804517"/>
+            <a:ext cx="3171825" cy="674192"/>
+          </a:xfrm>
+        </p:spPr>
+        <p:txBody>
+          <a:bodyPr/>
+          <a:lstStyle/>
+          <a:p>
+            <a:r>
+              <a:rPr lang="en-ZA" dirty="0" err="1"/>
+              <a:t>Objetivos</a:t>
+            </a:r>
+            <a:endParaRPr lang="en-ZA" dirty="0"/>
+          </a:p>
+        </p:txBody>
+      </p:sp>
+      <p:sp>
+        <p:nvSpPr>
+          <p:cNvPr id="3" name="Subtitle 2">
+            <a:extLst>
+              <a:ext uri="{FF2B5EF4-FFF2-40B4-BE49-F238E27FC236}">
+                <a16:creationId xmlns:a16="http://schemas.microsoft.com/office/drawing/2014/main" id="{35E3EA69-4E0E-41BD-8095-A124225A2647}"/>
+              </a:ext>
+              <a:ext uri="{C183D7F6-B498-43B3-948B-1728B52AA6E4}">
+                <adec:decorative xmlns:adec="http://schemas.microsoft.com/office/drawing/2017/decorative" val="0"/>
+              </a:ext>
+            </a:extLst>
+          </p:cNvPr>
+          <p:cNvSpPr>
+            <a:spLocks noGrp="1"/>
+          </p:cNvSpPr>
+          <p:nvPr>
+            <p:ph idx="1"/>
+          </p:nvPr>
+        </p:nvSpPr>
+        <p:spPr>
+          <a:xfrm>
+            <a:off x="1333499" y="1860207"/>
+            <a:ext cx="3352310" cy="3218060"/>
+          </a:xfrm>
+        </p:spPr>
+        <p:txBody>
+          <a:bodyPr>
+            <a:noAutofit/>
+          </a:bodyPr>
+          <a:lstStyle/>
+          <a:p>
+            <a:r>
+              <a:rPr lang="pt-BR" dirty="0"/>
+              <a:t>O objetivo deste trabalho e realizar uma análise descritiva dos fatores socioeconômicos dos alunos de ensino superior nos diversos grupos de enquadramento de cursos a partir dos dados de provas e questionários do ENADE de 2019.</a:t>
+            </a:r>
+          </a:p>
+          <a:p>
+            <a:r>
+              <a:rPr lang="pt-BR" dirty="0"/>
+              <a:t>A partir destes dados, descreveremos e ilustraremos a raça, gênero, renda familiar e pessoa dentre outros aspectos da vida do estudante universitário.</a:t>
+            </a:r>
+          </a:p>
+          <a:p>
+            <a:r>
+              <a:rPr lang="pt-BR" dirty="0"/>
+              <a:t>É feita também uma análise da percepção da qualidade dos cursos pelos estudantes.</a:t>
+            </a:r>
+            <a:endParaRPr lang="en-US" dirty="0"/>
+          </a:p>
+        </p:txBody>
+      </p:sp>
+    </p:spTree>
+    <p:extLst>
+      <p:ext uri="{BB962C8B-B14F-4D97-AF65-F5344CB8AC3E}">
+        <p14:creationId xmlns:p14="http://schemas.microsoft.com/office/powerpoint/2010/main" val="2243494996"/>
+      </p:ext>
+    </p:extLst>
+  </p:cSld>
+  <p:clrMapOvr>
+    <a:masterClrMapping/>
+  </p:clrMapOvr>
+</p:sld>
+</file>
+
+<file path=ppt/slides/slide20.xml><?xml version="1.0" encoding="utf-8"?>
+<p:sld xmlns:a="http://schemas.openxmlformats.org/drawingml/2006/main" xmlns:r="http://schemas.openxmlformats.org/officeDocument/2006/relationships" xmlns:p="http://schemas.openxmlformats.org/presentationml/2006/main">
+  <p:cSld>
+    <p:spTree>
+      <p:nvGrpSpPr>
+        <p:cNvPr id="1" name=""/>
+        <p:cNvGrpSpPr/>
+        <p:nvPr/>
+      </p:nvGrpSpPr>
+      <p:grpSpPr>
+        <a:xfrm>
+          <a:off x="0" y="0"/>
+          <a:ext cx="0" cy="0"/>
+          <a:chOff x="0" y="0"/>
+          <a:chExt cx="0" cy="0"/>
+        </a:xfrm>
+      </p:grpSpPr>
+      <p:sp>
+        <p:nvSpPr>
+          <p:cNvPr id="2" name="Title 1">
+            <a:extLst>
+              <a:ext uri="{FF2B5EF4-FFF2-40B4-BE49-F238E27FC236}">
+                <a16:creationId xmlns:a16="http://schemas.microsoft.com/office/drawing/2014/main" id="{935C0770-A36E-4500-AA2E-F3DE8416AD1E}"/>
+              </a:ext>
+            </a:extLst>
+          </p:cNvPr>
+          <p:cNvSpPr>
+            <a:spLocks noGrp="1"/>
+          </p:cNvSpPr>
+          <p:nvPr>
+            <p:ph type="title"/>
+          </p:nvPr>
+        </p:nvSpPr>
+        <p:spPr>
+          <a:xfrm>
+            <a:off x="838200" y="365125"/>
+            <a:ext cx="10515600" cy="1325563"/>
+          </a:xfrm>
+        </p:spPr>
+        <p:txBody>
+          <a:bodyPr/>
+          <a:lstStyle/>
+          <a:p>
+            <a:r>
+              <a:rPr lang="en-ZA"/>
+              <a:t>Our competition  </a:t>
+            </a:r>
+          </a:p>
+        </p:txBody>
+      </p:sp>
+      <p:sp>
+        <p:nvSpPr>
+          <p:cNvPr id="5" name="Text Placeholder 4">
+            <a:extLst>
+              <a:ext uri="{FF2B5EF4-FFF2-40B4-BE49-F238E27FC236}">
+                <a16:creationId xmlns:a16="http://schemas.microsoft.com/office/drawing/2014/main" id="{AB97FAAF-FD5C-4EDE-A2D8-148266453488}"/>
+              </a:ext>
+            </a:extLst>
+          </p:cNvPr>
+          <p:cNvSpPr>
+            <a:spLocks noGrp="1"/>
+          </p:cNvSpPr>
+          <p:nvPr>
+            <p:ph type="body" sz="quarter" idx="15"/>
+          </p:nvPr>
+        </p:nvSpPr>
+        <p:spPr>
+          <a:xfrm>
+            <a:off x="5242517" y="1599947"/>
             <a:ext cx="1706965" cy="492025"/>
           </a:xfrm>
         </p:spPr>
@@ -21848,6 +22002,276 @@
           <a:p>
             <a:r>
               <a:rPr lang="en-ZA"/>
+              <a:t>Convenient</a:t>
+            </a:r>
+          </a:p>
+        </p:txBody>
+      </p:sp>
+      <p:sp>
+        <p:nvSpPr>
+          <p:cNvPr id="8" name="Text Placeholder 7">
+            <a:extLst>
+              <a:ext uri="{FF2B5EF4-FFF2-40B4-BE49-F238E27FC236}">
+                <a16:creationId xmlns:a16="http://schemas.microsoft.com/office/drawing/2014/main" id="{B2F06784-6A30-4941-B70A-A58B611950D4}"/>
+              </a:ext>
+            </a:extLst>
+          </p:cNvPr>
+          <p:cNvSpPr>
+            <a:spLocks noGrp="1"/>
+          </p:cNvSpPr>
+          <p:nvPr>
+            <p:ph type="body" sz="quarter" idx="20"/>
+          </p:nvPr>
+        </p:nvSpPr>
+        <p:spPr>
+          <a:xfrm>
+            <a:off x="3738732" y="2378452"/>
+            <a:ext cx="1183179" cy="492025"/>
+          </a:xfrm>
+        </p:spPr>
+        <p:txBody>
+          <a:bodyPr>
+            <a:normAutofit/>
+          </a:bodyPr>
+          <a:lstStyle/>
+          <a:p>
+            <a:r>
+              <a:rPr lang="en-ZA"/>
+              <a:t>Competitor A</a:t>
+            </a:r>
+          </a:p>
+        </p:txBody>
+      </p:sp>
+      <p:sp>
+        <p:nvSpPr>
+          <p:cNvPr id="29" name="Text Placeholder 28">
+            <a:extLst>
+              <a:ext uri="{FF2B5EF4-FFF2-40B4-BE49-F238E27FC236}">
+                <a16:creationId xmlns:a16="http://schemas.microsoft.com/office/drawing/2014/main" id="{BF7EE2E1-DA9E-4645-BC0D-305C1F12118B}"/>
+              </a:ext>
+            </a:extLst>
+          </p:cNvPr>
+          <p:cNvSpPr>
+            <a:spLocks noGrp="1"/>
+          </p:cNvSpPr>
+          <p:nvPr>
+            <p:ph type="body" sz="quarter" idx="26"/>
+          </p:nvPr>
+        </p:nvSpPr>
+        <p:spPr>
+          <a:xfrm>
+            <a:off x="7522269" y="2169263"/>
+            <a:ext cx="1706965" cy="1048575"/>
+          </a:xfrm>
+        </p:spPr>
+        <p:txBody>
+          <a:bodyPr/>
+          <a:lstStyle/>
+          <a:p>
+            <a:r>
+              <a:rPr lang="en-US"/>
+              <a:t>Contoso</a:t>
+            </a:r>
+          </a:p>
+        </p:txBody>
+      </p:sp>
+      <p:sp>
+        <p:nvSpPr>
+          <p:cNvPr id="28" name="Text Placeholder 27">
+            <a:extLst>
+              <a:ext uri="{FF2B5EF4-FFF2-40B4-BE49-F238E27FC236}">
+                <a16:creationId xmlns:a16="http://schemas.microsoft.com/office/drawing/2014/main" id="{E8BD1918-91E9-45FF-B758-93DAFA9EAFE9}"/>
+              </a:ext>
+            </a:extLst>
+          </p:cNvPr>
+          <p:cNvSpPr>
+            <a:spLocks noGrp="1"/>
+          </p:cNvSpPr>
+          <p:nvPr>
+            <p:ph type="body" sz="quarter" idx="25"/>
+          </p:nvPr>
+        </p:nvSpPr>
+        <p:spPr>
+          <a:xfrm>
+            <a:off x="921894" y="3528829"/>
+            <a:ext cx="1393863" cy="492025"/>
+          </a:xfrm>
+        </p:spPr>
+        <p:txBody>
+          <a:bodyPr/>
+          <a:lstStyle/>
+          <a:p>
+            <a:r>
+              <a:rPr lang="en-US"/>
+              <a:t>Affordable</a:t>
+            </a:r>
+          </a:p>
+        </p:txBody>
+      </p:sp>
+      <p:sp>
+        <p:nvSpPr>
+          <p:cNvPr id="7" name="Text Placeholder 6">
+            <a:extLst>
+              <a:ext uri="{FF2B5EF4-FFF2-40B4-BE49-F238E27FC236}">
+                <a16:creationId xmlns:a16="http://schemas.microsoft.com/office/drawing/2014/main" id="{E9C0C8B1-2DBC-40B1-BBA7-7B3D396478A1}"/>
+              </a:ext>
+            </a:extLst>
+          </p:cNvPr>
+          <p:cNvSpPr>
+            <a:spLocks noGrp="1"/>
+          </p:cNvSpPr>
+          <p:nvPr>
+            <p:ph type="body" sz="quarter" idx="19"/>
+          </p:nvPr>
+        </p:nvSpPr>
+        <p:spPr>
+          <a:xfrm>
+            <a:off x="9940449" y="3528829"/>
+            <a:ext cx="1380681" cy="492025"/>
+          </a:xfrm>
+        </p:spPr>
+        <p:txBody>
+          <a:bodyPr>
+            <a:normAutofit/>
+          </a:bodyPr>
+          <a:lstStyle/>
+          <a:p>
+            <a:r>
+              <a:rPr lang="en-ZA"/>
+              <a:t>Expensive</a:t>
+            </a:r>
+          </a:p>
+        </p:txBody>
+      </p:sp>
+      <p:sp>
+        <p:nvSpPr>
+          <p:cNvPr id="25" name="Text Placeholder 24">
+            <a:extLst>
+              <a:ext uri="{FF2B5EF4-FFF2-40B4-BE49-F238E27FC236}">
+                <a16:creationId xmlns:a16="http://schemas.microsoft.com/office/drawing/2014/main" id="{225FED20-8F0E-4B86-88AD-F902806B2CA0}"/>
+              </a:ext>
+            </a:extLst>
+          </p:cNvPr>
+          <p:cNvSpPr>
+            <a:spLocks noGrp="1"/>
+          </p:cNvSpPr>
+          <p:nvPr>
+            <p:ph type="body" sz="quarter" idx="22"/>
+          </p:nvPr>
+        </p:nvSpPr>
+        <p:spPr>
+          <a:xfrm>
+            <a:off x="2637747" y="4634331"/>
+            <a:ext cx="1183179" cy="492025"/>
+          </a:xfrm>
+        </p:spPr>
+        <p:txBody>
+          <a:bodyPr/>
+          <a:lstStyle/>
+          <a:p>
+            <a:r>
+              <a:rPr lang="en-US"/>
+              <a:t>Competitor B</a:t>
+            </a:r>
+          </a:p>
+        </p:txBody>
+      </p:sp>
+      <p:sp>
+        <p:nvSpPr>
+          <p:cNvPr id="24" name="Text Placeholder 23">
+            <a:extLst>
+              <a:ext uri="{FF2B5EF4-FFF2-40B4-BE49-F238E27FC236}">
+                <a16:creationId xmlns:a16="http://schemas.microsoft.com/office/drawing/2014/main" id="{568D7422-F48C-4829-8937-7DA701F3303B}"/>
+              </a:ext>
+            </a:extLst>
+          </p:cNvPr>
+          <p:cNvSpPr>
+            <a:spLocks noGrp="1"/>
+          </p:cNvSpPr>
+          <p:nvPr>
+            <p:ph type="body" sz="quarter" idx="21"/>
+          </p:nvPr>
+        </p:nvSpPr>
+        <p:spPr>
+          <a:xfrm>
+            <a:off x="4175224" y="4459860"/>
+            <a:ext cx="1183179" cy="492025"/>
+          </a:xfrm>
+        </p:spPr>
+        <p:txBody>
+          <a:bodyPr/>
+          <a:lstStyle/>
+          <a:p>
+            <a:r>
+              <a:rPr lang="en-US"/>
+              <a:t>Competitor C</a:t>
+            </a:r>
+          </a:p>
+        </p:txBody>
+      </p:sp>
+      <p:sp>
+        <p:nvSpPr>
+          <p:cNvPr id="26" name="Text Placeholder 25">
+            <a:extLst>
+              <a:ext uri="{FF2B5EF4-FFF2-40B4-BE49-F238E27FC236}">
+                <a16:creationId xmlns:a16="http://schemas.microsoft.com/office/drawing/2014/main" id="{2329531A-E68A-4913-9B66-062FBAC6D24D}"/>
+              </a:ext>
+            </a:extLst>
+          </p:cNvPr>
+          <p:cNvSpPr>
+            <a:spLocks noGrp="1"/>
+          </p:cNvSpPr>
+          <p:nvPr>
+            <p:ph type="body" sz="quarter" idx="23"/>
+          </p:nvPr>
+        </p:nvSpPr>
+        <p:spPr>
+          <a:xfrm>
+            <a:off x="6552714" y="4321788"/>
+            <a:ext cx="1183179" cy="492025"/>
+          </a:xfrm>
+        </p:spPr>
+        <p:txBody>
+          <a:bodyPr/>
+          <a:lstStyle/>
+          <a:p>
+            <a:r>
+              <a:rPr lang="en-US"/>
+              <a:t>Competitor D</a:t>
+            </a:r>
+          </a:p>
+        </p:txBody>
+      </p:sp>
+      <p:sp>
+        <p:nvSpPr>
+          <p:cNvPr id="6" name="Text Placeholder 5">
+            <a:extLst>
+              <a:ext uri="{FF2B5EF4-FFF2-40B4-BE49-F238E27FC236}">
+                <a16:creationId xmlns:a16="http://schemas.microsoft.com/office/drawing/2014/main" id="{7F0BD43D-EBFD-48E7-A1D3-EB9228D4C58B}"/>
+              </a:ext>
+            </a:extLst>
+          </p:cNvPr>
+          <p:cNvSpPr>
+            <a:spLocks noGrp="1"/>
+          </p:cNvSpPr>
+          <p:nvPr>
+            <p:ph type="body" sz="quarter" idx="17"/>
+          </p:nvPr>
+        </p:nvSpPr>
+        <p:spPr>
+          <a:xfrm>
+            <a:off x="5242517" y="5468790"/>
+            <a:ext cx="1706965" cy="492025"/>
+          </a:xfrm>
+        </p:spPr>
+        <p:txBody>
+          <a:bodyPr>
+            <a:normAutofit/>
+          </a:bodyPr>
+          <a:lstStyle/>
+          <a:p>
+            <a:r>
+              <a:rPr lang="en-ZA"/>
               <a:t>Inconvenient</a:t>
             </a:r>
           </a:p>
@@ -21981,7 +22405,7 @@
             <a:fld id="{19B51A1E-902D-48AF-9020-955120F399B6}" type="slidenum">
               <a:rPr lang="en-ZA" smtClean="0"/>
               <a:pPr/>
-              <a:t>16</a:t>
+              <a:t>20</a:t>
             </a:fld>
             <a:endParaRPr lang="en-ZA"/>
           </a:p>
@@ -23050,7 +23474,7 @@
 </p:sld>
 </file>
 
-<file path=ppt/slides/slide17.xml><?xml version="1.0" encoding="utf-8"?>
+<file path=ppt/slides/slide21.xml><?xml version="1.0" encoding="utf-8"?>
 <p:sld xmlns:a="http://schemas.openxmlformats.org/drawingml/2006/main" xmlns:r="http://schemas.openxmlformats.org/officeDocument/2006/relationships" xmlns:p="http://schemas.openxmlformats.org/presentationml/2006/main">
   <p:cSld>
     <p:spTree>
@@ -23406,7 +23830,7 @@
             <a:fld id="{B5CEABB6-07DC-46E8-9B57-56EC44A396E5}" type="slidenum">
               <a:rPr lang="en-US" smtClean="0"/>
               <a:pPr/>
-              <a:t>17</a:t>
+              <a:t>21</a:t>
             </a:fld>
             <a:endParaRPr lang="en-US"/>
           </a:p>
@@ -23425,7 +23849,7 @@
 </p:sld>
 </file>
 
-<file path=ppt/slides/slide18.xml><?xml version="1.0" encoding="utf-8"?>
+<file path=ppt/slides/slide22.xml><?xml version="1.0" encoding="utf-8"?>
 <p:sld xmlns:a="http://schemas.openxmlformats.org/drawingml/2006/main" xmlns:r="http://schemas.openxmlformats.org/officeDocument/2006/relationships" xmlns:p="http://schemas.openxmlformats.org/presentationml/2006/main">
   <p:cSld>
     <p:spTree>
@@ -25711,7 +26135,7 @@
             <a:fld id="{B5CEABB6-07DC-46E8-9B57-56EC44A396E5}" type="slidenum">
               <a:rPr lang="en-US" smtClean="0"/>
               <a:pPr/>
-              <a:t>18</a:t>
+              <a:t>22</a:t>
             </a:fld>
             <a:endParaRPr lang="en-US"/>
           </a:p>
@@ -25822,7 +26246,7 @@
 </p:sld>
 </file>
 
-<file path=ppt/slides/slide19.xml><?xml version="1.0" encoding="utf-8"?>
+<file path=ppt/slides/slide23.xml><?xml version="1.0" encoding="utf-8"?>
 <p:sld xmlns:a="http://schemas.openxmlformats.org/drawingml/2006/main" xmlns:r="http://schemas.openxmlformats.org/officeDocument/2006/relationships" xmlns:p="http://schemas.openxmlformats.org/presentationml/2006/main">
   <p:cSld>
     <p:spTree>
@@ -28768,7 +29192,7 @@
             <a:fld id="{19B51A1E-902D-48AF-9020-955120F399B6}" type="slidenum">
               <a:rPr lang="en-ZA" smtClean="0"/>
               <a:pPr/>
-              <a:t>19</a:t>
+              <a:t>23</a:t>
             </a:fld>
             <a:endParaRPr lang="en-ZA"/>
           </a:p>
@@ -28787,7 +29211,7 @@
 </p:sld>
 </file>
 
-<file path=ppt/slides/slide2.xml><?xml version="1.0" encoding="utf-8"?>
+<file path=ppt/slides/slide24.xml><?xml version="1.0" encoding="utf-8"?>
 <p:sld xmlns:a="http://schemas.openxmlformats.org/drawingml/2006/main" xmlns:r="http://schemas.openxmlformats.org/officeDocument/2006/relationships" xmlns:p="http://schemas.openxmlformats.org/presentationml/2006/main">
   <p:cSld>
     <p:spTree>
@@ -28806,124 +29230,6 @@
       </p:grpSpPr>
       <p:sp>
         <p:nvSpPr>
-          <p:cNvPr id="2" name="Title 1">
-            <a:extLst>
-              <a:ext uri="{FF2B5EF4-FFF2-40B4-BE49-F238E27FC236}">
-                <a16:creationId xmlns:a16="http://schemas.microsoft.com/office/drawing/2014/main" id="{6719F29B-F233-48AF-8261-F33A4E079E3E}"/>
-              </a:ext>
-              <a:ext uri="{C183D7F6-B498-43B3-948B-1728B52AA6E4}">
-                <adec:decorative xmlns:adec="http://schemas.microsoft.com/office/drawing/2017/decorative" val="0"/>
-              </a:ext>
-            </a:extLst>
-          </p:cNvPr>
-          <p:cNvSpPr>
-            <a:spLocks noGrp="1"/>
-          </p:cNvSpPr>
-          <p:nvPr>
-            <p:ph type="title"/>
-          </p:nvPr>
-        </p:nvSpPr>
-        <p:spPr>
-          <a:xfrm>
-            <a:off x="1333499" y="804517"/>
-            <a:ext cx="3171825" cy="674192"/>
-          </a:xfrm>
-        </p:spPr>
-        <p:txBody>
-          <a:bodyPr/>
-          <a:lstStyle/>
-          <a:p>
-            <a:r>
-              <a:rPr lang="en-ZA" dirty="0" err="1"/>
-              <a:t>Objetivos</a:t>
-            </a:r>
-            <a:endParaRPr lang="en-ZA" dirty="0"/>
-          </a:p>
-        </p:txBody>
-      </p:sp>
-      <p:sp>
-        <p:nvSpPr>
-          <p:cNvPr id="3" name="Subtitle 2">
-            <a:extLst>
-              <a:ext uri="{FF2B5EF4-FFF2-40B4-BE49-F238E27FC236}">
-                <a16:creationId xmlns:a16="http://schemas.microsoft.com/office/drawing/2014/main" id="{35E3EA69-4E0E-41BD-8095-A124225A2647}"/>
-              </a:ext>
-              <a:ext uri="{C183D7F6-B498-43B3-948B-1728B52AA6E4}">
-                <adec:decorative xmlns:adec="http://schemas.microsoft.com/office/drawing/2017/decorative" val="0"/>
-              </a:ext>
-            </a:extLst>
-          </p:cNvPr>
-          <p:cNvSpPr>
-            <a:spLocks noGrp="1"/>
-          </p:cNvSpPr>
-          <p:nvPr>
-            <p:ph idx="1"/>
-          </p:nvPr>
-        </p:nvSpPr>
-        <p:spPr>
-          <a:xfrm>
-            <a:off x="1333499" y="1860207"/>
-            <a:ext cx="3352310" cy="3218060"/>
-          </a:xfrm>
-        </p:spPr>
-        <p:txBody>
-          <a:bodyPr>
-            <a:noAutofit/>
-          </a:bodyPr>
-          <a:lstStyle/>
-          <a:p>
-            <a:r>
-              <a:rPr lang="pt-BR" dirty="0"/>
-              <a:t>O objetivo deste trabalho e realizar uma análise descritiva dos fatores socioeconômicos dos alunos de ensino superior nos diversos grupos de enquadramento de cursos a partir dos dados de provas e questionários do ENADE de 2019.</a:t>
-            </a:r>
-          </a:p>
-          <a:p>
-            <a:r>
-              <a:rPr lang="pt-BR" dirty="0"/>
-              <a:t>A partir destes dados, descreveremos e ilustraremos a raça, gênero, renda familiar e pessoa dentre outros aspectos da vida do estudante universitário.</a:t>
-            </a:r>
-          </a:p>
-          <a:p>
-            <a:r>
-              <a:rPr lang="pt-BR" dirty="0"/>
-              <a:t>É feita também uma análise da percepção da qualidade dos cursos pelos estudantes.</a:t>
-            </a:r>
-            <a:endParaRPr lang="en-US" dirty="0"/>
-          </a:p>
-        </p:txBody>
-      </p:sp>
-    </p:spTree>
-    <p:extLst>
-      <p:ext uri="{BB962C8B-B14F-4D97-AF65-F5344CB8AC3E}">
-        <p14:creationId xmlns:p14="http://schemas.microsoft.com/office/powerpoint/2010/main" val="2243494996"/>
-      </p:ext>
-    </p:extLst>
-  </p:cSld>
-  <p:clrMapOvr>
-    <a:masterClrMapping/>
-  </p:clrMapOvr>
-</p:sld>
-</file>
-
-<file path=ppt/slides/slide20.xml><?xml version="1.0" encoding="utf-8"?>
-<p:sld xmlns:a="http://schemas.openxmlformats.org/drawingml/2006/main" xmlns:r="http://schemas.openxmlformats.org/officeDocument/2006/relationships" xmlns:p="http://schemas.openxmlformats.org/presentationml/2006/main">
-  <p:cSld>
-    <p:spTree>
-      <p:nvGrpSpPr>
-        <p:cNvPr id="1" name=""/>
-        <p:cNvGrpSpPr/>
-        <p:nvPr/>
-      </p:nvGrpSpPr>
-      <p:grpSpPr>
-        <a:xfrm>
-          <a:off x="0" y="0"/>
-          <a:ext cx="0" cy="0"/>
-          <a:chOff x="0" y="0"/>
-          <a:chExt cx="0" cy="0"/>
-        </a:xfrm>
-      </p:grpSpPr>
-      <p:sp>
-        <p:nvSpPr>
           <p:cNvPr id="11" name="Title 10">
             <a:extLst>
               <a:ext uri="{FF2B5EF4-FFF2-40B4-BE49-F238E27FC236}">
@@ -29052,7 +29358,7 @@
             <a:fld id="{B5CEABB6-07DC-46E8-9B57-56EC44A396E5}" type="slidenum">
               <a:rPr lang="en-US" smtClean="0"/>
               <a:pPr/>
-              <a:t>20</a:t>
+              <a:t>24</a:t>
             </a:fld>
             <a:endParaRPr lang="en-US"/>
           </a:p>
@@ -32277,7 +32583,7 @@
 </p:sld>
 </file>
 
-<file path=ppt/slides/slide21.xml><?xml version="1.0" encoding="utf-8"?>
+<file path=ppt/slides/slide25.xml><?xml version="1.0" encoding="utf-8"?>
 <p:sld xmlns:a="http://schemas.openxmlformats.org/drawingml/2006/main" xmlns:r="http://schemas.openxmlformats.org/officeDocument/2006/relationships" xmlns:p="http://schemas.openxmlformats.org/presentationml/2006/main">
   <p:cSld>
     <p:spTree>
@@ -32828,7 +33134,7 @@
             <a:fld id="{B5CEABB6-07DC-46E8-9B57-56EC44A396E5}" type="slidenum">
               <a:rPr lang="en-US" smtClean="0"/>
               <a:pPr/>
-              <a:t>21</a:t>
+              <a:t>25</a:t>
             </a:fld>
             <a:endParaRPr lang="en-US"/>
           </a:p>
@@ -32847,7 +33153,7 @@
 </p:sld>
 </file>
 
-<file path=ppt/slides/slide22.xml><?xml version="1.0" encoding="utf-8"?>
+<file path=ppt/slides/slide26.xml><?xml version="1.0" encoding="utf-8"?>
 <p:sld xmlns:a="http://schemas.openxmlformats.org/drawingml/2006/main" xmlns:r="http://schemas.openxmlformats.org/officeDocument/2006/relationships" xmlns:p="http://schemas.openxmlformats.org/presentationml/2006/main">
   <p:cSld>
     <p:spTree>
@@ -33804,7 +34110,7 @@
             <a:fld id="{B5CEABB6-07DC-46E8-9B57-56EC44A396E5}" type="slidenum">
               <a:rPr lang="en-US" smtClean="0"/>
               <a:pPr/>
-              <a:t>22</a:t>
+              <a:t>26</a:t>
             </a:fld>
             <a:endParaRPr lang="en-US"/>
           </a:p>
@@ -33823,7 +34129,7 @@
 </p:sld>
 </file>
 
-<file path=ppt/slides/slide23.xml><?xml version="1.0" encoding="utf-8"?>
+<file path=ppt/slides/slide27.xml><?xml version="1.0" encoding="utf-8"?>
 <p:sld xmlns:a="http://schemas.openxmlformats.org/drawingml/2006/main" xmlns:r="http://schemas.openxmlformats.org/officeDocument/2006/relationships" xmlns:p="http://schemas.openxmlformats.org/presentationml/2006/main">
   <p:cSld>
     <p:spTree>
@@ -34494,7 +34800,7 @@
             <a:fld id="{B5CEABB6-07DC-46E8-9B57-56EC44A396E5}" type="slidenum">
               <a:rPr lang="en-US" smtClean="0"/>
               <a:pPr/>
-              <a:t>23</a:t>
+              <a:t>27</a:t>
             </a:fld>
             <a:endParaRPr lang="en-US"/>
           </a:p>
@@ -34513,7 +34819,7 @@
 </p:sld>
 </file>
 
-<file path=ppt/slides/slide24.xml><?xml version="1.0" encoding="utf-8"?>
+<file path=ppt/slides/slide28.xml><?xml version="1.0" encoding="utf-8"?>
 <p:sld xmlns:a="http://schemas.openxmlformats.org/drawingml/2006/main" xmlns:r="http://schemas.openxmlformats.org/officeDocument/2006/relationships" xmlns:p="http://schemas.openxmlformats.org/presentationml/2006/main">
   <p:cSld>
     <p:spTree>
@@ -34693,7 +34999,7 @@
             <a:fld id="{B5CEABB6-07DC-46E8-9B57-56EC44A396E5}" type="slidenum">
               <a:rPr lang="en-US" smtClean="0"/>
               <a:pPr/>
-              <a:t>24</a:t>
+              <a:t>28</a:t>
             </a:fld>
             <a:endParaRPr lang="en-US"/>
           </a:p>
@@ -35273,7 +35579,7 @@
         </p:nvSpPr>
         <p:spPr>
           <a:xfrm>
-            <a:off x="743486" y="4421593"/>
+            <a:off x="743486" y="4519694"/>
             <a:ext cx="3139440" cy="1325563"/>
           </a:xfrm>
         </p:spPr>
@@ -35310,7 +35616,7 @@
         </p:nvSpPr>
         <p:spPr>
           <a:xfrm>
-            <a:off x="5922254" y="1038545"/>
+            <a:off x="5922254" y="650481"/>
             <a:ext cx="5433204" cy="365125"/>
           </a:xfrm>
         </p:spPr>
@@ -35345,7 +35651,7 @@
         </p:nvSpPr>
         <p:spPr>
           <a:xfrm>
-            <a:off x="5921828" y="1403670"/>
+            <a:off x="5921828" y="893471"/>
             <a:ext cx="5431971" cy="1300666"/>
           </a:xfrm>
         </p:spPr>
@@ -35398,7 +35704,7 @@
         </p:nvSpPr>
         <p:spPr>
           <a:xfrm>
-            <a:off x="5920595" y="3167948"/>
+            <a:off x="5920595" y="3482222"/>
             <a:ext cx="5433204" cy="365125"/>
           </a:xfrm>
           <a:prstGeom prst="rect">
@@ -35621,7 +35927,7 @@
         </p:nvSpPr>
         <p:spPr>
           <a:xfrm>
-            <a:off x="5920169" y="3510357"/>
+            <a:off x="5920169" y="3824631"/>
             <a:ext cx="5431971" cy="834124"/>
           </a:xfrm>
           <a:prstGeom prst="rect">
@@ -35841,7 +36147,7 @@
         </p:nvSpPr>
         <p:spPr>
           <a:xfrm>
-            <a:off x="5918936" y="4863866"/>
+            <a:off x="5918936" y="4938423"/>
             <a:ext cx="5433204" cy="365125"/>
           </a:xfrm>
           <a:prstGeom prst="rect">
@@ -36064,7 +36370,7 @@
         </p:nvSpPr>
         <p:spPr>
           <a:xfrm>
-            <a:off x="5918510" y="5219247"/>
+            <a:off x="5918510" y="5293804"/>
             <a:ext cx="5431971" cy="551453"/>
           </a:xfrm>
           <a:prstGeom prst="rect">
@@ -36262,6 +36568,443 @@
           </a:p>
         </p:txBody>
       </p:sp>
+      <p:sp>
+        <p:nvSpPr>
+          <p:cNvPr id="9" name="Content Placeholder 2">
+            <a:extLst>
+              <a:ext uri="{FF2B5EF4-FFF2-40B4-BE49-F238E27FC236}">
+                <a16:creationId xmlns:a16="http://schemas.microsoft.com/office/drawing/2014/main" id="{7AEF9899-352F-4001-97BD-EB06C4AA67A1}"/>
+              </a:ext>
+            </a:extLst>
+          </p:cNvPr>
+          <p:cNvSpPr txBox="1">
+            <a:spLocks/>
+          </p:cNvSpPr>
+          <p:nvPr/>
+        </p:nvSpPr>
+        <p:spPr>
+          <a:xfrm>
+            <a:off x="5917277" y="2394702"/>
+            <a:ext cx="5433204" cy="365125"/>
+          </a:xfrm>
+          <a:prstGeom prst="rect">
+            <a:avLst/>
+          </a:prstGeom>
+        </p:spPr>
+        <p:txBody>
+          <a:bodyPr vert="horz" lIns="91440" tIns="45720" rIns="91440" bIns="45720" rtlCol="0" anchor="b">
+            <a:normAutofit lnSpcReduction="10000"/>
+          </a:bodyPr>
+          <a:lstStyle>
+            <a:lvl1pPr marL="0" indent="0" algn="l" defTabSz="914400" rtl="0" eaLnBrk="1" latinLnBrk="0" hangingPunct="1">
+              <a:lnSpc>
+                <a:spcPct val="90000"/>
+              </a:lnSpc>
+              <a:spcBef>
+                <a:spcPts val="1000"/>
+              </a:spcBef>
+              <a:buFont typeface="Arial" panose="020B0604020202020204" pitchFamily="34" charset="0"/>
+              <a:buNone/>
+              <a:defRPr lang="en-US" sz="2000" kern="1200" spc="150" baseline="0" dirty="0">
+                <a:solidFill>
+                  <a:schemeClr val="tx1">
+                    <a:lumMod val="75000"/>
+                    <a:lumOff val="25000"/>
+                  </a:schemeClr>
+                </a:solidFill>
+                <a:latin typeface="+mj-lt"/>
+                <a:ea typeface="+mj-ea"/>
+                <a:cs typeface="+mj-cs"/>
+              </a:defRPr>
+            </a:lvl1pPr>
+            <a:lvl2pPr marL="685800" indent="-228600" algn="l" defTabSz="914400" rtl="0" eaLnBrk="1" latinLnBrk="0" hangingPunct="1">
+              <a:lnSpc>
+                <a:spcPct val="90000"/>
+              </a:lnSpc>
+              <a:spcBef>
+                <a:spcPts val="500"/>
+              </a:spcBef>
+              <a:buFont typeface="Arial" panose="020B0604020202020204" pitchFamily="34" charset="0"/>
+              <a:buChar char="•"/>
+              <a:defRPr sz="2400" kern="1200">
+                <a:solidFill>
+                  <a:schemeClr val="tx1">
+                    <a:lumMod val="75000"/>
+                    <a:lumOff val="25000"/>
+                  </a:schemeClr>
+                </a:solidFill>
+                <a:latin typeface="+mn-lt"/>
+                <a:ea typeface="+mn-ea"/>
+                <a:cs typeface="+mn-cs"/>
+              </a:defRPr>
+            </a:lvl2pPr>
+            <a:lvl3pPr marL="1143000" indent="-228600" algn="l" defTabSz="914400" rtl="0" eaLnBrk="1" latinLnBrk="0" hangingPunct="1">
+              <a:lnSpc>
+                <a:spcPct val="90000"/>
+              </a:lnSpc>
+              <a:spcBef>
+                <a:spcPts val="500"/>
+              </a:spcBef>
+              <a:buFont typeface="Arial" panose="020B0604020202020204" pitchFamily="34" charset="0"/>
+              <a:buChar char="•"/>
+              <a:defRPr sz="2000" kern="1200">
+                <a:solidFill>
+                  <a:schemeClr val="tx1">
+                    <a:lumMod val="75000"/>
+                    <a:lumOff val="25000"/>
+                  </a:schemeClr>
+                </a:solidFill>
+                <a:latin typeface="+mn-lt"/>
+                <a:ea typeface="+mn-ea"/>
+                <a:cs typeface="+mn-cs"/>
+              </a:defRPr>
+            </a:lvl3pPr>
+            <a:lvl4pPr marL="1600200" indent="-228600" algn="l" defTabSz="914400" rtl="0" eaLnBrk="1" latinLnBrk="0" hangingPunct="1">
+              <a:lnSpc>
+                <a:spcPct val="90000"/>
+              </a:lnSpc>
+              <a:spcBef>
+                <a:spcPts val="500"/>
+              </a:spcBef>
+              <a:buFont typeface="Arial" panose="020B0604020202020204" pitchFamily="34" charset="0"/>
+              <a:buChar char="•"/>
+              <a:defRPr sz="1800" kern="1200">
+                <a:solidFill>
+                  <a:schemeClr val="tx1">
+                    <a:lumMod val="75000"/>
+                    <a:lumOff val="25000"/>
+                  </a:schemeClr>
+                </a:solidFill>
+                <a:latin typeface="+mn-lt"/>
+                <a:ea typeface="+mn-ea"/>
+                <a:cs typeface="+mn-cs"/>
+              </a:defRPr>
+            </a:lvl4pPr>
+            <a:lvl5pPr marL="2057400" indent="-228600" algn="l" defTabSz="914400" rtl="0" eaLnBrk="1" latinLnBrk="0" hangingPunct="1">
+              <a:lnSpc>
+                <a:spcPct val="90000"/>
+              </a:lnSpc>
+              <a:spcBef>
+                <a:spcPts val="500"/>
+              </a:spcBef>
+              <a:buFont typeface="Arial" panose="020B0604020202020204" pitchFamily="34" charset="0"/>
+              <a:buChar char="•"/>
+              <a:defRPr sz="1800" kern="1200">
+                <a:solidFill>
+                  <a:schemeClr val="tx1">
+                    <a:lumMod val="75000"/>
+                    <a:lumOff val="25000"/>
+                  </a:schemeClr>
+                </a:solidFill>
+                <a:latin typeface="+mn-lt"/>
+                <a:ea typeface="+mn-ea"/>
+                <a:cs typeface="+mn-cs"/>
+              </a:defRPr>
+            </a:lvl5pPr>
+            <a:lvl6pPr marL="2514600" indent="-228600" algn="l" defTabSz="914400" rtl="0" eaLnBrk="1" latinLnBrk="0" hangingPunct="1">
+              <a:lnSpc>
+                <a:spcPct val="90000"/>
+              </a:lnSpc>
+              <a:spcBef>
+                <a:spcPts val="500"/>
+              </a:spcBef>
+              <a:buFont typeface="Arial" panose="020B0604020202020204" pitchFamily="34" charset="0"/>
+              <a:buChar char="•"/>
+              <a:defRPr sz="1800" kern="1200">
+                <a:solidFill>
+                  <a:schemeClr val="tx1"/>
+                </a:solidFill>
+                <a:latin typeface="+mn-lt"/>
+                <a:ea typeface="+mn-ea"/>
+                <a:cs typeface="+mn-cs"/>
+              </a:defRPr>
+            </a:lvl6pPr>
+            <a:lvl7pPr marL="2971800" indent="-228600" algn="l" defTabSz="914400" rtl="0" eaLnBrk="1" latinLnBrk="0" hangingPunct="1">
+              <a:lnSpc>
+                <a:spcPct val="90000"/>
+              </a:lnSpc>
+              <a:spcBef>
+                <a:spcPts val="500"/>
+              </a:spcBef>
+              <a:buFont typeface="Arial" panose="020B0604020202020204" pitchFamily="34" charset="0"/>
+              <a:buChar char="•"/>
+              <a:defRPr sz="1800" kern="1200">
+                <a:solidFill>
+                  <a:schemeClr val="tx1"/>
+                </a:solidFill>
+                <a:latin typeface="+mn-lt"/>
+                <a:ea typeface="+mn-ea"/>
+                <a:cs typeface="+mn-cs"/>
+              </a:defRPr>
+            </a:lvl7pPr>
+            <a:lvl8pPr marL="3429000" indent="-228600" algn="l" defTabSz="914400" rtl="0" eaLnBrk="1" latinLnBrk="0" hangingPunct="1">
+              <a:lnSpc>
+                <a:spcPct val="90000"/>
+              </a:lnSpc>
+              <a:spcBef>
+                <a:spcPts val="500"/>
+              </a:spcBef>
+              <a:buFont typeface="Arial" panose="020B0604020202020204" pitchFamily="34" charset="0"/>
+              <a:buChar char="•"/>
+              <a:defRPr sz="1800" kern="1200">
+                <a:solidFill>
+                  <a:schemeClr val="tx1"/>
+                </a:solidFill>
+                <a:latin typeface="+mn-lt"/>
+                <a:ea typeface="+mn-ea"/>
+                <a:cs typeface="+mn-cs"/>
+              </a:defRPr>
+            </a:lvl8pPr>
+            <a:lvl9pPr marL="3886200" indent="-228600" algn="l" defTabSz="914400" rtl="0" eaLnBrk="1" latinLnBrk="0" hangingPunct="1">
+              <a:lnSpc>
+                <a:spcPct val="90000"/>
+              </a:lnSpc>
+              <a:spcBef>
+                <a:spcPts val="500"/>
+              </a:spcBef>
+              <a:buFont typeface="Arial" panose="020B0604020202020204" pitchFamily="34" charset="0"/>
+              <a:buChar char="•"/>
+              <a:defRPr sz="1800" kern="1200">
+                <a:solidFill>
+                  <a:schemeClr val="tx1"/>
+                </a:solidFill>
+                <a:latin typeface="+mn-lt"/>
+                <a:ea typeface="+mn-ea"/>
+                <a:cs typeface="+mn-cs"/>
+              </a:defRPr>
+            </a:lvl9pPr>
+          </a:lstStyle>
+          <a:p>
+            <a:r>
+              <a:rPr lang="en-US" dirty="0" err="1"/>
+              <a:t>Criação</a:t>
+            </a:r>
+            <a:r>
+              <a:rPr lang="en-US" dirty="0"/>
+              <a:t> de </a:t>
+            </a:r>
+            <a:r>
+              <a:rPr lang="en-US" dirty="0" err="1"/>
+              <a:t>hipóteses</a:t>
+            </a:r>
+            <a:endParaRPr lang="pt-BR" dirty="0"/>
+          </a:p>
+        </p:txBody>
+      </p:sp>
+      <p:sp>
+        <p:nvSpPr>
+          <p:cNvPr id="10" name="Text Placeholder 3">
+            <a:extLst>
+              <a:ext uri="{FF2B5EF4-FFF2-40B4-BE49-F238E27FC236}">
+                <a16:creationId xmlns:a16="http://schemas.microsoft.com/office/drawing/2014/main" id="{54F89DC2-50EC-435F-8940-CFA41504A4BC}"/>
+              </a:ext>
+            </a:extLst>
+          </p:cNvPr>
+          <p:cNvSpPr txBox="1">
+            <a:spLocks/>
+          </p:cNvSpPr>
+          <p:nvPr/>
+        </p:nvSpPr>
+        <p:spPr>
+          <a:xfrm>
+            <a:off x="5916851" y="2624425"/>
+            <a:ext cx="5431971" cy="624242"/>
+          </a:xfrm>
+          <a:prstGeom prst="rect">
+            <a:avLst/>
+          </a:prstGeom>
+        </p:spPr>
+        <p:txBody>
+          <a:bodyPr vert="horz" lIns="91440" tIns="45720" rIns="91440" bIns="45720" rtlCol="0" anchor="b">
+            <a:normAutofit/>
+          </a:bodyPr>
+          <a:lstStyle>
+            <a:lvl1pPr marL="0" indent="0" algn="l" defTabSz="914400" rtl="0" eaLnBrk="1" latinLnBrk="0" hangingPunct="1">
+              <a:lnSpc>
+                <a:spcPct val="100000"/>
+              </a:lnSpc>
+              <a:spcBef>
+                <a:spcPts val="1000"/>
+              </a:spcBef>
+              <a:buFont typeface="Arial" panose="020B0604020202020204" pitchFamily="34" charset="0"/>
+              <a:buNone/>
+              <a:defRPr sz="1400" kern="1200">
+                <a:solidFill>
+                  <a:schemeClr val="tx1">
+                    <a:lumMod val="75000"/>
+                    <a:lumOff val="25000"/>
+                  </a:schemeClr>
+                </a:solidFill>
+                <a:latin typeface="+mn-lt"/>
+                <a:ea typeface="+mn-ea"/>
+                <a:cs typeface="+mn-cs"/>
+              </a:defRPr>
+            </a:lvl1pPr>
+            <a:lvl2pPr marL="685800" indent="-228600" algn="l" defTabSz="914400" rtl="0" eaLnBrk="1" latinLnBrk="0" hangingPunct="1">
+              <a:lnSpc>
+                <a:spcPct val="90000"/>
+              </a:lnSpc>
+              <a:spcBef>
+                <a:spcPts val="500"/>
+              </a:spcBef>
+              <a:buFont typeface="Arial" panose="020B0604020202020204" pitchFamily="34" charset="0"/>
+              <a:buChar char="•"/>
+              <a:defRPr sz="2400" kern="1200">
+                <a:solidFill>
+                  <a:schemeClr val="tx1">
+                    <a:lumMod val="75000"/>
+                    <a:lumOff val="25000"/>
+                  </a:schemeClr>
+                </a:solidFill>
+                <a:latin typeface="+mn-lt"/>
+                <a:ea typeface="+mn-ea"/>
+                <a:cs typeface="+mn-cs"/>
+              </a:defRPr>
+            </a:lvl2pPr>
+            <a:lvl3pPr marL="1143000" indent="-228600" algn="l" defTabSz="914400" rtl="0" eaLnBrk="1" latinLnBrk="0" hangingPunct="1">
+              <a:lnSpc>
+                <a:spcPct val="90000"/>
+              </a:lnSpc>
+              <a:spcBef>
+                <a:spcPts val="500"/>
+              </a:spcBef>
+              <a:buFont typeface="Arial" panose="020B0604020202020204" pitchFamily="34" charset="0"/>
+              <a:buChar char="•"/>
+              <a:defRPr sz="2000" kern="1200">
+                <a:solidFill>
+                  <a:schemeClr val="tx1">
+                    <a:lumMod val="75000"/>
+                    <a:lumOff val="25000"/>
+                  </a:schemeClr>
+                </a:solidFill>
+                <a:latin typeface="+mn-lt"/>
+                <a:ea typeface="+mn-ea"/>
+                <a:cs typeface="+mn-cs"/>
+              </a:defRPr>
+            </a:lvl3pPr>
+            <a:lvl4pPr marL="1600200" indent="-228600" algn="l" defTabSz="914400" rtl="0" eaLnBrk="1" latinLnBrk="0" hangingPunct="1">
+              <a:lnSpc>
+                <a:spcPct val="90000"/>
+              </a:lnSpc>
+              <a:spcBef>
+                <a:spcPts val="500"/>
+              </a:spcBef>
+              <a:buFont typeface="Arial" panose="020B0604020202020204" pitchFamily="34" charset="0"/>
+              <a:buChar char="•"/>
+              <a:defRPr sz="1800" kern="1200">
+                <a:solidFill>
+                  <a:schemeClr val="tx1">
+                    <a:lumMod val="75000"/>
+                    <a:lumOff val="25000"/>
+                  </a:schemeClr>
+                </a:solidFill>
+                <a:latin typeface="+mn-lt"/>
+                <a:ea typeface="+mn-ea"/>
+                <a:cs typeface="+mn-cs"/>
+              </a:defRPr>
+            </a:lvl4pPr>
+            <a:lvl5pPr marL="2057400" indent="-228600" algn="l" defTabSz="914400" rtl="0" eaLnBrk="1" latinLnBrk="0" hangingPunct="1">
+              <a:lnSpc>
+                <a:spcPct val="90000"/>
+              </a:lnSpc>
+              <a:spcBef>
+                <a:spcPts val="500"/>
+              </a:spcBef>
+              <a:buFont typeface="Arial" panose="020B0604020202020204" pitchFamily="34" charset="0"/>
+              <a:buChar char="•"/>
+              <a:defRPr sz="1800" kern="1200">
+                <a:solidFill>
+                  <a:schemeClr val="tx1">
+                    <a:lumMod val="75000"/>
+                    <a:lumOff val="25000"/>
+                  </a:schemeClr>
+                </a:solidFill>
+                <a:latin typeface="+mn-lt"/>
+                <a:ea typeface="+mn-ea"/>
+                <a:cs typeface="+mn-cs"/>
+              </a:defRPr>
+            </a:lvl5pPr>
+            <a:lvl6pPr marL="2514600" indent="-228600" algn="l" defTabSz="914400" rtl="0" eaLnBrk="1" latinLnBrk="0" hangingPunct="1">
+              <a:lnSpc>
+                <a:spcPct val="90000"/>
+              </a:lnSpc>
+              <a:spcBef>
+                <a:spcPts val="500"/>
+              </a:spcBef>
+              <a:buFont typeface="Arial" panose="020B0604020202020204" pitchFamily="34" charset="0"/>
+              <a:buChar char="•"/>
+              <a:defRPr sz="1800" kern="1200">
+                <a:solidFill>
+                  <a:schemeClr val="tx1"/>
+                </a:solidFill>
+                <a:latin typeface="+mn-lt"/>
+                <a:ea typeface="+mn-ea"/>
+                <a:cs typeface="+mn-cs"/>
+              </a:defRPr>
+            </a:lvl6pPr>
+            <a:lvl7pPr marL="2971800" indent="-228600" algn="l" defTabSz="914400" rtl="0" eaLnBrk="1" latinLnBrk="0" hangingPunct="1">
+              <a:lnSpc>
+                <a:spcPct val="90000"/>
+              </a:lnSpc>
+              <a:spcBef>
+                <a:spcPts val="500"/>
+              </a:spcBef>
+              <a:buFont typeface="Arial" panose="020B0604020202020204" pitchFamily="34" charset="0"/>
+              <a:buChar char="•"/>
+              <a:defRPr sz="1800" kern="1200">
+                <a:solidFill>
+                  <a:schemeClr val="tx1"/>
+                </a:solidFill>
+                <a:latin typeface="+mn-lt"/>
+                <a:ea typeface="+mn-ea"/>
+                <a:cs typeface="+mn-cs"/>
+              </a:defRPr>
+            </a:lvl7pPr>
+            <a:lvl8pPr marL="3429000" indent="-228600" algn="l" defTabSz="914400" rtl="0" eaLnBrk="1" latinLnBrk="0" hangingPunct="1">
+              <a:lnSpc>
+                <a:spcPct val="90000"/>
+              </a:lnSpc>
+              <a:spcBef>
+                <a:spcPts val="500"/>
+              </a:spcBef>
+              <a:buFont typeface="Arial" panose="020B0604020202020204" pitchFamily="34" charset="0"/>
+              <a:buChar char="•"/>
+              <a:defRPr sz="1800" kern="1200">
+                <a:solidFill>
+                  <a:schemeClr val="tx1"/>
+                </a:solidFill>
+                <a:latin typeface="+mn-lt"/>
+                <a:ea typeface="+mn-ea"/>
+                <a:cs typeface="+mn-cs"/>
+              </a:defRPr>
+            </a:lvl8pPr>
+            <a:lvl9pPr marL="3886200" indent="-228600" algn="l" defTabSz="914400" rtl="0" eaLnBrk="1" latinLnBrk="0" hangingPunct="1">
+              <a:lnSpc>
+                <a:spcPct val="90000"/>
+              </a:lnSpc>
+              <a:spcBef>
+                <a:spcPts val="500"/>
+              </a:spcBef>
+              <a:buFont typeface="Arial" panose="020B0604020202020204" pitchFamily="34" charset="0"/>
+              <a:buChar char="•"/>
+              <a:defRPr sz="1800" kern="1200">
+                <a:solidFill>
+                  <a:schemeClr val="tx1"/>
+                </a:solidFill>
+                <a:latin typeface="+mn-lt"/>
+                <a:ea typeface="+mn-ea"/>
+                <a:cs typeface="+mn-cs"/>
+              </a:defRPr>
+            </a:lvl9pPr>
+          </a:lstStyle>
+          <a:p>
+            <a:r>
+              <a:rPr lang="pt-BR" dirty="0"/>
+              <a:t>A maioria dos gráficos foram gerados para verificar uma hipótese sobre os estudantes.</a:t>
+            </a:r>
+          </a:p>
+        </p:txBody>
+      </p:sp>
     </p:spTree>
     <p:extLst>
       <p:ext uri="{BB962C8B-B14F-4D97-AF65-F5344CB8AC3E}">
@@ -36310,8 +37053,8 @@
         </p:nvSpPr>
         <p:spPr>
           <a:xfrm>
-            <a:off x="6991350" y="2571235"/>
-            <a:ext cx="4179570" cy="1715531"/>
+            <a:off x="6991350" y="2028949"/>
+            <a:ext cx="4179570" cy="2723576"/>
           </a:xfrm>
         </p:spPr>
         <p:txBody>
@@ -36330,7 +37073,13 @@
               <a:rPr lang="en-US" dirty="0" err="1"/>
               <a:t>Financeira</a:t>
             </a:r>
-            <a:endParaRPr lang="en-US" dirty="0"/>
+            <a:br>
+              <a:rPr lang="en-US" dirty="0"/>
+            </a:br>
+            <a:r>
+              <a:rPr lang="en-US" dirty="0"/>
+              <a:t>familiar</a:t>
+            </a:r>
           </a:p>
         </p:txBody>
       </p:sp>
@@ -36549,7 +37298,7 @@
           <p:cNvPr id="2" name="Title 1">
             <a:extLst>
               <a:ext uri="{FF2B5EF4-FFF2-40B4-BE49-F238E27FC236}">
-                <a16:creationId xmlns:a16="http://schemas.microsoft.com/office/drawing/2014/main" id="{BCCAEE93-8585-46D4-A7EC-F184E317CB2E}"/>
+                <a16:creationId xmlns:a16="http://schemas.microsoft.com/office/drawing/2014/main" id="{A29DE7F2-E890-4744-88DD-A75F5E300513}"/>
               </a:ext>
             </a:extLst>
           </p:cNvPr>
@@ -36562,8 +37311,8 @@
         </p:nvSpPr>
         <p:spPr>
           <a:xfrm>
-            <a:off x="4267200" y="1372421"/>
-            <a:ext cx="4179570" cy="1524735"/>
+            <a:off x="6991350" y="2028949"/>
+            <a:ext cx="4179570" cy="2723576"/>
           </a:xfrm>
         </p:spPr>
         <p:txBody>
@@ -36571,55 +37320,23 @@
           <a:lstStyle/>
           <a:p>
             <a:r>
-              <a:rPr lang="en-US" sz="4000" dirty="0"/>
-              <a:t>OBRIGADO!</a:t>
-            </a:r>
-          </a:p>
-        </p:txBody>
-      </p:sp>
-      <p:sp>
-        <p:nvSpPr>
-          <p:cNvPr id="3" name="Content Placeholder 2">
-            <a:extLst>
-              <a:ext uri="{FF2B5EF4-FFF2-40B4-BE49-F238E27FC236}">
-                <a16:creationId xmlns:a16="http://schemas.microsoft.com/office/drawing/2014/main" id="{24AFFC60-19C3-4901-93F7-7AAF4C09F8C6}"/>
-              </a:ext>
-            </a:extLst>
-          </p:cNvPr>
-          <p:cNvSpPr>
-            <a:spLocks noGrp="1"/>
-          </p:cNvSpPr>
-          <p:nvPr>
-            <p:ph type="subTitle" idx="1"/>
-          </p:nvPr>
-        </p:nvSpPr>
-        <p:spPr>
-          <a:xfrm>
-            <a:off x="4267200" y="3238103"/>
-            <a:ext cx="4179570" cy="2004161"/>
-          </a:xfrm>
-        </p:spPr>
-        <p:txBody>
-          <a:bodyPr>
-            <a:normAutofit/>
-          </a:bodyPr>
-          <a:lstStyle/>
-          <a:p>
-            <a:r>
-              <a:rPr lang="pt-BR" sz="2000" dirty="0"/>
-              <a:t>Caio P. V. de Souza</a:t>
-            </a:r>
-          </a:p>
-          <a:p>
-            <a:r>
-              <a:rPr lang="pt-BR" sz="2000" dirty="0"/>
-              <a:t>Cleiton F. do Nascimento</a:t>
-            </a:r>
-          </a:p>
-          <a:p>
-            <a:r>
-              <a:rPr lang="pt-BR" sz="2000" dirty="0"/>
-              <a:t>Sergio R. M. de Oliveira</a:t>
+              <a:rPr lang="en-US" dirty="0" err="1"/>
+              <a:t>Situação</a:t>
+            </a:r>
+            <a:r>
+              <a:rPr lang="en-US" dirty="0"/>
+              <a:t> </a:t>
+            </a:r>
+            <a:r>
+              <a:rPr lang="en-US" dirty="0" err="1"/>
+              <a:t>Financeira</a:t>
+            </a:r>
+            <a:br>
+              <a:rPr lang="en-US" dirty="0"/>
+            </a:br>
+            <a:r>
+              <a:rPr lang="en-US" dirty="0"/>
+              <a:t>individual</a:t>
             </a:r>
           </a:p>
         </p:txBody>
@@ -36627,7 +37344,7 @@
     </p:spTree>
     <p:extLst>
       <p:ext uri="{BB962C8B-B14F-4D97-AF65-F5344CB8AC3E}">
-        <p14:creationId xmlns:p14="http://schemas.microsoft.com/office/powerpoint/2010/main" val="2436493926"/>
+        <p14:creationId xmlns:p14="http://schemas.microsoft.com/office/powerpoint/2010/main" val="3741058549"/>
       </p:ext>
     </p:extLst>
   </p:cSld>
@@ -37429,15 +38146,6 @@
 </file>
 
 <file path=customXml/item1.xml><?xml version="1.0" encoding="utf-8"?>
-<?mso-contentType ?>
-<FormTemplates xmlns="http://schemas.microsoft.com/sharepoint/v3/contenttype/forms">
-  <Display>DocumentLibraryForm</Display>
-  <Edit>DocumentLibraryForm</Edit>
-  <New>DocumentLibraryForm</New>
-</FormTemplates>
-</file>
-
-<file path=customXml/item2.xml><?xml version="1.0" encoding="utf-8"?>
 <ct:contentTypeSchema xmlns:ct="http://schemas.microsoft.com/office/2006/metadata/contentType" xmlns:ma="http://schemas.microsoft.com/office/2006/metadata/properties/metaAttributes" ct:_="" ma:_="" ma:contentTypeName="Document" ma:contentTypeID="0x01010079F111ED35F8CC479449609E8A0923A6" ma:contentTypeVersion="20" ma:contentTypeDescription="Create a new document." ma:contentTypeScope="" ma:versionID="1267097ee5f5874adfcc408041ae252e">
   <xsd:schema xmlns:xsd="http://www.w3.org/2001/XMLSchema" xmlns:xs="http://www.w3.org/2001/XMLSchema" xmlns:p="http://schemas.microsoft.com/office/2006/metadata/properties" xmlns:ns1="http://schemas.microsoft.com/sharepoint/v3" xmlns:ns2="71af3243-3dd4-4a8d-8c0d-dd76da1f02a5" xmlns:ns3="16c05727-aa75-4e4a-9b5f-8a80a1165891" xmlns:ns4="230e9df3-be65-4c73-a93b-d1236ebd677e" targetNamespace="http://schemas.microsoft.com/office/2006/metadata/properties" ma:root="true" ma:fieldsID="395891a93df65b14727750f2c06c306c" ns1:_="" ns2:_="" ns3:_="" ns4:_="">
     <xsd:import namespace="http://schemas.microsoft.com/sharepoint/v3"/>
@@ -37713,6 +38421,15 @@
 </ct:contentTypeSchema>
 </file>
 
+<file path=customXml/item2.xml><?xml version="1.0" encoding="utf-8"?>
+<?mso-contentType ?>
+<FormTemplates xmlns="http://schemas.microsoft.com/sharepoint/v3/contenttype/forms">
+  <Display>DocumentLibraryForm</Display>
+  <Edit>DocumentLibraryForm</Edit>
+  <New>DocumentLibraryForm</New>
+</FormTemplates>
+</file>
+
 <file path=customXml/item3.xml><?xml version="1.0" encoding="utf-8"?>
 <p:properties xmlns:p="http://schemas.microsoft.com/office/2006/metadata/properties" xmlns:xsi="http://www.w3.org/2001/XMLSchema-instance" xmlns:pc="http://schemas.microsoft.com/office/infopath/2007/PartnerControls">
   <documentManagement>
@@ -37733,14 +38450,6 @@
 </file>
 
 <file path=customXml/itemProps1.xml><?xml version="1.0" encoding="utf-8"?>
-<ds:datastoreItem xmlns:ds="http://schemas.openxmlformats.org/officeDocument/2006/customXml" ds:itemID="{42BC90D6-94CF-42F7-AAC4-9CF6824C54D5}">
-  <ds:schemaRefs>
-    <ds:schemaRef ds:uri="http://schemas.microsoft.com/sharepoint/v3/contenttype/forms"/>
-  </ds:schemaRefs>
-</ds:datastoreItem>
-</file>
-
-<file path=customXml/itemProps2.xml><?xml version="1.0" encoding="utf-8"?>
 <ds:datastoreItem xmlns:ds="http://schemas.openxmlformats.org/officeDocument/2006/customXml" ds:itemID="{64CF2EF3-001F-4BE9-81B3-86ECBBF9425F}">
   <ds:schemaRefs>
     <ds:schemaRef ds:uri="http://schemas.microsoft.com/office/2006/metadata/contentType"/>
@@ -37757,6 +38466,14 @@
     <ds:schemaRef ds:uri="http://purl.org/dc/elements/1.1/"/>
     <ds:schemaRef ds:uri="http://purl.org/dc/terms/"/>
     <ds:schemaRef ds:uri="http://schemas.microsoft.com/internal/obd"/>
+  </ds:schemaRefs>
+</ds:datastoreItem>
+</file>
+
+<file path=customXml/itemProps2.xml><?xml version="1.0" encoding="utf-8"?>
+<ds:datastoreItem xmlns:ds="http://schemas.openxmlformats.org/officeDocument/2006/customXml" ds:itemID="{42BC90D6-94CF-42F7-AAC4-9CF6824C54D5}">
+  <ds:schemaRefs>
+    <ds:schemaRef ds:uri="http://schemas.microsoft.com/sharepoint/v3/contenttype/forms"/>
   </ds:schemaRefs>
 </ds:datastoreItem>
 </file>
